--- a/docs/Prezentare.pptx
+++ b/docs/Prezentare.pptx
@@ -2,7 +2,7 @@
 <file path=ppt/presentation.xml><?xml version="1.0" encoding="utf-8"?>
 <p:presentation xmlns:a="http://schemas.openxmlformats.org/drawingml/2006/main" xmlns:r="http://schemas.openxmlformats.org/officeDocument/2006/relationships" xmlns:p="http://schemas.openxmlformats.org/presentationml/2006/main" saveSubsetFonts="1">
   <p:sldMasterIdLst>
-    <p:sldMasterId id="2147483648" r:id="rId1"/>
+    <p:sldMasterId id="2147483996" r:id="rId1"/>
   </p:sldMasterIdLst>
   <p:sldIdLst>
     <p:sldId id="256" r:id="rId2"/>
@@ -14,6 +14,11 @@
     <p:sldId id="262" r:id="rId8"/>
     <p:sldId id="263" r:id="rId9"/>
     <p:sldId id="264" r:id="rId10"/>
+    <p:sldId id="270" r:id="rId11"/>
+    <p:sldId id="265" r:id="rId12"/>
+    <p:sldId id="266" r:id="rId13"/>
+    <p:sldId id="267" r:id="rId14"/>
+    <p:sldId id="269" r:id="rId15"/>
   </p:sldIdLst>
   <p:sldSz cx="9144000" cy="6858000" type="screen4x3"/>
   <p:notesSz cx="6858000" cy="9144000"/>
@@ -2399,7 +2404,7 @@
             </a:lvl9pPr>
           </a:lstStyle>
           <a:p>
-            <a:endParaRPr lang="ro-RO" dirty="0"/>
+            <a:endParaRPr lang="ro-RO"/>
           </a:p>
         </p:txBody>
       </p:sp>
@@ -2785,17 +2790,17 @@
   </p:cSld>
   <p:clrMap bg1="lt1" tx1="dk1" bg2="lt2" tx2="dk2" accent1="accent1" accent2="accent2" accent3="accent3" accent4="accent4" accent5="accent5" accent6="accent6" hlink="hlink" folHlink="folHlink"/>
   <p:sldLayoutIdLst>
-    <p:sldLayoutId id="2147483649" r:id="rId1"/>
-    <p:sldLayoutId id="2147483650" r:id="rId2"/>
-    <p:sldLayoutId id="2147483651" r:id="rId3"/>
-    <p:sldLayoutId id="2147483652" r:id="rId4"/>
-    <p:sldLayoutId id="2147483653" r:id="rId5"/>
-    <p:sldLayoutId id="2147483654" r:id="rId6"/>
-    <p:sldLayoutId id="2147483655" r:id="rId7"/>
-    <p:sldLayoutId id="2147483656" r:id="rId8"/>
-    <p:sldLayoutId id="2147483657" r:id="rId9"/>
-    <p:sldLayoutId id="2147483658" r:id="rId10"/>
-    <p:sldLayoutId id="2147483659" r:id="rId11"/>
+    <p:sldLayoutId id="2147483997" r:id="rId1"/>
+    <p:sldLayoutId id="2147483998" r:id="rId2"/>
+    <p:sldLayoutId id="2147483999" r:id="rId3"/>
+    <p:sldLayoutId id="2147484000" r:id="rId4"/>
+    <p:sldLayoutId id="2147484001" r:id="rId5"/>
+    <p:sldLayoutId id="2147484002" r:id="rId6"/>
+    <p:sldLayoutId id="2147484003" r:id="rId7"/>
+    <p:sldLayoutId id="2147484004" r:id="rId8"/>
+    <p:sldLayoutId id="2147484005" r:id="rId9"/>
+    <p:sldLayoutId id="2147484006" r:id="rId10"/>
+    <p:sldLayoutId id="2147484007" r:id="rId11"/>
   </p:sldLayoutIdLst>
   <p:txStyles>
     <p:titleStyle>
@@ -3746,6 +3751,1150 @@
 </p:sld>
 </file>
 
+<file path=ppt/slides/slide10.xml><?xml version="1.0" encoding="utf-8"?>
+<p:sld xmlns:a="http://schemas.openxmlformats.org/drawingml/2006/main" xmlns:r="http://schemas.openxmlformats.org/officeDocument/2006/relationships" xmlns:p="http://schemas.openxmlformats.org/presentationml/2006/main">
+  <p:cSld>
+    <p:spTree>
+      <p:nvGrpSpPr>
+        <p:cNvPr id="1" name=""/>
+        <p:cNvGrpSpPr/>
+        <p:nvPr/>
+      </p:nvGrpSpPr>
+      <p:grpSpPr>
+        <a:xfrm>
+          <a:off x="0" y="0"/>
+          <a:ext cx="0" cy="0"/>
+          <a:chOff x="0" y="0"/>
+          <a:chExt cx="0" cy="0"/>
+        </a:xfrm>
+      </p:grpSpPr>
+      <p:pic>
+        <p:nvPicPr>
+          <p:cNvPr id="7" name="Imagine 6"/>
+          <p:cNvPicPr/>
+          <p:nvPr/>
+        </p:nvPicPr>
+        <p:blipFill>
+          <a:blip r:embed="rId2"/>
+          <a:srcRect/>
+          <a:stretch>
+            <a:fillRect/>
+          </a:stretch>
+        </p:blipFill>
+        <p:spPr bwMode="auto">
+          <a:xfrm>
+            <a:off x="285720" y="2000240"/>
+            <a:ext cx="8643998" cy="4000528"/>
+          </a:xfrm>
+          <a:prstGeom prst="rect">
+            <a:avLst/>
+          </a:prstGeom>
+          <a:noFill/>
+          <a:ln w="9525">
+            <a:noFill/>
+            <a:miter lim="800000"/>
+            <a:headEnd/>
+            <a:tailEnd/>
+          </a:ln>
+        </p:spPr>
+      </p:pic>
+      <p:sp>
+        <p:nvSpPr>
+          <p:cNvPr id="2" name="Titlu 1"/>
+          <p:cNvSpPr>
+            <a:spLocks noGrp="1"/>
+          </p:cNvSpPr>
+          <p:nvPr>
+            <p:ph type="title"/>
+          </p:nvPr>
+        </p:nvSpPr>
+        <p:spPr/>
+        <p:txBody>
+          <a:bodyPr>
+            <a:normAutofit fontScale="90000"/>
+          </a:bodyPr>
+          <a:lstStyle/>
+          <a:p>
+            <a:r>
+              <a:rPr lang="ro-RO" dirty="0" smtClean="0"/>
+              <a:t>Tabel cu rezultate NN; </a:t>
+            </a:r>
+            <a:r>
+              <a:rPr lang="ro-RO" dirty="0" err="1" smtClean="0"/>
+              <a:t>NN</a:t>
+            </a:r>
+            <a:r>
+              <a:rPr lang="ro-RO" dirty="0" smtClean="0"/>
+              <a:t> </a:t>
+            </a:r>
+            <a:r>
+              <a:rPr lang="ro-RO" dirty="0" err="1" smtClean="0"/>
+              <a:t>vs</a:t>
+            </a:r>
+            <a:r>
+              <a:rPr lang="ro-RO" dirty="0" smtClean="0"/>
+              <a:t> alte </a:t>
+            </a:r>
+            <a:r>
+              <a:rPr lang="ro-RO" dirty="0" smtClean="0"/>
+              <a:t>metode (titlu temporar)</a:t>
+            </a:r>
+            <a:endParaRPr lang="ro-RO" dirty="0"/>
+          </a:p>
+        </p:txBody>
+      </p:sp>
+      <p:pic>
+        <p:nvPicPr>
+          <p:cNvPr id="7170" name="Picture 2"/>
+          <p:cNvPicPr>
+            <a:picLocks noChangeAspect="1" noChangeArrowheads="1"/>
+          </p:cNvPicPr>
+          <p:nvPr/>
+        </p:nvPicPr>
+        <p:blipFill>
+          <a:blip r:embed="rId3"/>
+          <a:srcRect/>
+          <a:stretch>
+            <a:fillRect/>
+          </a:stretch>
+        </p:blipFill>
+        <p:spPr bwMode="auto">
+          <a:xfrm>
+            <a:off x="2214546" y="3143248"/>
+            <a:ext cx="4857784" cy="1948888"/>
+          </a:xfrm>
+          <a:prstGeom prst="rect">
+            <a:avLst/>
+          </a:prstGeom>
+          <a:noFill/>
+          <a:ln w="9525">
+            <a:noFill/>
+            <a:miter lim="800000"/>
+            <a:headEnd/>
+            <a:tailEnd/>
+          </a:ln>
+          <a:effectLst/>
+        </p:spPr>
+      </p:pic>
+    </p:spTree>
+  </p:cSld>
+  <p:clrMapOvr>
+    <a:masterClrMapping/>
+  </p:clrMapOvr>
+  <p:timing>
+    <p:tnLst>
+      <p:par>
+        <p:cTn id="1" dur="indefinite" restart="never" nodeType="tmRoot"/>
+      </p:par>
+    </p:tnLst>
+  </p:timing>
+</p:sld>
+</file>
+
+<file path=ppt/slides/slide11.xml><?xml version="1.0" encoding="utf-8"?>
+<p:sld xmlns:a="http://schemas.openxmlformats.org/drawingml/2006/main" xmlns:r="http://schemas.openxmlformats.org/officeDocument/2006/relationships" xmlns:p="http://schemas.openxmlformats.org/presentationml/2006/main">
+  <p:cSld>
+    <p:spTree>
+      <p:nvGrpSpPr>
+        <p:cNvPr id="1" name=""/>
+        <p:cNvGrpSpPr/>
+        <p:nvPr/>
+      </p:nvGrpSpPr>
+      <p:grpSpPr>
+        <a:xfrm>
+          <a:off x="0" y="0"/>
+          <a:ext cx="0" cy="0"/>
+          <a:chOff x="0" y="0"/>
+          <a:chExt cx="0" cy="0"/>
+        </a:xfrm>
+      </p:grpSpPr>
+      <p:sp>
+        <p:nvSpPr>
+          <p:cNvPr id="4" name="Dreptunghi 3"/>
+          <p:cNvSpPr/>
+          <p:nvPr/>
+        </p:nvSpPr>
+        <p:spPr>
+          <a:xfrm>
+            <a:off x="0" y="0"/>
+            <a:ext cx="9144000" cy="754694"/>
+          </a:xfrm>
+          <a:prstGeom prst="rect">
+            <a:avLst/>
+          </a:prstGeom>
+        </p:spPr>
+        <p:txBody>
+          <a:bodyPr wrap="square">
+            <a:spAutoFit/>
+          </a:bodyPr>
+          <a:lstStyle/>
+          <a:p>
+            <a:pPr lvl="0" algn="ctr" eaLnBrk="0" fontAlgn="base" hangingPunct="0">
+              <a:lnSpc>
+                <a:spcPct val="150000"/>
+              </a:lnSpc>
+              <a:spcBef>
+                <a:spcPct val="0"/>
+              </a:spcBef>
+              <a:spcAft>
+                <a:spcPct val="0"/>
+              </a:spcAft>
+            </a:pPr>
+            <a:r>
+              <a:rPr lang="ro-RO" sz="3200" dirty="0" smtClean="0">
+                <a:latin typeface="+mj-lt"/>
+                <a:ea typeface="SimSun" pitchFamily="2" charset="-122"/>
+                <a:cs typeface="Times New Roman" pitchFamily="18" charset="0"/>
+              </a:rPr>
+              <a:t>Detectarea distorsiunilor</a:t>
+            </a:r>
+          </a:p>
+        </p:txBody>
+      </p:sp>
+      <p:sp>
+        <p:nvSpPr>
+          <p:cNvPr id="5" name="CasetăText 4"/>
+          <p:cNvSpPr txBox="1"/>
+          <p:nvPr/>
+        </p:nvSpPr>
+        <p:spPr>
+          <a:xfrm>
+            <a:off x="214282" y="869090"/>
+            <a:ext cx="8715436" cy="1631216"/>
+          </a:xfrm>
+          <a:prstGeom prst="rect">
+            <a:avLst/>
+          </a:prstGeom>
+          <a:noFill/>
+        </p:spPr>
+        <p:txBody>
+          <a:bodyPr wrap="square" rtlCol="0">
+            <a:spAutoFit/>
+          </a:bodyPr>
+          <a:lstStyle/>
+          <a:p>
+            <a:pPr algn="just"/>
+            <a:r>
+              <a:rPr lang="ro-RO" sz="2000" b="1" dirty="0" smtClean="0">
+                <a:cs typeface="Times New Roman" pitchFamily="18" charset="0"/>
+              </a:rPr>
+              <a:t>Antrenarea rețelei neuronale:</a:t>
+            </a:r>
+          </a:p>
+          <a:p>
+            <a:pPr algn="just">
+              <a:buFont typeface="Arial" pitchFamily="34" charset="0"/>
+              <a:buChar char="•"/>
+            </a:pPr>
+            <a:r>
+              <a:rPr lang="ro-RO" sz="2000" dirty="0" smtClean="0">
+                <a:cs typeface="Times New Roman" pitchFamily="18" charset="0"/>
+              </a:rPr>
+              <a:t> necesită un set de antrenare și validare suficient de mare, în care datele sunt deja etichetate</a:t>
+            </a:r>
+          </a:p>
+          <a:p>
+            <a:pPr algn="just">
+              <a:buFont typeface="Arial" pitchFamily="34" charset="0"/>
+              <a:buChar char="•"/>
+            </a:pPr>
+            <a:r>
+              <a:rPr lang="ro-RO" sz="2000" dirty="0" smtClean="0">
+                <a:cs typeface="Times New Roman" pitchFamily="18" charset="0"/>
+              </a:rPr>
+              <a:t> seturile de antrenare și validare au fost generate folosind înregistrări stereo de pe discuri mono, unde cele două canale ar trebui să fie identice.</a:t>
+            </a:r>
+            <a:endParaRPr lang="ro-RO" sz="2000" dirty="0">
+              <a:cs typeface="Times New Roman" pitchFamily="18" charset="0"/>
+            </a:endParaRPr>
+          </a:p>
+        </p:txBody>
+      </p:sp>
+      <p:pic>
+        <p:nvPicPr>
+          <p:cNvPr id="4098" name="Picture 2" descr="D:\git\Licenta\Discuri\docs\imgs\used\generated_marking 2.png"/>
+          <p:cNvPicPr>
+            <a:picLocks noChangeAspect="1" noChangeArrowheads="1"/>
+          </p:cNvPicPr>
+          <p:nvPr/>
+        </p:nvPicPr>
+        <p:blipFill>
+          <a:blip r:embed="rId2"/>
+          <a:srcRect/>
+          <a:stretch>
+            <a:fillRect/>
+          </a:stretch>
+        </p:blipFill>
+        <p:spPr bwMode="auto">
+          <a:xfrm>
+            <a:off x="357158" y="2500306"/>
+            <a:ext cx="8429652" cy="2131322"/>
+          </a:xfrm>
+          <a:prstGeom prst="rect">
+            <a:avLst/>
+          </a:prstGeom>
+          <a:noFill/>
+        </p:spPr>
+      </p:pic>
+      <p:pic>
+        <p:nvPicPr>
+          <p:cNvPr id="4099" name="Picture 3" descr="D:\git\Licenta\Discuri\docs\imgs\used\generated_marking 1.png"/>
+          <p:cNvPicPr>
+            <a:picLocks noChangeAspect="1" noChangeArrowheads="1"/>
+          </p:cNvPicPr>
+          <p:nvPr/>
+        </p:nvPicPr>
+        <p:blipFill>
+          <a:blip r:embed="rId3"/>
+          <a:srcRect/>
+          <a:stretch>
+            <a:fillRect/>
+          </a:stretch>
+        </p:blipFill>
+        <p:spPr bwMode="auto">
+          <a:xfrm>
+            <a:off x="357158" y="4643446"/>
+            <a:ext cx="8429684" cy="2130837"/>
+          </a:xfrm>
+          <a:prstGeom prst="rect">
+            <a:avLst/>
+          </a:prstGeom>
+          <a:noFill/>
+        </p:spPr>
+      </p:pic>
+    </p:spTree>
+  </p:cSld>
+  <p:clrMapOvr>
+    <a:masterClrMapping/>
+  </p:clrMapOvr>
+  <p:timing>
+    <p:tnLst>
+      <p:par>
+        <p:cTn id="1" dur="indefinite" restart="never" nodeType="tmRoot">
+          <p:childTnLst>
+            <p:seq concurrent="1" nextAc="seek">
+              <p:cTn id="2" dur="indefinite" nodeType="mainSeq">
+                <p:childTnLst>
+                  <p:par>
+                    <p:cTn id="3" fill="hold">
+                      <p:stCondLst>
+                        <p:cond delay="indefinite"/>
+                      </p:stCondLst>
+                      <p:childTnLst>
+                        <p:par>
+                          <p:cTn id="4" fill="hold">
+                            <p:stCondLst>
+                              <p:cond delay="0"/>
+                            </p:stCondLst>
+                            <p:childTnLst>
+                              <p:par>
+                                <p:cTn id="5" presetID="10" presetClass="entr" presetSubtype="0" fill="hold" nodeType="clickEffect">
+                                  <p:stCondLst>
+                                    <p:cond delay="0"/>
+                                  </p:stCondLst>
+                                  <p:childTnLst>
+                                    <p:set>
+                                      <p:cBhvr>
+                                        <p:cTn id="6" dur="1" fill="hold">
+                                          <p:stCondLst>
+                                            <p:cond delay="0"/>
+                                          </p:stCondLst>
+                                        </p:cTn>
+                                        <p:tgtEl>
+                                          <p:spTgt spid="4098"/>
+                                        </p:tgtEl>
+                                        <p:attrNameLst>
+                                          <p:attrName>style.visibility</p:attrName>
+                                        </p:attrNameLst>
+                                      </p:cBhvr>
+                                      <p:to>
+                                        <p:strVal val="visible"/>
+                                      </p:to>
+                                    </p:set>
+                                    <p:animEffect transition="in" filter="fade">
+                                      <p:cBhvr>
+                                        <p:cTn id="7" dur="500"/>
+                                        <p:tgtEl>
+                                          <p:spTgt spid="4098"/>
+                                        </p:tgtEl>
+                                      </p:cBhvr>
+                                    </p:animEffect>
+                                  </p:childTnLst>
+                                </p:cTn>
+                              </p:par>
+                              <p:par>
+                                <p:cTn id="8" presetID="10" presetClass="entr" presetSubtype="0" fill="hold" nodeType="withEffect">
+                                  <p:stCondLst>
+                                    <p:cond delay="0"/>
+                                  </p:stCondLst>
+                                  <p:childTnLst>
+                                    <p:set>
+                                      <p:cBhvr>
+                                        <p:cTn id="9" dur="1" fill="hold">
+                                          <p:stCondLst>
+                                            <p:cond delay="0"/>
+                                          </p:stCondLst>
+                                        </p:cTn>
+                                        <p:tgtEl>
+                                          <p:spTgt spid="4099"/>
+                                        </p:tgtEl>
+                                        <p:attrNameLst>
+                                          <p:attrName>style.visibility</p:attrName>
+                                        </p:attrNameLst>
+                                      </p:cBhvr>
+                                      <p:to>
+                                        <p:strVal val="visible"/>
+                                      </p:to>
+                                    </p:set>
+                                    <p:animEffect transition="in" filter="fade">
+                                      <p:cBhvr>
+                                        <p:cTn id="10" dur="500"/>
+                                        <p:tgtEl>
+                                          <p:spTgt spid="4099"/>
+                                        </p:tgtEl>
+                                      </p:cBhvr>
+                                    </p:animEffect>
+                                  </p:childTnLst>
+                                </p:cTn>
+                              </p:par>
+                            </p:childTnLst>
+                          </p:cTn>
+                        </p:par>
+                      </p:childTnLst>
+                    </p:cTn>
+                  </p:par>
+                </p:childTnLst>
+              </p:cTn>
+              <p:prevCondLst>
+                <p:cond evt="onPrev" delay="0">
+                  <p:tgtEl>
+                    <p:sldTgt/>
+                  </p:tgtEl>
+                </p:cond>
+              </p:prevCondLst>
+              <p:nextCondLst>
+                <p:cond evt="onNext" delay="0">
+                  <p:tgtEl>
+                    <p:sldTgt/>
+                  </p:tgtEl>
+                </p:cond>
+              </p:nextCondLst>
+            </p:seq>
+          </p:childTnLst>
+        </p:cTn>
+      </p:par>
+    </p:tnLst>
+  </p:timing>
+</p:sld>
+</file>
+
+<file path=ppt/slides/slide12.xml><?xml version="1.0" encoding="utf-8"?>
+<p:sld xmlns:a="http://schemas.openxmlformats.org/drawingml/2006/main" xmlns:r="http://schemas.openxmlformats.org/officeDocument/2006/relationships" xmlns:p="http://schemas.openxmlformats.org/presentationml/2006/main">
+  <p:cSld>
+    <p:spTree>
+      <p:nvGrpSpPr>
+        <p:cNvPr id="1" name=""/>
+        <p:cNvGrpSpPr/>
+        <p:nvPr/>
+      </p:nvGrpSpPr>
+      <p:grpSpPr>
+        <a:xfrm>
+          <a:off x="0" y="0"/>
+          <a:ext cx="0" cy="0"/>
+          <a:chOff x="0" y="0"/>
+          <a:chExt cx="0" cy="0"/>
+        </a:xfrm>
+      </p:grpSpPr>
+      <p:sp>
+        <p:nvSpPr>
+          <p:cNvPr id="4" name="Dreptunghi 3"/>
+          <p:cNvSpPr/>
+          <p:nvPr/>
+        </p:nvSpPr>
+        <p:spPr>
+          <a:xfrm>
+            <a:off x="0" y="0"/>
+            <a:ext cx="9144000" cy="754694"/>
+          </a:xfrm>
+          <a:prstGeom prst="rect">
+            <a:avLst/>
+          </a:prstGeom>
+        </p:spPr>
+        <p:txBody>
+          <a:bodyPr wrap="square">
+            <a:spAutoFit/>
+          </a:bodyPr>
+          <a:lstStyle/>
+          <a:p>
+            <a:pPr lvl="0" algn="ctr" eaLnBrk="0" fontAlgn="base" hangingPunct="0">
+              <a:lnSpc>
+                <a:spcPct val="150000"/>
+              </a:lnSpc>
+              <a:spcBef>
+                <a:spcPct val="0"/>
+              </a:spcBef>
+              <a:spcAft>
+                <a:spcPct val="0"/>
+              </a:spcAft>
+            </a:pPr>
+            <a:r>
+              <a:rPr lang="ro-RO" sz="3200" dirty="0" smtClean="0">
+                <a:latin typeface="+mj-lt"/>
+                <a:ea typeface="SimSun" pitchFamily="2" charset="-122"/>
+                <a:cs typeface="Times New Roman" pitchFamily="18" charset="0"/>
+              </a:rPr>
+              <a:t>Corectarea distorsiunilor</a:t>
+            </a:r>
+          </a:p>
+        </p:txBody>
+      </p:sp>
+      <p:sp>
+        <p:nvSpPr>
+          <p:cNvPr id="5" name="CasetăText 4"/>
+          <p:cNvSpPr txBox="1"/>
+          <p:nvPr/>
+        </p:nvSpPr>
+        <p:spPr>
+          <a:xfrm>
+            <a:off x="214282" y="785794"/>
+            <a:ext cx="8715436" cy="1323439"/>
+          </a:xfrm>
+          <a:prstGeom prst="rect">
+            <a:avLst/>
+          </a:prstGeom>
+          <a:noFill/>
+        </p:spPr>
+        <p:txBody>
+          <a:bodyPr wrap="square" rtlCol="0">
+            <a:spAutoFit/>
+          </a:bodyPr>
+          <a:lstStyle/>
+          <a:p>
+            <a:pPr algn="just"/>
+            <a:r>
+              <a:rPr lang="ro-RO" sz="2000" b="1" dirty="0" smtClean="0">
+                <a:cs typeface="Times New Roman" pitchFamily="18" charset="0"/>
+              </a:rPr>
+              <a:t>Corectarea distorsiunilor:</a:t>
+            </a:r>
+          </a:p>
+          <a:p>
+            <a:pPr algn="just">
+              <a:buFont typeface="Arial" pitchFamily="34" charset="0"/>
+              <a:buChar char="•"/>
+            </a:pPr>
+            <a:r>
+              <a:rPr lang="ro-RO" sz="2000" dirty="0" smtClean="0">
+                <a:cs typeface="Times New Roman" pitchFamily="18" charset="0"/>
+              </a:rPr>
+              <a:t> fiecare interval marcat este reparat independent</a:t>
+            </a:r>
+          </a:p>
+          <a:p>
+            <a:pPr algn="just">
+              <a:buFont typeface="Arial" pitchFamily="34" charset="0"/>
+              <a:buChar char="•"/>
+            </a:pPr>
+            <a:r>
+              <a:rPr lang="ro-RO" sz="2000" dirty="0" smtClean="0">
+                <a:cs typeface="Times New Roman" pitchFamily="18" charset="0"/>
+              </a:rPr>
+              <a:t> repararea se face folosind predicție liniară dinspre stânga și dreapta intervalului</a:t>
+            </a:r>
+          </a:p>
+          <a:p>
+            <a:pPr algn="just">
+              <a:buFont typeface="Arial" pitchFamily="34" charset="0"/>
+              <a:buChar char="•"/>
+            </a:pPr>
+            <a:r>
+              <a:rPr lang="ro-RO" sz="2000" dirty="0" smtClean="0">
+                <a:cs typeface="Times New Roman" pitchFamily="18" charset="0"/>
+              </a:rPr>
+              <a:t> coeficienții de predicție liniară – calculați cu metoda lui Burg</a:t>
+            </a:r>
+            <a:endParaRPr lang="ro-RO" sz="2000" dirty="0">
+              <a:cs typeface="Times New Roman" pitchFamily="18" charset="0"/>
+            </a:endParaRPr>
+          </a:p>
+        </p:txBody>
+      </p:sp>
+      <p:pic>
+        <p:nvPicPr>
+          <p:cNvPr id="6146" name="Picture 2" descr="D:\git\Licenta\Discuri\docs\imgs\used\pred.png"/>
+          <p:cNvPicPr>
+            <a:picLocks noChangeAspect="1" noChangeArrowheads="1"/>
+          </p:cNvPicPr>
+          <p:nvPr/>
+        </p:nvPicPr>
+        <p:blipFill>
+          <a:blip r:embed="rId2"/>
+          <a:srcRect/>
+          <a:stretch>
+            <a:fillRect/>
+          </a:stretch>
+        </p:blipFill>
+        <p:spPr bwMode="auto">
+          <a:xfrm>
+            <a:off x="0" y="2714620"/>
+            <a:ext cx="9144000" cy="3286125"/>
+          </a:xfrm>
+          <a:prstGeom prst="rect">
+            <a:avLst/>
+          </a:prstGeom>
+          <a:noFill/>
+        </p:spPr>
+      </p:pic>
+    </p:spTree>
+  </p:cSld>
+  <p:clrMapOvr>
+    <a:masterClrMapping/>
+  </p:clrMapOvr>
+  <p:timing>
+    <p:tnLst>
+      <p:par>
+        <p:cTn id="1" dur="indefinite" restart="never" nodeType="tmRoot"/>
+      </p:par>
+    </p:tnLst>
+  </p:timing>
+</p:sld>
+</file>
+
+<file path=ppt/slides/slide13.xml><?xml version="1.0" encoding="utf-8"?>
+<p:sld xmlns:a="http://schemas.openxmlformats.org/drawingml/2006/main" xmlns:r="http://schemas.openxmlformats.org/officeDocument/2006/relationships" xmlns:p="http://schemas.openxmlformats.org/presentationml/2006/main">
+  <p:cSld>
+    <p:spTree>
+      <p:nvGrpSpPr>
+        <p:cNvPr id="1" name=""/>
+        <p:cNvGrpSpPr/>
+        <p:nvPr/>
+      </p:nvGrpSpPr>
+      <p:grpSpPr>
+        <a:xfrm>
+          <a:off x="0" y="0"/>
+          <a:ext cx="0" cy="0"/>
+          <a:chOff x="0" y="0"/>
+          <a:chExt cx="0" cy="0"/>
+        </a:xfrm>
+      </p:grpSpPr>
+      <p:pic>
+        <p:nvPicPr>
+          <p:cNvPr id="5122" name="Picture 2" descr="D:\git\Licenta\Discuri\docs\imgs\used\repairs.png"/>
+          <p:cNvPicPr>
+            <a:picLocks noChangeAspect="1" noChangeArrowheads="1"/>
+          </p:cNvPicPr>
+          <p:nvPr/>
+        </p:nvPicPr>
+        <p:blipFill>
+          <a:blip r:embed="rId2"/>
+          <a:srcRect/>
+          <a:stretch>
+            <a:fillRect/>
+          </a:stretch>
+        </p:blipFill>
+        <p:spPr bwMode="auto">
+          <a:xfrm>
+            <a:off x="1785918" y="2274102"/>
+            <a:ext cx="5500678" cy="4583898"/>
+          </a:xfrm>
+          <a:prstGeom prst="rect">
+            <a:avLst/>
+          </a:prstGeom>
+          <a:noFill/>
+        </p:spPr>
+      </p:pic>
+      <p:sp>
+        <p:nvSpPr>
+          <p:cNvPr id="7" name="Dreptunghi 6"/>
+          <p:cNvSpPr/>
+          <p:nvPr/>
+        </p:nvSpPr>
+        <p:spPr>
+          <a:xfrm>
+            <a:off x="1571604" y="2143116"/>
+            <a:ext cx="6000792" cy="4857784"/>
+          </a:xfrm>
+          <a:prstGeom prst="rect">
+            <a:avLst/>
+          </a:prstGeom>
+          <a:solidFill>
+            <a:schemeClr val="bg1"/>
+          </a:solidFill>
+          <a:ln>
+            <a:noFill/>
+          </a:ln>
+        </p:spPr>
+        <p:style>
+          <a:lnRef idx="2">
+            <a:schemeClr val="accent1">
+              <a:shade val="50000"/>
+            </a:schemeClr>
+          </a:lnRef>
+          <a:fillRef idx="1">
+            <a:schemeClr val="accent1"/>
+          </a:fillRef>
+          <a:effectRef idx="0">
+            <a:schemeClr val="accent1"/>
+          </a:effectRef>
+          <a:fontRef idx="minor">
+            <a:schemeClr val="lt1"/>
+          </a:fontRef>
+        </p:style>
+        <p:txBody>
+          <a:bodyPr rtlCol="0" anchor="ctr"/>
+          <a:lstStyle/>
+          <a:p>
+            <a:pPr algn="ctr"/>
+            <a:endParaRPr lang="ro-RO"/>
+          </a:p>
+        </p:txBody>
+      </p:sp>
+      <p:pic>
+        <p:nvPicPr>
+          <p:cNvPr id="5123" name="Picture 3" descr="D:\git\Licenta\Discuri\docs\imgs\used\multi band all band.png"/>
+          <p:cNvPicPr>
+            <a:picLocks noChangeAspect="1" noChangeArrowheads="1"/>
+          </p:cNvPicPr>
+          <p:nvPr/>
+        </p:nvPicPr>
+        <p:blipFill>
+          <a:blip r:embed="rId3"/>
+          <a:srcRect/>
+          <a:stretch>
+            <a:fillRect/>
+          </a:stretch>
+        </p:blipFill>
+        <p:spPr bwMode="auto">
+          <a:xfrm>
+            <a:off x="2786050" y="2285993"/>
+            <a:ext cx="3383191" cy="4572007"/>
+          </a:xfrm>
+          <a:prstGeom prst="rect">
+            <a:avLst/>
+          </a:prstGeom>
+          <a:noFill/>
+        </p:spPr>
+      </p:pic>
+      <p:sp>
+        <p:nvSpPr>
+          <p:cNvPr id="5" name="CasetăText 4"/>
+          <p:cNvSpPr txBox="1"/>
+          <p:nvPr/>
+        </p:nvSpPr>
+        <p:spPr>
+          <a:xfrm>
+            <a:off x="214282" y="785794"/>
+            <a:ext cx="8715436" cy="1631216"/>
+          </a:xfrm>
+          <a:prstGeom prst="rect">
+            <a:avLst/>
+          </a:prstGeom>
+          <a:noFill/>
+        </p:spPr>
+        <p:txBody>
+          <a:bodyPr wrap="square" rtlCol="0">
+            <a:spAutoFit/>
+          </a:bodyPr>
+          <a:lstStyle/>
+          <a:p>
+            <a:pPr algn="just"/>
+            <a:r>
+              <a:rPr lang="ro-RO" sz="2000" b="1" dirty="0" smtClean="0">
+                <a:cs typeface="Times New Roman" pitchFamily="18" charset="0"/>
+              </a:rPr>
+              <a:t>Îmbunătățirea calității reparării:</a:t>
+            </a:r>
+          </a:p>
+          <a:p>
+            <a:pPr algn="just">
+              <a:buFont typeface="Arial" pitchFamily="34" charset="0"/>
+              <a:buChar char="•"/>
+            </a:pPr>
+            <a:r>
+              <a:rPr lang="ro-RO" sz="2000" dirty="0" smtClean="0">
+                <a:cs typeface="Times New Roman" pitchFamily="18" charset="0"/>
+              </a:rPr>
+              <a:t> se împarte semnalul original în mai multe benzi de frecvență ( folosind filtre FIR ) și se aplică algoritmul de reconstrucție separat pe fiecare bandă.</a:t>
+            </a:r>
+          </a:p>
+          <a:p>
+            <a:pPr algn="just">
+              <a:buFont typeface="Arial" pitchFamily="34" charset="0"/>
+              <a:buChar char="•"/>
+            </a:pPr>
+            <a:r>
+              <a:rPr lang="ro-RO" sz="2000" dirty="0" smtClean="0">
+                <a:cs typeface="Times New Roman" pitchFamily="18" charset="0"/>
+              </a:rPr>
+              <a:t> în unele cazuri totuși, repararea fără a descompune semnalul dă rezultate mai bune</a:t>
+            </a:r>
+            <a:endParaRPr lang="ro-RO" sz="2000" dirty="0">
+              <a:cs typeface="Times New Roman" pitchFamily="18" charset="0"/>
+            </a:endParaRPr>
+          </a:p>
+        </p:txBody>
+      </p:sp>
+      <p:sp>
+        <p:nvSpPr>
+          <p:cNvPr id="6" name="Dreptunghi 5"/>
+          <p:cNvSpPr/>
+          <p:nvPr/>
+        </p:nvSpPr>
+        <p:spPr>
+          <a:xfrm>
+            <a:off x="0" y="0"/>
+            <a:ext cx="9144000" cy="754694"/>
+          </a:xfrm>
+          <a:prstGeom prst="rect">
+            <a:avLst/>
+          </a:prstGeom>
+        </p:spPr>
+        <p:txBody>
+          <a:bodyPr wrap="square">
+            <a:spAutoFit/>
+          </a:bodyPr>
+          <a:lstStyle/>
+          <a:p>
+            <a:pPr lvl="0" algn="ctr" eaLnBrk="0" fontAlgn="base" hangingPunct="0">
+              <a:lnSpc>
+                <a:spcPct val="150000"/>
+              </a:lnSpc>
+              <a:spcBef>
+                <a:spcPct val="0"/>
+              </a:spcBef>
+              <a:spcAft>
+                <a:spcPct val="0"/>
+              </a:spcAft>
+            </a:pPr>
+            <a:r>
+              <a:rPr lang="ro-RO" sz="3200" dirty="0" smtClean="0">
+                <a:latin typeface="+mj-lt"/>
+                <a:ea typeface="SimSun" pitchFamily="2" charset="-122"/>
+                <a:cs typeface="Times New Roman" pitchFamily="18" charset="0"/>
+              </a:rPr>
+              <a:t>Corectarea distorsiunilor</a:t>
+            </a:r>
+          </a:p>
+        </p:txBody>
+      </p:sp>
+    </p:spTree>
+  </p:cSld>
+  <p:clrMapOvr>
+    <a:masterClrMapping/>
+  </p:clrMapOvr>
+  <p:timing>
+    <p:tnLst>
+      <p:par>
+        <p:cTn id="1" dur="indefinite" restart="never" nodeType="tmRoot">
+          <p:childTnLst>
+            <p:seq concurrent="1" nextAc="seek">
+              <p:cTn id="2" dur="indefinite" nodeType="mainSeq">
+                <p:childTnLst>
+                  <p:par>
+                    <p:cTn id="3" fill="hold">
+                      <p:stCondLst>
+                        <p:cond delay="indefinite"/>
+                      </p:stCondLst>
+                      <p:childTnLst>
+                        <p:par>
+                          <p:cTn id="4" fill="hold">
+                            <p:stCondLst>
+                              <p:cond delay="0"/>
+                            </p:stCondLst>
+                            <p:childTnLst>
+                              <p:par>
+                                <p:cTn id="5" presetID="1" presetClass="entr" presetSubtype="0" fill="hold" nodeType="clickEffect">
+                                  <p:stCondLst>
+                                    <p:cond delay="0"/>
+                                  </p:stCondLst>
+                                  <p:childTnLst>
+                                    <p:set>
+                                      <p:cBhvr>
+                                        <p:cTn id="6" dur="1" fill="hold">
+                                          <p:stCondLst>
+                                            <p:cond delay="0"/>
+                                          </p:stCondLst>
+                                        </p:cTn>
+                                        <p:tgtEl>
+                                          <p:spTgt spid="5122"/>
+                                        </p:tgtEl>
+                                        <p:attrNameLst>
+                                          <p:attrName>style.visibility</p:attrName>
+                                        </p:attrNameLst>
+                                      </p:cBhvr>
+                                      <p:to>
+                                        <p:strVal val="visible"/>
+                                      </p:to>
+                                    </p:set>
+                                  </p:childTnLst>
+                                </p:cTn>
+                              </p:par>
+                            </p:childTnLst>
+                          </p:cTn>
+                        </p:par>
+                      </p:childTnLst>
+                    </p:cTn>
+                  </p:par>
+                  <p:par>
+                    <p:cTn id="7" fill="hold">
+                      <p:stCondLst>
+                        <p:cond delay="indefinite"/>
+                      </p:stCondLst>
+                      <p:childTnLst>
+                        <p:par>
+                          <p:cTn id="8" fill="hold">
+                            <p:stCondLst>
+                              <p:cond delay="0"/>
+                            </p:stCondLst>
+                            <p:childTnLst>
+                              <p:par>
+                                <p:cTn id="9" presetID="1" presetClass="exit" presetSubtype="0" fill="hold" nodeType="clickEffect">
+                                  <p:stCondLst>
+                                    <p:cond delay="0"/>
+                                  </p:stCondLst>
+                                  <p:childTnLst>
+                                    <p:set>
+                                      <p:cBhvr>
+                                        <p:cTn id="10" dur="1" fill="hold">
+                                          <p:stCondLst>
+                                            <p:cond delay="0"/>
+                                          </p:stCondLst>
+                                        </p:cTn>
+                                        <p:tgtEl>
+                                          <p:spTgt spid="5122"/>
+                                        </p:tgtEl>
+                                        <p:attrNameLst>
+                                          <p:attrName>style.visibility</p:attrName>
+                                        </p:attrNameLst>
+                                      </p:cBhvr>
+                                      <p:to>
+                                        <p:strVal val="hidden"/>
+                                      </p:to>
+                                    </p:set>
+                                  </p:childTnLst>
+                                </p:cTn>
+                              </p:par>
+                              <p:par>
+                                <p:cTn id="11" presetID="1" presetClass="entr" presetSubtype="0" fill="hold" grpId="0" nodeType="withEffect">
+                                  <p:stCondLst>
+                                    <p:cond delay="0"/>
+                                  </p:stCondLst>
+                                  <p:childTnLst>
+                                    <p:set>
+                                      <p:cBhvr>
+                                        <p:cTn id="12" dur="1" fill="hold">
+                                          <p:stCondLst>
+                                            <p:cond delay="0"/>
+                                          </p:stCondLst>
+                                        </p:cTn>
+                                        <p:tgtEl>
+                                          <p:spTgt spid="7"/>
+                                        </p:tgtEl>
+                                        <p:attrNameLst>
+                                          <p:attrName>style.visibility</p:attrName>
+                                        </p:attrNameLst>
+                                      </p:cBhvr>
+                                      <p:to>
+                                        <p:strVal val="visible"/>
+                                      </p:to>
+                                    </p:set>
+                                  </p:childTnLst>
+                                </p:cTn>
+                              </p:par>
+                              <p:par>
+                                <p:cTn id="13" presetID="1" presetClass="entr" presetSubtype="0" fill="hold" nodeType="withEffect">
+                                  <p:stCondLst>
+                                    <p:cond delay="0"/>
+                                  </p:stCondLst>
+                                  <p:childTnLst>
+                                    <p:set>
+                                      <p:cBhvr>
+                                        <p:cTn id="14" dur="1" fill="hold">
+                                          <p:stCondLst>
+                                            <p:cond delay="0"/>
+                                          </p:stCondLst>
+                                        </p:cTn>
+                                        <p:tgtEl>
+                                          <p:spTgt spid="5123"/>
+                                        </p:tgtEl>
+                                        <p:attrNameLst>
+                                          <p:attrName>style.visibility</p:attrName>
+                                        </p:attrNameLst>
+                                      </p:cBhvr>
+                                      <p:to>
+                                        <p:strVal val="visible"/>
+                                      </p:to>
+                                    </p:set>
+                                  </p:childTnLst>
+                                </p:cTn>
+                              </p:par>
+                            </p:childTnLst>
+                          </p:cTn>
+                        </p:par>
+                      </p:childTnLst>
+                    </p:cTn>
+                  </p:par>
+                </p:childTnLst>
+              </p:cTn>
+              <p:prevCondLst>
+                <p:cond evt="onPrev" delay="0">
+                  <p:tgtEl>
+                    <p:sldTgt/>
+                  </p:tgtEl>
+                </p:cond>
+              </p:prevCondLst>
+              <p:nextCondLst>
+                <p:cond evt="onNext" delay="0">
+                  <p:tgtEl>
+                    <p:sldTgt/>
+                  </p:tgtEl>
+                </p:cond>
+              </p:nextCondLst>
+            </p:seq>
+          </p:childTnLst>
+        </p:cTn>
+      </p:par>
+    </p:tnLst>
+    <p:bldLst>
+      <p:bldP spid="7" grpId="0" animBg="1"/>
+    </p:bldLst>
+  </p:timing>
+</p:sld>
+</file>
+
+<file path=ppt/slides/slide14.xml><?xml version="1.0" encoding="utf-8"?>
+<p:sld xmlns:a="http://schemas.openxmlformats.org/drawingml/2006/main" xmlns:r="http://schemas.openxmlformats.org/officeDocument/2006/relationships" xmlns:p="http://schemas.openxmlformats.org/presentationml/2006/main">
+  <p:cSld>
+    <p:spTree>
+      <p:nvGrpSpPr>
+        <p:cNvPr id="1" name=""/>
+        <p:cNvGrpSpPr/>
+        <p:nvPr/>
+      </p:nvGrpSpPr>
+      <p:grpSpPr>
+        <a:xfrm>
+          <a:off x="0" y="0"/>
+          <a:ext cx="0" cy="0"/>
+          <a:chOff x="0" y="0"/>
+          <a:chExt cx="0" cy="0"/>
+        </a:xfrm>
+      </p:grpSpPr>
+      <p:sp>
+        <p:nvSpPr>
+          <p:cNvPr id="2" name="Titlu 1"/>
+          <p:cNvSpPr>
+            <a:spLocks noGrp="1"/>
+          </p:cNvSpPr>
+          <p:nvPr>
+            <p:ph type="title"/>
+          </p:nvPr>
+        </p:nvSpPr>
+        <p:spPr/>
+        <p:txBody>
+          <a:bodyPr>
+            <a:normAutofit/>
+          </a:bodyPr>
+          <a:lstStyle/>
+          <a:p>
+            <a:r>
+              <a:rPr lang="ro-RO" sz="3600" dirty="0" smtClean="0"/>
+              <a:t>Contribuții originale</a:t>
+            </a:r>
+            <a:endParaRPr lang="ro-RO" sz="3600" dirty="0"/>
+          </a:p>
+        </p:txBody>
+      </p:sp>
+      <p:sp>
+        <p:nvSpPr>
+          <p:cNvPr id="3" name="Substituent conținut 2"/>
+          <p:cNvSpPr>
+            <a:spLocks noGrp="1"/>
+          </p:cNvSpPr>
+          <p:nvPr>
+            <p:ph idx="1"/>
+          </p:nvPr>
+        </p:nvSpPr>
+        <p:spPr/>
+        <p:txBody>
+          <a:bodyPr>
+            <a:normAutofit fontScale="70000" lnSpcReduction="20000"/>
+          </a:bodyPr>
+          <a:lstStyle/>
+          <a:p>
+            <a:r>
+              <a:rPr lang="ro-RO" dirty="0" smtClean="0"/>
+              <a:t>Analizarea tipurilor de distorsiuni de sunet provocate de deteriorări la nivelul șanțului</a:t>
+            </a:r>
+            <a:endParaRPr lang="ro-RO" dirty="0" smtClean="0"/>
+          </a:p>
+          <a:p>
+            <a:r>
+              <a:rPr lang="ro-RO" dirty="0" smtClean="0"/>
+              <a:t>Testarea acurateței mai mul</a:t>
+            </a:r>
+            <a:r>
+              <a:rPr lang="en-US" dirty="0" smtClean="0"/>
+              <a:t>t</a:t>
+            </a:r>
+            <a:r>
+              <a:rPr lang="ro-RO" dirty="0" smtClean="0"/>
+              <a:t>or tipuri de clasificatori pentru detectarea secțiunilor deteriorate în secvențe de </a:t>
+            </a:r>
+            <a:r>
+              <a:rPr lang="ro-RO" dirty="0" err="1" smtClean="0"/>
+              <a:t>sample-uri</a:t>
+            </a:r>
+            <a:r>
+              <a:rPr lang="ro-RO" dirty="0" smtClean="0"/>
+              <a:t> audio</a:t>
+            </a:r>
+            <a:endParaRPr lang="ro-RO" dirty="0" smtClean="0"/>
+          </a:p>
+          <a:p>
+            <a:r>
+              <a:rPr lang="ro-RO" dirty="0" smtClean="0"/>
+              <a:t>Etichetarea unui număr suficient de mare de date pentru antrenarea rețelei neuronale folosind înregistrări stereo ale unor discuri mono</a:t>
+            </a:r>
+            <a:endParaRPr lang="ro-RO" dirty="0" smtClean="0"/>
+          </a:p>
+          <a:p>
+            <a:r>
+              <a:rPr lang="ro-RO" dirty="0" smtClean="0"/>
+              <a:t>Generarea și optimizarea seturilor de antrenare pe baza etichetărilor menționate mai sus</a:t>
+            </a:r>
+            <a:endParaRPr lang="ro-RO" dirty="0" smtClean="0"/>
+          </a:p>
+          <a:p>
+            <a:r>
+              <a:rPr lang="ro-RO" dirty="0" smtClean="0"/>
+              <a:t>Corectarea intervalelor cu distorsiuni folosind predicție liniară, coeficienții acesteia calculându-se cu  metoda lui Burg</a:t>
+            </a:r>
+            <a:endParaRPr lang="ro-RO" dirty="0" smtClean="0"/>
+          </a:p>
+          <a:p>
+            <a:r>
+              <a:rPr lang="ro-RO" dirty="0" smtClean="0"/>
+              <a:t>Îmbunătățirea calității reparării prin descompunerea semnalului în mai multe benzi de frecvență folosind filtre FIR și aplicarea predicției liniare pe fiecare din aceste benzi</a:t>
+            </a:r>
+            <a:endParaRPr lang="ro-RO" dirty="0"/>
+          </a:p>
+        </p:txBody>
+      </p:sp>
+    </p:spTree>
+  </p:cSld>
+  <p:clrMapOvr>
+    <a:masterClrMapping/>
+  </p:clrMapOvr>
+  <p:timing>
+    <p:tnLst>
+      <p:par>
+        <p:cTn id="1" dur="indefinite" restart="never" nodeType="tmRoot"/>
+      </p:par>
+    </p:tnLst>
+  </p:timing>
+</p:sld>
+</file>
+
 <file path=ppt/slides/slide2.xml><?xml version="1.0" encoding="utf-8"?>
 <p:sld xmlns:a="http://schemas.openxmlformats.org/drawingml/2006/main" xmlns:r="http://schemas.openxmlformats.org/officeDocument/2006/relationships" xmlns:p="http://schemas.openxmlformats.org/presentationml/2006/main">
   <p:cSld>
@@ -3774,7 +4923,7 @@
         <p:spPr bwMode="auto">
           <a:xfrm>
             <a:off x="214282" y="237723"/>
-            <a:ext cx="8715436" cy="3970318"/>
+            <a:ext cx="8715436" cy="4339650"/>
           </a:xfrm>
           <a:prstGeom prst="rect">
             <a:avLst/>
@@ -3809,8 +4958,8 @@
               </a:spcAft>
             </a:pPr>
             <a:r>
-              <a:rPr lang="ro-RO" sz="2400" dirty="0" smtClean="0">
-                <a:latin typeface="Times New Roman" pitchFamily="18" charset="0"/>
+              <a:rPr lang="ro-RO" sz="4000" dirty="0" smtClean="0">
+                <a:latin typeface="+mj-lt"/>
                 <a:ea typeface="SimSun" pitchFamily="2" charset="-122"/>
                 <a:cs typeface="Times New Roman" pitchFamily="18" charset="0"/>
               </a:rPr>
@@ -3849,10 +4998,19 @@
               <a:spcAft>
                 <a:spcPct val="0"/>
               </a:spcAft>
+              <a:buFont typeface="Arial" pitchFamily="34" charset="0"/>
+              <a:buChar char="•"/>
             </a:pPr>
             <a:r>
+              <a:rPr lang="en-US" sz="2400" dirty="0" smtClean="0">
+                <a:latin typeface="Times New Roman" pitchFamily="18" charset="0"/>
+                <a:ea typeface="SimSun" pitchFamily="2" charset="-122"/>
+                <a:cs typeface="Times New Roman" pitchFamily="18" charset="0"/>
+              </a:rPr>
+              <a:t> </a:t>
+            </a:r>
+            <a:r>
               <a:rPr lang="ro-RO" sz="2400" dirty="0" smtClean="0">
-                <a:latin typeface="Times New Roman" pitchFamily="18" charset="0"/>
                 <a:ea typeface="SimSun" pitchFamily="2" charset="-122"/>
                 <a:cs typeface="Times New Roman" pitchFamily="18" charset="0"/>
               </a:rPr>
@@ -3870,15 +5028,34 @@
               <a:spcAft>
                 <a:spcPct val="0"/>
               </a:spcAft>
+              <a:buFont typeface="Arial" pitchFamily="34" charset="0"/>
+              <a:buChar char="•"/>
             </a:pPr>
             <a:r>
+              <a:rPr lang="en-US" sz="2400" dirty="0" smtClean="0">
+                <a:ea typeface="SimSun" pitchFamily="2" charset="-122"/>
+                <a:cs typeface="Times New Roman" pitchFamily="18" charset="0"/>
+              </a:rPr>
+              <a:t> </a:t>
+            </a:r>
+            <a:r>
               <a:rPr lang="ro-RO" sz="2400" dirty="0" smtClean="0">
-                <a:latin typeface="Times New Roman" pitchFamily="18" charset="0"/>
                 <a:ea typeface="SimSun" pitchFamily="2" charset="-122"/>
                 <a:cs typeface="Times New Roman" pitchFamily="18" charset="0"/>
               </a:rPr>
-              <a:t>Aplicații ce abordează aceeași temă</a:t>
-            </a:r>
+              <a:t>Aplicații </a:t>
+            </a:r>
+            <a:r>
+              <a:rPr lang="en-US" sz="2400" dirty="0" err="1" smtClean="0">
+                <a:ea typeface="SimSun" pitchFamily="2" charset="-122"/>
+                <a:cs typeface="Times New Roman" pitchFamily="18" charset="0"/>
+              </a:rPr>
+              <a:t>similare</a:t>
+            </a:r>
+            <a:endParaRPr lang="ro-RO" sz="2400" dirty="0" smtClean="0">
+              <a:ea typeface="SimSun" pitchFamily="2" charset="-122"/>
+              <a:cs typeface="Times New Roman" pitchFamily="18" charset="0"/>
+            </a:endParaRPr>
           </a:p>
           <a:p>
             <a:pPr lvl="0" fontAlgn="base">
@@ -3891,10 +5068,18 @@
               <a:spcAft>
                 <a:spcPct val="0"/>
               </a:spcAft>
+              <a:buFont typeface="Arial" pitchFamily="34" charset="0"/>
+              <a:buChar char="•"/>
             </a:pPr>
             <a:r>
+              <a:rPr lang="en-US" sz="2400" dirty="0" smtClean="0">
+                <a:ea typeface="SimSun" pitchFamily="2" charset="-122"/>
+                <a:cs typeface="Times New Roman" pitchFamily="18" charset="0"/>
+              </a:rPr>
+              <a:t> </a:t>
+            </a:r>
+            <a:r>
               <a:rPr lang="ro-RO" sz="2400" dirty="0" smtClean="0">
-                <a:latin typeface="Times New Roman" pitchFamily="18" charset="0"/>
                 <a:ea typeface="SimSun" pitchFamily="2" charset="-122"/>
                 <a:cs typeface="Times New Roman" pitchFamily="18" charset="0"/>
               </a:rPr>
@@ -3902,7 +5087,6 @@
             </a:r>
             <a:r>
               <a:rPr lang="en-US" sz="2400" dirty="0" smtClean="0">
-                <a:latin typeface="Times New Roman" pitchFamily="18" charset="0"/>
                 <a:ea typeface="SimSun" pitchFamily="2" charset="-122"/>
                 <a:cs typeface="Times New Roman" pitchFamily="18" charset="0"/>
               </a:rPr>
@@ -3910,7 +5094,6 @@
             </a:r>
             <a:r>
               <a:rPr lang="en-US" sz="2400" dirty="0" err="1" smtClean="0">
-                <a:latin typeface="Times New Roman" pitchFamily="18" charset="0"/>
                 <a:ea typeface="SimSun" pitchFamily="2" charset="-122"/>
                 <a:cs typeface="Times New Roman" pitchFamily="18" charset="0"/>
               </a:rPr>
@@ -3918,17 +5101,11 @@
             </a:r>
             <a:r>
               <a:rPr lang="en-US" sz="2400" dirty="0" smtClean="0">
-                <a:latin typeface="Times New Roman" pitchFamily="18" charset="0"/>
                 <a:ea typeface="SimSun" pitchFamily="2" charset="-122"/>
                 <a:cs typeface="Times New Roman" pitchFamily="18" charset="0"/>
               </a:rPr>
               <a:t> </a:t>
             </a:r>
-            <a:endParaRPr lang="en-US" sz="2400" dirty="0" smtClean="0">
-              <a:latin typeface="Times New Roman" pitchFamily="18" charset="0"/>
-              <a:ea typeface="SimSun" pitchFamily="2" charset="-122"/>
-              <a:cs typeface="Times New Roman" pitchFamily="18" charset="0"/>
-            </a:endParaRPr>
           </a:p>
           <a:p>
             <a:pPr lvl="0" fontAlgn="base">
@@ -3941,22 +5118,22 @@
               <a:spcAft>
                 <a:spcPct val="0"/>
               </a:spcAft>
+              <a:buFont typeface="Arial" pitchFamily="34" charset="0"/>
+              <a:buChar char="•"/>
             </a:pPr>
             <a:r>
+              <a:rPr lang="en-US" sz="2400" dirty="0" smtClean="0">
+                <a:ea typeface="SimSun" pitchFamily="2" charset="-122"/>
+                <a:cs typeface="Times New Roman" pitchFamily="18" charset="0"/>
+              </a:rPr>
+              <a:t> </a:t>
+            </a:r>
+            <a:r>
               <a:rPr lang="ro-RO" sz="2400" dirty="0" smtClean="0">
-                <a:latin typeface="Times New Roman" pitchFamily="18" charset="0"/>
                 <a:ea typeface="SimSun" pitchFamily="2" charset="-122"/>
                 <a:cs typeface="Times New Roman" pitchFamily="18" charset="0"/>
               </a:rPr>
-              <a:t>Detectarea </a:t>
-            </a:r>
-            <a:r>
-              <a:rPr lang="ro-RO" sz="2400" dirty="0" smtClean="0">
-                <a:latin typeface="Times New Roman" pitchFamily="18" charset="0"/>
-                <a:ea typeface="SimSun" pitchFamily="2" charset="-122"/>
-                <a:cs typeface="Times New Roman" pitchFamily="18" charset="0"/>
-              </a:rPr>
-              <a:t>și corectarea distorsiunilor</a:t>
+              <a:t>Detectarea și corectarea distorsiunilor</a:t>
             </a:r>
           </a:p>
           <a:p>
@@ -3970,10 +5147,18 @@
               <a:spcAft>
                 <a:spcPct val="0"/>
               </a:spcAft>
+              <a:buFont typeface="Arial" pitchFamily="34" charset="0"/>
+              <a:buChar char="•"/>
             </a:pPr>
             <a:r>
+              <a:rPr lang="en-US" sz="2400" dirty="0" smtClean="0">
+                <a:ea typeface="SimSun" pitchFamily="2" charset="-122"/>
+                <a:cs typeface="Times New Roman" pitchFamily="18" charset="0"/>
+              </a:rPr>
+              <a:t> </a:t>
+            </a:r>
+            <a:r>
               <a:rPr lang="ro-RO" sz="2400" dirty="0" smtClean="0">
-                <a:latin typeface="Times New Roman" pitchFamily="18" charset="0"/>
                 <a:ea typeface="SimSun" pitchFamily="2" charset="-122"/>
                 <a:cs typeface="Times New Roman" pitchFamily="18" charset="0"/>
               </a:rPr>
@@ -4023,7 +5208,7 @@
         <p:spPr>
           <a:xfrm>
             <a:off x="0" y="0"/>
-            <a:ext cx="9144000" cy="718082"/>
+            <a:ext cx="9144000" cy="754694"/>
           </a:xfrm>
           <a:prstGeom prst="rect">
             <a:avLst/>
@@ -4037,7 +5222,7 @@
           <a:p>
             <a:pPr lvl="0" algn="ctr" eaLnBrk="0" fontAlgn="base" hangingPunct="0">
               <a:lnSpc>
-                <a:spcPct val="200000"/>
+                <a:spcPct val="150000"/>
               </a:lnSpc>
               <a:spcBef>
                 <a:spcPct val="0"/>
@@ -4047,47 +5232,39 @@
               </a:spcAft>
             </a:pPr>
             <a:r>
-              <a:rPr lang="ro-RO" sz="2400" dirty="0" smtClean="0">
-                <a:latin typeface="Times New Roman" pitchFamily="18" charset="0"/>
+              <a:rPr lang="en-US" sz="3200" dirty="0" err="1" smtClean="0">
+                <a:latin typeface="+mj-lt"/>
                 <a:ea typeface="SimSun" pitchFamily="2" charset="-122"/>
                 <a:cs typeface="Times New Roman" pitchFamily="18" charset="0"/>
               </a:rPr>
-              <a:t>1. </a:t>
-            </a:r>
-            <a:r>
-              <a:rPr lang="en-US" sz="2400" dirty="0" err="1" smtClean="0">
-                <a:latin typeface="Times New Roman" pitchFamily="18" charset="0"/>
+              <a:t>Descrierea</a:t>
+            </a:r>
+            <a:r>
+              <a:rPr lang="en-US" sz="3200" dirty="0" smtClean="0">
+                <a:latin typeface="+mj-lt"/>
                 <a:ea typeface="SimSun" pitchFamily="2" charset="-122"/>
                 <a:cs typeface="Times New Roman" pitchFamily="18" charset="0"/>
               </a:rPr>
-              <a:t>Descrierea</a:t>
-            </a:r>
-            <a:r>
-              <a:rPr lang="en-US" sz="2400" dirty="0" smtClean="0">
-                <a:latin typeface="Times New Roman" pitchFamily="18" charset="0"/>
+              <a:t> </a:t>
+            </a:r>
+            <a:r>
+              <a:rPr lang="en-US" sz="3200" dirty="0" err="1" smtClean="0">
+                <a:latin typeface="+mj-lt"/>
                 <a:ea typeface="SimSun" pitchFamily="2" charset="-122"/>
                 <a:cs typeface="Times New Roman" pitchFamily="18" charset="0"/>
               </a:rPr>
-              <a:t> </a:t>
-            </a:r>
-            <a:r>
-              <a:rPr lang="en-US" sz="2400" dirty="0" err="1" smtClean="0">
-                <a:latin typeface="Times New Roman" pitchFamily="18" charset="0"/>
+              <a:t>probleme</a:t>
+            </a:r>
+            <a:r>
+              <a:rPr lang="ro-RO" sz="3200" dirty="0" smtClean="0">
+                <a:latin typeface="+mj-lt"/>
                 <a:ea typeface="SimSun" pitchFamily="2" charset="-122"/>
                 <a:cs typeface="Times New Roman" pitchFamily="18" charset="0"/>
               </a:rPr>
-              <a:t>probleme</a:t>
-            </a:r>
-            <a:r>
-              <a:rPr lang="ro-RO" sz="2400" dirty="0" smtClean="0">
-                <a:latin typeface="Times New Roman" pitchFamily="18" charset="0"/>
-                <a:ea typeface="SimSun" pitchFamily="2" charset="-122"/>
-                <a:cs typeface="Times New Roman" pitchFamily="18" charset="0"/>
-              </a:rPr>
               <a:t>i</a:t>
             </a:r>
-            <a:endParaRPr lang="ro-RO" sz="2400" dirty="0" smtClean="0">
-              <a:latin typeface="Arial" pitchFamily="34" charset="0"/>
+            <a:endParaRPr lang="ro-RO" sz="3200" dirty="0" smtClean="0">
+              <a:latin typeface="+mj-lt"/>
               <a:cs typeface="Arial" pitchFamily="34" charset="0"/>
             </a:endParaRPr>
           </a:p>
@@ -4102,7 +5279,7 @@
         <p:spPr>
           <a:xfrm>
             <a:off x="214282" y="1000108"/>
-            <a:ext cx="8715436" cy="2554545"/>
+            <a:ext cx="8715436" cy="3416320"/>
           </a:xfrm>
           <a:prstGeom prst="rect">
             <a:avLst/>
@@ -4120,13 +5297,18 @@
               <a:buChar char="•"/>
             </a:pPr>
             <a:r>
-              <a:rPr lang="ro-RO" sz="2000" dirty="0" smtClean="0"/>
-              <a:t> Formatele audio analogice mecanice stochează semnalul audio sub forma unei oscilații mecanice gravate într-un mediu solid sub forma unui șanț.</a:t>
-            </a:r>
+              <a:rPr lang="ro-RO" sz="2400" dirty="0" smtClean="0"/>
+              <a:t> Formatele audio analogice mecanice stochează semnalul audio sub forma unei oscilații mecanice gravate într-un mediu solid sub forma </a:t>
+            </a:r>
+            <a:r>
+              <a:rPr lang="ro-RO" sz="2400" dirty="0" smtClean="0"/>
+              <a:t>unei indentații.</a:t>
+            </a:r>
+            <a:endParaRPr lang="ro-RO" sz="2400" dirty="0" smtClean="0"/>
           </a:p>
           <a:p>
             <a:pPr algn="just"/>
-            <a:endParaRPr lang="ro-RO" sz="2000" dirty="0" smtClean="0"/>
+            <a:endParaRPr lang="ro-RO" sz="2400" dirty="0" smtClean="0"/>
           </a:p>
           <a:p>
             <a:pPr algn="just">
@@ -4134,7 +5316,7 @@
               <a:buChar char="•"/>
             </a:pPr>
             <a:r>
-              <a:rPr lang="ro-RO" sz="2000" dirty="0" smtClean="0"/>
+              <a:rPr lang="ro-RO" sz="2400" dirty="0" smtClean="0"/>
               <a:t> Exemple de formate:</a:t>
             </a:r>
           </a:p>
@@ -4144,7 +5326,7 @@
               <a:buChar char="•"/>
             </a:pPr>
             <a:r>
-              <a:rPr lang="ro-RO" sz="2000" dirty="0" smtClean="0"/>
+              <a:rPr lang="ro-RO" sz="2400" dirty="0" smtClean="0"/>
               <a:t>cilindri de ceară</a:t>
             </a:r>
           </a:p>
@@ -4154,7 +5336,7 @@
               <a:buChar char="•"/>
             </a:pPr>
             <a:r>
-              <a:rPr lang="ro-RO" sz="2000" dirty="0" smtClean="0"/>
+              <a:rPr lang="ro-RO" sz="2400" dirty="0" smtClean="0"/>
               <a:t>discuri de ebonită</a:t>
             </a:r>
           </a:p>
@@ -4164,7 +5346,7 @@
               <a:buChar char="•"/>
             </a:pPr>
             <a:r>
-              <a:rPr lang="ro-RO" sz="2000" dirty="0" smtClean="0"/>
+              <a:rPr lang="ro-RO" sz="2400" dirty="0" smtClean="0"/>
               <a:t>discuri de vinil</a:t>
             </a:r>
           </a:p>
@@ -4174,7 +5356,7 @@
               <a:buChar char="•"/>
             </a:pPr>
             <a:r>
-              <a:rPr lang="ro-RO" sz="2000" dirty="0" smtClean="0"/>
+              <a:rPr lang="ro-RO" sz="2400" dirty="0" smtClean="0"/>
               <a:t>ș.a.</a:t>
             </a:r>
           </a:p>
@@ -4182,9 +5364,9 @@
       </p:sp>
       <p:pic>
         <p:nvPicPr>
-          <p:cNvPr id="1026" name="Picture 2" descr="D:\git\Licenta\Discuri\docs\imgs\used\stylus under microscope.png"/>
+          <p:cNvPr id="3075" name="Picture 3" descr="C:\Users\Alex\Desktop\stylus.gif"/>
           <p:cNvPicPr>
-            <a:picLocks noChangeAspect="1" noChangeArrowheads="1"/>
+            <a:picLocks noChangeAspect="1" noChangeArrowheads="1" noCrop="1"/>
           </p:cNvPicPr>
           <p:nvPr/>
         </p:nvPicPr>
@@ -4197,8 +5379,8 @@
         </p:blipFill>
         <p:spPr bwMode="auto">
           <a:xfrm>
-            <a:off x="3239853" y="2000240"/>
-            <a:ext cx="5904147" cy="4857761"/>
+            <a:off x="3385363" y="2143117"/>
+            <a:ext cx="5758637" cy="4714884"/>
           </a:xfrm>
           <a:prstGeom prst="rect">
             <a:avLst/>
@@ -4240,85 +5422,6 @@
       </p:grpSpPr>
       <p:sp>
         <p:nvSpPr>
-          <p:cNvPr id="4" name="Dreptunghi 3"/>
-          <p:cNvSpPr/>
-          <p:nvPr/>
-        </p:nvSpPr>
-        <p:spPr>
-          <a:xfrm>
-            <a:off x="0" y="0"/>
-            <a:ext cx="9144000" cy="718082"/>
-          </a:xfrm>
-          <a:prstGeom prst="rect">
-            <a:avLst/>
-          </a:prstGeom>
-        </p:spPr>
-        <p:txBody>
-          <a:bodyPr wrap="square">
-            <a:spAutoFit/>
-          </a:bodyPr>
-          <a:lstStyle/>
-          <a:p>
-            <a:pPr lvl="0" algn="ctr" eaLnBrk="0" fontAlgn="base" hangingPunct="0">
-              <a:lnSpc>
-                <a:spcPct val="200000"/>
-              </a:lnSpc>
-              <a:spcBef>
-                <a:spcPct val="0"/>
-              </a:spcBef>
-              <a:spcAft>
-                <a:spcPct val="0"/>
-              </a:spcAft>
-            </a:pPr>
-            <a:r>
-              <a:rPr lang="ro-RO" sz="2400" dirty="0" smtClean="0">
-                <a:latin typeface="Times New Roman" pitchFamily="18" charset="0"/>
-                <a:ea typeface="SimSun" pitchFamily="2" charset="-122"/>
-                <a:cs typeface="Times New Roman" pitchFamily="18" charset="0"/>
-              </a:rPr>
-              <a:t>1. </a:t>
-            </a:r>
-            <a:r>
-              <a:rPr lang="en-US" sz="2400" dirty="0" err="1" smtClean="0">
-                <a:latin typeface="Times New Roman" pitchFamily="18" charset="0"/>
-                <a:ea typeface="SimSun" pitchFamily="2" charset="-122"/>
-                <a:cs typeface="Times New Roman" pitchFamily="18" charset="0"/>
-              </a:rPr>
-              <a:t>Descrierea</a:t>
-            </a:r>
-            <a:r>
-              <a:rPr lang="en-US" sz="2400" dirty="0" smtClean="0">
-                <a:latin typeface="Times New Roman" pitchFamily="18" charset="0"/>
-                <a:ea typeface="SimSun" pitchFamily="2" charset="-122"/>
-                <a:cs typeface="Times New Roman" pitchFamily="18" charset="0"/>
-              </a:rPr>
-              <a:t> </a:t>
-            </a:r>
-            <a:r>
-              <a:rPr lang="en-US" sz="2400" dirty="0" err="1" smtClean="0">
-                <a:latin typeface="Times New Roman" pitchFamily="18" charset="0"/>
-                <a:ea typeface="SimSun" pitchFamily="2" charset="-122"/>
-                <a:cs typeface="Times New Roman" pitchFamily="18" charset="0"/>
-              </a:rPr>
-              <a:t>probleme</a:t>
-            </a:r>
-            <a:r>
-              <a:rPr lang="ro-RO" sz="2400" dirty="0" smtClean="0">
-                <a:latin typeface="Times New Roman" pitchFamily="18" charset="0"/>
-                <a:ea typeface="SimSun" pitchFamily="2" charset="-122"/>
-                <a:cs typeface="Times New Roman" pitchFamily="18" charset="0"/>
-              </a:rPr>
-              <a:t>i</a:t>
-            </a:r>
-            <a:endParaRPr lang="ro-RO" sz="2400" dirty="0" smtClean="0">
-              <a:latin typeface="Arial" pitchFamily="34" charset="0"/>
-              <a:cs typeface="Arial" pitchFamily="34" charset="0"/>
-            </a:endParaRPr>
-          </a:p>
-        </p:txBody>
-      </p:sp>
-      <p:sp>
-        <p:nvSpPr>
           <p:cNvPr id="5" name="CasetăText 4"/>
           <p:cNvSpPr txBox="1"/>
           <p:nvPr/>
@@ -4375,7 +5478,7 @@
             </a:pPr>
             <a:r>
               <a:rPr lang="ro-RO" sz="2000" dirty="0" smtClean="0"/>
-              <a:t> Aceste degradări produc distorsiuni ale sunetului la redare.</a:t>
+              <a:t> Aceste degradări produc distorsiuni ale sunetului la redare</a:t>
             </a:r>
           </a:p>
           <a:p>
@@ -4442,6 +5545,77 @@
           <a:noFill/>
         </p:spPr>
       </p:pic>
+      <p:sp>
+        <p:nvSpPr>
+          <p:cNvPr id="6" name="Dreptunghi 5"/>
+          <p:cNvSpPr/>
+          <p:nvPr/>
+        </p:nvSpPr>
+        <p:spPr>
+          <a:xfrm>
+            <a:off x="0" y="0"/>
+            <a:ext cx="9144000" cy="754694"/>
+          </a:xfrm>
+          <a:prstGeom prst="rect">
+            <a:avLst/>
+          </a:prstGeom>
+        </p:spPr>
+        <p:txBody>
+          <a:bodyPr wrap="square">
+            <a:spAutoFit/>
+          </a:bodyPr>
+          <a:lstStyle/>
+          <a:p>
+            <a:pPr lvl="0" algn="ctr" eaLnBrk="0" fontAlgn="base" hangingPunct="0">
+              <a:lnSpc>
+                <a:spcPct val="150000"/>
+              </a:lnSpc>
+              <a:spcBef>
+                <a:spcPct val="0"/>
+              </a:spcBef>
+              <a:spcAft>
+                <a:spcPct val="0"/>
+              </a:spcAft>
+            </a:pPr>
+            <a:r>
+              <a:rPr lang="en-US" sz="3200" dirty="0" err="1" smtClean="0">
+                <a:latin typeface="+mj-lt"/>
+                <a:ea typeface="SimSun" pitchFamily="2" charset="-122"/>
+                <a:cs typeface="Times New Roman" pitchFamily="18" charset="0"/>
+              </a:rPr>
+              <a:t>Descrierea</a:t>
+            </a:r>
+            <a:r>
+              <a:rPr lang="en-US" sz="3200" dirty="0" smtClean="0">
+                <a:latin typeface="+mj-lt"/>
+                <a:ea typeface="SimSun" pitchFamily="2" charset="-122"/>
+                <a:cs typeface="Times New Roman" pitchFamily="18" charset="0"/>
+              </a:rPr>
+              <a:t> </a:t>
+            </a:r>
+            <a:r>
+              <a:rPr lang="en-US" sz="3200" dirty="0" err="1" smtClean="0">
+                <a:latin typeface="+mj-lt"/>
+                <a:ea typeface="SimSun" pitchFamily="2" charset="-122"/>
+                <a:cs typeface="Times New Roman" pitchFamily="18" charset="0"/>
+              </a:rPr>
+              <a:t>probleme</a:t>
+            </a:r>
+            <a:r>
+              <a:rPr lang="ro-RO" sz="3200" dirty="0" smtClean="0">
+                <a:latin typeface="+mj-lt"/>
+                <a:ea typeface="SimSun" pitchFamily="2" charset="-122"/>
+                <a:cs typeface="Times New Roman" pitchFamily="18" charset="0"/>
+              </a:rPr>
+              <a:t>i</a:t>
+            </a:r>
+            <a:endParaRPr lang="ro-RO" sz="3200" dirty="0" smtClean="0">
+              <a:latin typeface="+mj-lt"/>
+              <a:cs typeface="Arial" pitchFamily="34" charset="0"/>
+            </a:endParaRPr>
+          </a:p>
+        </p:txBody>
+      </p:sp>
     </p:spTree>
   </p:cSld>
   <p:clrMapOvr>
@@ -4483,7 +5657,7 @@
         <p:spPr>
           <a:xfrm>
             <a:off x="0" y="0"/>
-            <a:ext cx="9144000" cy="718466"/>
+            <a:ext cx="9144000" cy="754694"/>
           </a:xfrm>
           <a:prstGeom prst="rect">
             <a:avLst/>
@@ -4497,7 +5671,7 @@
           <a:p>
             <a:pPr algn="ctr" eaLnBrk="0" fontAlgn="base" hangingPunct="0">
               <a:lnSpc>
-                <a:spcPct val="200000"/>
+                <a:spcPct val="150000"/>
               </a:lnSpc>
               <a:spcBef>
                 <a:spcPct val="0"/>
@@ -4507,13 +5681,26 @@
               </a:spcAft>
             </a:pPr>
             <a:r>
-              <a:rPr lang="ro-RO" sz="2400" dirty="0" smtClean="0">
-                <a:latin typeface="Times New Roman" pitchFamily="18" charset="0"/>
+              <a:rPr lang="ro-RO" sz="3200" dirty="0" smtClean="0">
+                <a:latin typeface="+mj-lt"/>
                 <a:ea typeface="SimSun" pitchFamily="2" charset="-122"/>
                 <a:cs typeface="Times New Roman" pitchFamily="18" charset="0"/>
               </a:rPr>
-              <a:t>2. Aplicații ce abordează aceeași temă</a:t>
-            </a:r>
+              <a:t>Aplicații </a:t>
+            </a:r>
+            <a:r>
+              <a:rPr lang="en-US" sz="3200" dirty="0" err="1" smtClean="0">
+                <a:latin typeface="+mj-lt"/>
+                <a:ea typeface="SimSun" pitchFamily="2" charset="-122"/>
+                <a:cs typeface="Times New Roman" pitchFamily="18" charset="0"/>
+              </a:rPr>
+              <a:t>similare</a:t>
+            </a:r>
+            <a:endParaRPr lang="ro-RO" sz="3200" dirty="0" smtClean="0">
+              <a:latin typeface="+mj-lt"/>
+              <a:ea typeface="SimSun" pitchFamily="2" charset="-122"/>
+              <a:cs typeface="Times New Roman" pitchFamily="18" charset="0"/>
+            </a:endParaRPr>
           </a:p>
         </p:txBody>
       </p:sp>
@@ -4541,41 +5728,35 @@
           <a:p>
             <a:r>
               <a:rPr lang="ro-RO" sz="2000" dirty="0" smtClean="0">
-                <a:latin typeface="Times New Roman" pitchFamily="18" charset="0"/>
                 <a:cs typeface="Times New Roman" pitchFamily="18" charset="0"/>
               </a:rPr>
               <a:t>A. </a:t>
             </a:r>
             <a:r>
               <a:rPr lang="ro-RO" sz="2000" dirty="0" err="1" smtClean="0">
-                <a:latin typeface="Times New Roman" pitchFamily="18" charset="0"/>
                 <a:cs typeface="Times New Roman" pitchFamily="18" charset="0"/>
               </a:rPr>
               <a:t>Audacity</a:t>
             </a:r>
             <a:r>
               <a:rPr lang="ro-RO" sz="2000" dirty="0" smtClean="0">
-                <a:latin typeface="Times New Roman" pitchFamily="18" charset="0"/>
                 <a:cs typeface="Times New Roman" pitchFamily="18" charset="0"/>
               </a:rPr>
               <a:t> (efectul „</a:t>
             </a:r>
             <a:r>
               <a:rPr lang="ro-RO" sz="2000" dirty="0" err="1" smtClean="0">
-                <a:latin typeface="Times New Roman" pitchFamily="18" charset="0"/>
                 <a:cs typeface="Times New Roman" pitchFamily="18" charset="0"/>
               </a:rPr>
               <a:t>Repair</a:t>
             </a:r>
             <a:r>
               <a:rPr lang="ro-RO" sz="2000" dirty="0" smtClean="0">
-                <a:latin typeface="Times New Roman" pitchFamily="18" charset="0"/>
                 <a:cs typeface="Times New Roman" pitchFamily="18" charset="0"/>
               </a:rPr>
               <a:t>”) </a:t>
             </a:r>
             <a:endParaRPr lang="ro-RO" sz="2000" dirty="0">
-              <a:latin typeface="Times New Roman" pitchFamily="18" charset="0"/>
               <a:cs typeface="Times New Roman" pitchFamily="18" charset="0"/>
             </a:endParaRPr>
           </a:p>
@@ -4631,35 +5812,30 @@
           <a:p>
             <a:r>
               <a:rPr lang="ro-RO" sz="2000" dirty="0" smtClean="0">
-                <a:latin typeface="Times New Roman" pitchFamily="18" charset="0"/>
                 <a:cs typeface="Times New Roman" pitchFamily="18" charset="0"/>
               </a:rPr>
               <a:t>B. Nero </a:t>
             </a:r>
             <a:r>
               <a:rPr lang="ro-RO" sz="2000" dirty="0" err="1" smtClean="0">
-                <a:latin typeface="Times New Roman" pitchFamily="18" charset="0"/>
                 <a:cs typeface="Times New Roman" pitchFamily="18" charset="0"/>
               </a:rPr>
               <a:t>WaveEditor</a:t>
             </a:r>
             <a:r>
               <a:rPr lang="ro-RO" sz="2000" dirty="0" smtClean="0">
-                <a:latin typeface="Times New Roman" pitchFamily="18" charset="0"/>
                 <a:cs typeface="Times New Roman" pitchFamily="18" charset="0"/>
               </a:rPr>
               <a:t> (efectul „</a:t>
             </a:r>
             <a:r>
               <a:rPr lang="ro-RO" sz="2000" dirty="0" err="1" smtClean="0">
-                <a:latin typeface="Times New Roman" pitchFamily="18" charset="0"/>
                 <a:cs typeface="Times New Roman" pitchFamily="18" charset="0"/>
               </a:rPr>
               <a:t>Declicker</a:t>
             </a:r>
             <a:r>
               <a:rPr lang="ro-RO" sz="2000" dirty="0" smtClean="0">
-                <a:latin typeface="Times New Roman" pitchFamily="18" charset="0"/>
                 <a:cs typeface="Times New Roman" pitchFamily="18" charset="0"/>
               </a:rPr>
               <a:t>”)</a:t>
@@ -4725,181 +5901,9 @@
           <a:chExt cx="0" cy="0"/>
         </a:xfrm>
       </p:grpSpPr>
-      <p:sp>
-        <p:nvSpPr>
-          <p:cNvPr id="4" name="Dreptunghi 3"/>
-          <p:cNvSpPr/>
-          <p:nvPr/>
-        </p:nvSpPr>
-        <p:spPr>
-          <a:xfrm>
-            <a:off x="0" y="0"/>
-            <a:ext cx="9144000" cy="830997"/>
-          </a:xfrm>
-          <a:prstGeom prst="rect">
-            <a:avLst/>
-          </a:prstGeom>
-        </p:spPr>
-        <p:txBody>
-          <a:bodyPr wrap="square">
-            <a:spAutoFit/>
-          </a:bodyPr>
-          <a:lstStyle/>
-          <a:p>
-            <a:pPr algn="ctr" eaLnBrk="0" fontAlgn="base" hangingPunct="0">
-              <a:lnSpc>
-                <a:spcPct val="200000"/>
-              </a:lnSpc>
-              <a:spcBef>
-                <a:spcPct val="0"/>
-              </a:spcBef>
-              <a:spcAft>
-                <a:spcPct val="0"/>
-              </a:spcAft>
-            </a:pPr>
-            <a:r>
-              <a:rPr lang="ro-RO" sz="2400" dirty="0" smtClean="0">
-                <a:latin typeface="Times New Roman" pitchFamily="18" charset="0"/>
-                <a:ea typeface="SimSun" pitchFamily="2" charset="-122"/>
-                <a:cs typeface="Times New Roman" pitchFamily="18" charset="0"/>
-              </a:rPr>
-              <a:t>3. Noțiuni de bază în procesarea </a:t>
-            </a:r>
-            <a:r>
-              <a:rPr lang="ro-RO" sz="2400" dirty="0" smtClean="0">
-                <a:latin typeface="Times New Roman" pitchFamily="18" charset="0"/>
-                <a:ea typeface="SimSun" pitchFamily="2" charset="-122"/>
-                <a:cs typeface="Times New Roman" pitchFamily="18" charset="0"/>
-              </a:rPr>
-              <a:t>semnalelor</a:t>
-            </a:r>
-            <a:r>
-              <a:rPr lang="en-US" sz="2400" dirty="0" smtClean="0">
-                <a:latin typeface="Times New Roman" pitchFamily="18" charset="0"/>
-                <a:ea typeface="SimSun" pitchFamily="2" charset="-122"/>
-                <a:cs typeface="Times New Roman" pitchFamily="18" charset="0"/>
-              </a:rPr>
-              <a:t> </a:t>
-            </a:r>
-            <a:r>
-              <a:rPr lang="en-US" sz="2400" dirty="0" err="1" smtClean="0">
-                <a:latin typeface="Times New Roman" pitchFamily="18" charset="0"/>
-                <a:ea typeface="SimSun" pitchFamily="2" charset="-122"/>
-                <a:cs typeface="Times New Roman" pitchFamily="18" charset="0"/>
-              </a:rPr>
-              <a:t>digitale</a:t>
-            </a:r>
-            <a:endParaRPr lang="ro-RO" sz="2400" dirty="0" smtClean="0">
-              <a:latin typeface="Times New Roman" pitchFamily="18" charset="0"/>
-              <a:ea typeface="SimSun" pitchFamily="2" charset="-122"/>
-              <a:cs typeface="Times New Roman" pitchFamily="18" charset="0"/>
-            </a:endParaRPr>
-          </a:p>
-        </p:txBody>
-      </p:sp>
-      <p:sp>
-        <p:nvSpPr>
-          <p:cNvPr id="5" name="CasetăText 4"/>
-          <p:cNvSpPr txBox="1"/>
-          <p:nvPr/>
-        </p:nvSpPr>
-        <p:spPr>
-          <a:xfrm>
-            <a:off x="214282" y="1071546"/>
-            <a:ext cx="8715436" cy="2554545"/>
-          </a:xfrm>
-          <a:prstGeom prst="rect">
-            <a:avLst/>
-          </a:prstGeom>
-          <a:noFill/>
-        </p:spPr>
-        <p:txBody>
-          <a:bodyPr wrap="square" rtlCol="0">
-            <a:spAutoFit/>
-          </a:bodyPr>
-          <a:lstStyle/>
-          <a:p>
-            <a:pPr algn="just"/>
-            <a:r>
-              <a:rPr lang="ro-RO" sz="2000" b="1" dirty="0" smtClean="0"/>
-              <a:t>Filtrele de semnal: </a:t>
-            </a:r>
-          </a:p>
-          <a:p>
-            <a:pPr algn="just">
-              <a:buFontTx/>
-              <a:buChar char="-"/>
-            </a:pPr>
-            <a:r>
-              <a:rPr lang="ro-RO" sz="2000" dirty="0" smtClean="0"/>
-              <a:t> folosite pentru schimbarea răspunsului în frecvență  a semnalului</a:t>
-            </a:r>
-          </a:p>
-          <a:p>
-            <a:pPr algn="just">
-              <a:buFontTx/>
-              <a:buChar char="-"/>
-            </a:pPr>
-            <a:r>
-              <a:rPr lang="ro-RO" sz="2000" dirty="0" smtClean="0"/>
-              <a:t> sunt de două tipuri: FIR ( Finite </a:t>
-            </a:r>
-            <a:r>
-              <a:rPr lang="ro-RO" sz="2000" dirty="0" err="1" smtClean="0"/>
-              <a:t>Impulse</a:t>
-            </a:r>
-            <a:r>
-              <a:rPr lang="ro-RO" sz="2000" dirty="0" smtClean="0"/>
-              <a:t> </a:t>
-            </a:r>
-            <a:r>
-              <a:rPr lang="ro-RO" sz="2000" dirty="0" err="1" smtClean="0"/>
-              <a:t>Response</a:t>
-            </a:r>
-            <a:r>
-              <a:rPr lang="ro-RO" sz="2000" dirty="0" smtClean="0"/>
-              <a:t>) și IIR ( Infinite </a:t>
-            </a:r>
-            <a:r>
-              <a:rPr lang="ro-RO" sz="2000" dirty="0" err="1" smtClean="0"/>
-              <a:t>Impulse</a:t>
-            </a:r>
-            <a:r>
-              <a:rPr lang="ro-RO" sz="2000" dirty="0" smtClean="0"/>
-              <a:t> </a:t>
-            </a:r>
-            <a:r>
-              <a:rPr lang="ro-RO" sz="2000" dirty="0" err="1" smtClean="0"/>
-              <a:t>Response</a:t>
-            </a:r>
-            <a:r>
-              <a:rPr lang="ro-RO" sz="2000" dirty="0" smtClean="0"/>
-              <a:t> )</a:t>
-            </a:r>
-          </a:p>
-          <a:p>
-            <a:pPr algn="just">
-              <a:buFontTx/>
-              <a:buChar char="-"/>
-            </a:pPr>
-            <a:r>
-              <a:rPr lang="ro-RO" sz="2000" dirty="0" smtClean="0"/>
-              <a:t> folosesc unul sau doua seturi finite de coeficienți: fiecare valoare a semnalului de ieșire depinde de valorile precedente ale semnalului de intrare ( și a celui de ieșire în cazul IIR ).</a:t>
-            </a:r>
-          </a:p>
-          <a:p>
-            <a:pPr algn="just"/>
-            <a:r>
-              <a:rPr lang="ro-RO" sz="2000" b="1" dirty="0" smtClean="0"/>
-              <a:t> </a:t>
-            </a:r>
-            <a:endParaRPr lang="ro-RO" sz="2000" b="1" dirty="0"/>
-          </a:p>
-        </p:txBody>
-      </p:sp>
       <p:pic>
         <p:nvPicPr>
-          <p:cNvPr id="1026" name="Picture 2" descr="D:\git\Licenta\Discuri\docs\imgs\used\iir.png"/>
+          <p:cNvPr id="1027" name="Picture 3"/>
           <p:cNvPicPr>
             <a:picLocks noChangeAspect="1" noChangeArrowheads="1"/>
           </p:cNvPicPr>
@@ -4914,15 +5918,216 @@
         </p:blipFill>
         <p:spPr bwMode="auto">
           <a:xfrm>
-            <a:off x="0" y="3549087"/>
-            <a:ext cx="9127518" cy="2880309"/>
+            <a:off x="1785918" y="3214686"/>
+            <a:ext cx="5276850" cy="3114675"/>
+          </a:xfrm>
+          <a:prstGeom prst="rect">
+            <a:avLst/>
+          </a:prstGeom>
+          <a:noFill/>
+          <a:ln w="9525">
+            <a:noFill/>
+            <a:miter lim="800000"/>
+            <a:headEnd/>
+            <a:tailEnd/>
+          </a:ln>
+          <a:effectLst/>
+        </p:spPr>
+      </p:pic>
+      <p:pic>
+        <p:nvPicPr>
+          <p:cNvPr id="2" name="Picture 2"/>
+          <p:cNvPicPr>
+            <a:picLocks noChangeAspect="1" noChangeArrowheads="1"/>
+          </p:cNvPicPr>
+          <p:nvPr/>
+        </p:nvPicPr>
+        <p:blipFill>
+          <a:blip r:embed="rId3"/>
+          <a:srcRect/>
+          <a:stretch>
+            <a:fillRect/>
+          </a:stretch>
+        </p:blipFill>
+        <p:spPr bwMode="auto">
+          <a:xfrm>
+            <a:off x="2143109" y="3622792"/>
+            <a:ext cx="2571768" cy="2235100"/>
+          </a:xfrm>
+          <a:prstGeom prst="rect">
+            <a:avLst/>
+          </a:prstGeom>
+          <a:noFill/>
+          <a:ln w="9525">
+            <a:noFill/>
+            <a:miter lim="800000"/>
+            <a:headEnd/>
+            <a:tailEnd/>
+          </a:ln>
+          <a:effectLst/>
+        </p:spPr>
+      </p:pic>
+      <p:sp>
+        <p:nvSpPr>
+          <p:cNvPr id="4" name="Dreptunghi 3"/>
+          <p:cNvSpPr/>
+          <p:nvPr/>
+        </p:nvSpPr>
+        <p:spPr>
+          <a:xfrm>
+            <a:off x="0" y="0"/>
+            <a:ext cx="9144000" cy="754694"/>
+          </a:xfrm>
+          <a:prstGeom prst="rect">
+            <a:avLst/>
+          </a:prstGeom>
+        </p:spPr>
+        <p:txBody>
+          <a:bodyPr wrap="square">
+            <a:spAutoFit/>
+          </a:bodyPr>
+          <a:lstStyle/>
+          <a:p>
+            <a:pPr algn="ctr" eaLnBrk="0" fontAlgn="base" hangingPunct="0">
+              <a:lnSpc>
+                <a:spcPct val="150000"/>
+              </a:lnSpc>
+              <a:spcBef>
+                <a:spcPct val="0"/>
+              </a:spcBef>
+              <a:spcAft>
+                <a:spcPct val="0"/>
+              </a:spcAft>
+            </a:pPr>
+            <a:r>
+              <a:rPr lang="ro-RO" sz="3200" dirty="0" smtClean="0">
+                <a:latin typeface="+mj-lt"/>
+                <a:ea typeface="SimSun" pitchFamily="2" charset="-122"/>
+                <a:cs typeface="Times New Roman" pitchFamily="18" charset="0"/>
+              </a:rPr>
+              <a:t>Noțiuni de bază în procesarea semnalelor</a:t>
+            </a:r>
+            <a:r>
+              <a:rPr lang="en-US" sz="3200" dirty="0" smtClean="0">
+                <a:latin typeface="+mj-lt"/>
+                <a:ea typeface="SimSun" pitchFamily="2" charset="-122"/>
+                <a:cs typeface="Times New Roman" pitchFamily="18" charset="0"/>
+              </a:rPr>
+              <a:t> </a:t>
+            </a:r>
+            <a:r>
+              <a:rPr lang="en-US" sz="3200" dirty="0" err="1" smtClean="0">
+                <a:latin typeface="+mj-lt"/>
+                <a:ea typeface="SimSun" pitchFamily="2" charset="-122"/>
+                <a:cs typeface="Times New Roman" pitchFamily="18" charset="0"/>
+              </a:rPr>
+              <a:t>digitale</a:t>
+            </a:r>
+            <a:endParaRPr lang="ro-RO" sz="3200" dirty="0" smtClean="0">
+              <a:latin typeface="+mj-lt"/>
+              <a:ea typeface="SimSun" pitchFamily="2" charset="-122"/>
+              <a:cs typeface="Times New Roman" pitchFamily="18" charset="0"/>
+            </a:endParaRPr>
+          </a:p>
+        </p:txBody>
+      </p:sp>
+      <p:sp>
+        <p:nvSpPr>
+          <p:cNvPr id="5" name="CasetăText 4"/>
+          <p:cNvSpPr txBox="1"/>
+          <p:nvPr/>
+        </p:nvSpPr>
+        <p:spPr>
+          <a:xfrm>
+            <a:off x="214282" y="989942"/>
+            <a:ext cx="8715436" cy="1938992"/>
           </a:xfrm>
           <a:prstGeom prst="rect">
             <a:avLst/>
           </a:prstGeom>
           <a:noFill/>
         </p:spPr>
-      </p:pic>
+        <p:txBody>
+          <a:bodyPr wrap="square" rtlCol="0">
+            <a:spAutoFit/>
+          </a:bodyPr>
+          <a:lstStyle/>
+          <a:p>
+            <a:pPr algn="just"/>
+            <a:r>
+              <a:rPr lang="ro-RO" sz="2000" b="1" dirty="0" smtClean="0"/>
+              <a:t>Filtrele de semnal: </a:t>
+            </a:r>
+          </a:p>
+          <a:p>
+            <a:pPr algn="just">
+              <a:buFontTx/>
+              <a:buChar char="-"/>
+            </a:pPr>
+            <a:r>
+              <a:rPr lang="ro-RO" sz="2000" dirty="0" smtClean="0"/>
+              <a:t> folosite pentru schimbarea răspunsului în frecvență  a semnalului</a:t>
+            </a:r>
+          </a:p>
+          <a:p>
+            <a:pPr algn="just">
+              <a:buFontTx/>
+              <a:buChar char="-"/>
+            </a:pPr>
+            <a:r>
+              <a:rPr lang="ro-RO" sz="2000" dirty="0" smtClean="0"/>
+              <a:t> două tipuri: FIR ( Finite </a:t>
+            </a:r>
+            <a:r>
+              <a:rPr lang="ro-RO" sz="2000" dirty="0" err="1" smtClean="0"/>
+              <a:t>Impulse</a:t>
+            </a:r>
+            <a:r>
+              <a:rPr lang="ro-RO" sz="2000" dirty="0" smtClean="0"/>
+              <a:t> </a:t>
+            </a:r>
+            <a:r>
+              <a:rPr lang="ro-RO" sz="2000" dirty="0" err="1" smtClean="0"/>
+              <a:t>Response</a:t>
+            </a:r>
+            <a:r>
+              <a:rPr lang="ro-RO" sz="2000" dirty="0" smtClean="0"/>
+              <a:t>) și IIR ( Infinite </a:t>
+            </a:r>
+            <a:r>
+              <a:rPr lang="ro-RO" sz="2000" dirty="0" err="1" smtClean="0"/>
+              <a:t>Impulse</a:t>
+            </a:r>
+            <a:r>
+              <a:rPr lang="ro-RO" sz="2000" dirty="0" smtClean="0"/>
+              <a:t> </a:t>
+            </a:r>
+            <a:r>
+              <a:rPr lang="ro-RO" sz="2000" dirty="0" err="1" smtClean="0"/>
+              <a:t>Response</a:t>
+            </a:r>
+            <a:r>
+              <a:rPr lang="ro-RO" sz="2000" dirty="0" smtClean="0"/>
+              <a:t> )</a:t>
+            </a:r>
+          </a:p>
+          <a:p>
+            <a:pPr algn="just">
+              <a:buFontTx/>
+              <a:buChar char="-"/>
+            </a:pPr>
+            <a:r>
+              <a:rPr lang="ro-RO" sz="2000" dirty="0" smtClean="0"/>
+              <a:t> folosesc unul sau două seturi finite de coeficienți: fiecare valoare a semnalului de ieșire depinde de valorile precedente ale semnalului de intrare ( și a celui de ieșire în cazul IIR ).</a:t>
+            </a:r>
+            <a:r>
+              <a:rPr lang="ro-RO" sz="2000" b="1" dirty="0" smtClean="0"/>
+              <a:t> </a:t>
+            </a:r>
+            <a:endParaRPr lang="ro-RO" sz="2000" b="1" dirty="0"/>
+          </a:p>
+        </p:txBody>
+      </p:sp>
       <p:sp>
         <p:nvSpPr>
           <p:cNvPr id="6" name="CasetăText 5"/>
@@ -4931,7 +6136,7 @@
         </p:nvSpPr>
         <p:spPr>
           <a:xfrm>
-            <a:off x="0" y="6345816"/>
+            <a:off x="0" y="6488668"/>
             <a:ext cx="9144000" cy="369332"/>
           </a:xfrm>
           <a:prstGeom prst="rect">
@@ -4987,6 +6192,169 @@
   <p:clrMapOvr>
     <a:masterClrMapping/>
   </p:clrMapOvr>
+  <p:timing>
+    <p:tnLst>
+      <p:par>
+        <p:cTn id="1" dur="indefinite" restart="never" nodeType="tmRoot">
+          <p:childTnLst>
+            <p:seq concurrent="1" nextAc="seek">
+              <p:cTn id="2" dur="indefinite" nodeType="mainSeq">
+                <p:childTnLst>
+                  <p:par>
+                    <p:cTn id="3" fill="hold">
+                      <p:stCondLst>
+                        <p:cond delay="indefinite"/>
+                      </p:stCondLst>
+                      <p:childTnLst>
+                        <p:par>
+                          <p:cTn id="4" fill="hold">
+                            <p:stCondLst>
+                              <p:cond delay="0"/>
+                            </p:stCondLst>
+                            <p:childTnLst>
+                              <p:par>
+                                <p:cTn id="5" presetID="63" presetClass="path" presetSubtype="0" fill="hold" nodeType="clickEffect">
+                                  <p:stCondLst>
+                                    <p:cond delay="0"/>
+                                  </p:stCondLst>
+                                  <p:childTnLst>
+                                    <p:animMotion origin="layout" path="M -4.44444E-6 1.11111E-6 L 0.05313 1.11111E-6 " pathEditMode="fixed" rAng="0" ptsTypes="AA">
+                                      <p:cBhvr>
+                                        <p:cTn id="6" dur="10" fill="hold"/>
+                                        <p:tgtEl>
+                                          <p:spTgt spid="2"/>
+                                        </p:tgtEl>
+                                        <p:attrNameLst>
+                                          <p:attrName>ppt_x</p:attrName>
+                                          <p:attrName>ppt_y</p:attrName>
+                                        </p:attrNameLst>
+                                      </p:cBhvr>
+                                      <p:rCtr x="27" y="0"/>
+                                    </p:animMotion>
+                                  </p:childTnLst>
+                                </p:cTn>
+                              </p:par>
+                            </p:childTnLst>
+                          </p:cTn>
+                        </p:par>
+                        <p:par>
+                          <p:cTn id="7" fill="hold">
+                            <p:stCondLst>
+                              <p:cond delay="10"/>
+                            </p:stCondLst>
+                            <p:childTnLst>
+                              <p:par>
+                                <p:cTn id="8" presetID="63" presetClass="path" presetSubtype="0" fill="hold" nodeType="afterEffect">
+                                  <p:stCondLst>
+                                    <p:cond delay="1000"/>
+                                  </p:stCondLst>
+                                  <p:childTnLst>
+                                    <p:animMotion origin="layout" path="M 0.05417 -0.00231 L 0.1092 -0.00231 " pathEditMode="fixed" rAng="0" ptsTypes="AA">
+                                      <p:cBhvr>
+                                        <p:cTn id="9" dur="10" fill="hold"/>
+                                        <p:tgtEl>
+                                          <p:spTgt spid="2"/>
+                                        </p:tgtEl>
+                                        <p:attrNameLst>
+                                          <p:attrName>ppt_x</p:attrName>
+                                          <p:attrName>ppt_y</p:attrName>
+                                        </p:attrNameLst>
+                                      </p:cBhvr>
+                                      <p:rCtr x="27" y="0"/>
+                                    </p:animMotion>
+                                  </p:childTnLst>
+                                </p:cTn>
+                              </p:par>
+                            </p:childTnLst>
+                          </p:cTn>
+                        </p:par>
+                        <p:par>
+                          <p:cTn id="10" fill="hold">
+                            <p:stCondLst>
+                              <p:cond delay="1020"/>
+                            </p:stCondLst>
+                            <p:childTnLst>
+                              <p:par>
+                                <p:cTn id="11" presetID="63" presetClass="path" presetSubtype="0" fill="hold" nodeType="afterEffect">
+                                  <p:stCondLst>
+                                    <p:cond delay="1000"/>
+                                  </p:stCondLst>
+                                  <p:childTnLst>
+                                    <p:animMotion origin="layout" path="M 0.1033 -0.00231 L 0.15642 -0.00231 " pathEditMode="fixed" rAng="0" ptsTypes="AA">
+                                      <p:cBhvr>
+                                        <p:cTn id="12" dur="10" fill="hold"/>
+                                        <p:tgtEl>
+                                          <p:spTgt spid="2"/>
+                                        </p:tgtEl>
+                                        <p:attrNameLst>
+                                          <p:attrName>ppt_x</p:attrName>
+                                          <p:attrName>ppt_y</p:attrName>
+                                        </p:attrNameLst>
+                                      </p:cBhvr>
+                                      <p:rCtr x="27" y="0"/>
+                                    </p:animMotion>
+                                  </p:childTnLst>
+                                </p:cTn>
+                              </p:par>
+                            </p:childTnLst>
+                          </p:cTn>
+                        </p:par>
+                        <p:par>
+                          <p:cTn id="13" fill="hold">
+                            <p:stCondLst>
+                              <p:cond delay="2030"/>
+                            </p:stCondLst>
+                            <p:childTnLst>
+                              <p:par>
+                                <p:cTn id="14" presetID="63" presetClass="path" presetSubtype="0" fill="hold" nodeType="afterEffect">
+                                  <p:stCondLst>
+                                    <p:cond delay="1000"/>
+                                  </p:stCondLst>
+                                  <p:childTnLst>
+                                    <p:animMotion origin="layout" path="M 0.15642 -0.00231 L 0.21163 -0.00231 " pathEditMode="fixed" rAng="0" ptsTypes="AA">
+                                      <p:cBhvr>
+                                        <p:cTn id="15" dur="10" fill="hold"/>
+                                        <p:tgtEl>
+                                          <p:spTgt spid="2"/>
+                                        </p:tgtEl>
+                                        <p:attrNameLst>
+                                          <p:attrName>ppt_x</p:attrName>
+                                          <p:attrName>ppt_y</p:attrName>
+                                        </p:attrNameLst>
+                                      </p:cBhvr>
+                                      <p:rCtr x="28" y="0"/>
+                                    </p:animMotion>
+                                  </p:childTnLst>
+                                </p:cTn>
+                              </p:par>
+                            </p:childTnLst>
+                          </p:cTn>
+                        </p:par>
+                      </p:childTnLst>
+                    </p:cTn>
+                  </p:par>
+                </p:childTnLst>
+              </p:cTn>
+              <p:prevCondLst>
+                <p:cond evt="onPrev" delay="0">
+                  <p:tgtEl>
+                    <p:sldTgt/>
+                  </p:tgtEl>
+                </p:cond>
+              </p:prevCondLst>
+              <p:nextCondLst>
+                <p:cond evt="onNext" delay="0">
+                  <p:tgtEl>
+                    <p:sldTgt/>
+                  </p:tgtEl>
+                </p:cond>
+              </p:nextCondLst>
+            </p:seq>
+          </p:childTnLst>
+        </p:cTn>
+      </p:par>
+    </p:tnLst>
+  </p:timing>
 </p:sld>
 </file>
 
@@ -5009,78 +6377,6 @@
       </p:grpSpPr>
       <p:sp>
         <p:nvSpPr>
-          <p:cNvPr id="4" name="Dreptunghi 3"/>
-          <p:cNvSpPr/>
-          <p:nvPr/>
-        </p:nvSpPr>
-        <p:spPr>
-          <a:xfrm>
-            <a:off x="0" y="0"/>
-            <a:ext cx="9144000" cy="830997"/>
-          </a:xfrm>
-          <a:prstGeom prst="rect">
-            <a:avLst/>
-          </a:prstGeom>
-        </p:spPr>
-        <p:txBody>
-          <a:bodyPr wrap="square">
-            <a:spAutoFit/>
-          </a:bodyPr>
-          <a:lstStyle/>
-          <a:p>
-            <a:pPr algn="ctr" eaLnBrk="0" fontAlgn="base" hangingPunct="0">
-              <a:lnSpc>
-                <a:spcPct val="200000"/>
-              </a:lnSpc>
-              <a:spcBef>
-                <a:spcPct val="0"/>
-              </a:spcBef>
-              <a:spcAft>
-                <a:spcPct val="0"/>
-              </a:spcAft>
-            </a:pPr>
-            <a:r>
-              <a:rPr lang="ro-RO" sz="2400" dirty="0" smtClean="0">
-                <a:latin typeface="Times New Roman" pitchFamily="18" charset="0"/>
-                <a:ea typeface="SimSun" pitchFamily="2" charset="-122"/>
-                <a:cs typeface="Times New Roman" pitchFamily="18" charset="0"/>
-              </a:rPr>
-              <a:t>3. Noțiuni de bază în procesarea </a:t>
-            </a:r>
-            <a:r>
-              <a:rPr lang="ro-RO" sz="2400" dirty="0" smtClean="0">
-                <a:latin typeface="Times New Roman" pitchFamily="18" charset="0"/>
-                <a:ea typeface="SimSun" pitchFamily="2" charset="-122"/>
-                <a:cs typeface="Times New Roman" pitchFamily="18" charset="0"/>
-              </a:rPr>
-              <a:t>semnalelor</a:t>
-            </a:r>
-            <a:r>
-              <a:rPr lang="en-US" sz="2400" dirty="0" smtClean="0">
-                <a:latin typeface="Times New Roman" pitchFamily="18" charset="0"/>
-                <a:ea typeface="SimSun" pitchFamily="2" charset="-122"/>
-                <a:cs typeface="Times New Roman" pitchFamily="18" charset="0"/>
-              </a:rPr>
-              <a:t> </a:t>
-            </a:r>
-            <a:r>
-              <a:rPr lang="en-US" sz="2400" dirty="0" err="1" smtClean="0">
-                <a:latin typeface="Times New Roman" pitchFamily="18" charset="0"/>
-                <a:ea typeface="SimSun" pitchFamily="2" charset="-122"/>
-                <a:cs typeface="Times New Roman" pitchFamily="18" charset="0"/>
-              </a:rPr>
-              <a:t>digitale</a:t>
-            </a:r>
-            <a:endParaRPr lang="ro-RO" sz="2400" dirty="0" smtClean="0">
-              <a:latin typeface="Times New Roman" pitchFamily="18" charset="0"/>
-              <a:ea typeface="SimSun" pitchFamily="2" charset="-122"/>
-              <a:cs typeface="Times New Roman" pitchFamily="18" charset="0"/>
-            </a:endParaRPr>
-          </a:p>
-        </p:txBody>
-      </p:sp>
-      <p:sp>
-        <p:nvSpPr>
           <p:cNvPr id="5" name="CasetăText 4"/>
           <p:cNvSpPr txBox="1"/>
           <p:nvPr/>
@@ -5104,7 +6400,6 @@
             <a:pPr algn="just"/>
             <a:r>
               <a:rPr lang="ro-RO" sz="2000" b="1" dirty="0" smtClean="0">
-                <a:latin typeface="Times New Roman" pitchFamily="18" charset="0"/>
                 <a:cs typeface="Times New Roman" pitchFamily="18" charset="0"/>
               </a:rPr>
               <a:t>Transformările Fourier: </a:t>
@@ -5116,22 +6411,13 @@
               <a:buChar char="•"/>
             </a:pPr>
             <a:r>
-              <a:rPr lang="ro-RO" sz="2000" b="1" dirty="0" smtClean="0">
-                <a:latin typeface="Times New Roman" pitchFamily="18" charset="0"/>
-                <a:cs typeface="Times New Roman" pitchFamily="18" charset="0"/>
-              </a:rPr>
-              <a:t> </a:t>
-            </a:r>
-            <a:r>
               <a:rPr lang="ro-RO" sz="2000" dirty="0" smtClean="0">
-                <a:latin typeface="Times New Roman" pitchFamily="18" charset="0"/>
-                <a:cs typeface="Times New Roman" pitchFamily="18" charset="0"/>
-              </a:rPr>
-              <a:t>folosite pentru transformarea unui semnal între domeniul-timp și domeniul-frecvență: transformarea Fourier ( timp</a:t>
+                <a:cs typeface="Times New Roman" pitchFamily="18" charset="0"/>
+              </a:rPr>
+              <a:t> transformarea unui semnal între domeniul-timp și domeniul-frecvență: transformarea Fourier (timp</a:t>
             </a:r>
             <a:r>
               <a:rPr lang="ro-RO" sz="2000" dirty="0" smtClean="0">
-                <a:latin typeface="Times New Roman" pitchFamily="18" charset="0"/>
                 <a:ea typeface="Cambria Math"/>
                 <a:cs typeface="Times New Roman" pitchFamily="18" charset="0"/>
               </a:rPr>
@@ -5139,14 +6425,12 @@
             </a:r>
             <a:r>
               <a:rPr lang="ro-RO" sz="2000" dirty="0" smtClean="0">
-                <a:latin typeface="Times New Roman" pitchFamily="18" charset="0"/>
-                <a:cs typeface="Times New Roman" pitchFamily="18" charset="0"/>
-              </a:rPr>
-              <a:t> ), transformarea Fourier inversă ( frecvență</a:t>
+                <a:cs typeface="Times New Roman" pitchFamily="18" charset="0"/>
+              </a:rPr>
+              <a:t>), transformarea Fourier inversă (frecvență</a:t>
             </a:r>
             <a:r>
               <a:rPr lang="ro-RO" sz="2000" dirty="0" smtClean="0">
-                <a:latin typeface="Times New Roman" pitchFamily="18" charset="0"/>
                 <a:ea typeface="Cambria Math"/>
                 <a:cs typeface="Times New Roman" pitchFamily="18" charset="0"/>
               </a:rPr>
@@ -5154,10 +6438,9 @@
             </a:r>
             <a:r>
               <a:rPr lang="ro-RO" sz="2000" dirty="0" smtClean="0">
-                <a:latin typeface="Times New Roman" pitchFamily="18" charset="0"/>
-                <a:cs typeface="Times New Roman" pitchFamily="18" charset="0"/>
-              </a:rPr>
-              <a:t> )</a:t>
+                <a:cs typeface="Times New Roman" pitchFamily="18" charset="0"/>
+              </a:rPr>
+              <a:t>)</a:t>
             </a:r>
           </a:p>
           <a:p>
@@ -5167,7 +6450,6 @@
             </a:pPr>
             <a:r>
               <a:rPr lang="ro-RO" sz="2000" dirty="0" smtClean="0">
-                <a:latin typeface="Times New Roman" pitchFamily="18" charset="0"/>
                 <a:cs typeface="Times New Roman" pitchFamily="18" charset="0"/>
               </a:rPr>
               <a:t> domeniul timp: f(t) = A – amplitudinea ( A ∈ ℝ ) semnalului la momentul t</a:t>
@@ -5180,71 +6462,52 @@
             </a:pPr>
             <a:r>
               <a:rPr lang="ro-RO" sz="2000" dirty="0" smtClean="0">
-                <a:latin typeface="Times New Roman" pitchFamily="18" charset="0"/>
                 <a:cs typeface="Times New Roman" pitchFamily="18" charset="0"/>
               </a:rPr>
               <a:t> domeniul frecventa:  f( k ) = ( A,</a:t>
             </a:r>
             <a:r>
               <a:rPr lang="vi-VN" sz="2000" dirty="0" smtClean="0">
-                <a:latin typeface="Times New Roman" pitchFamily="18" charset="0"/>
                 <a:cs typeface="Times New Roman" pitchFamily="18" charset="0"/>
               </a:rPr>
               <a:t> </a:t>
             </a:r>
             <a:r>
               <a:rPr lang="el-GR" sz="2000" dirty="0" smtClean="0">
-                <a:latin typeface="Times New Roman" pitchFamily="18" charset="0"/>
                 <a:cs typeface="Times New Roman" pitchFamily="18" charset="0"/>
               </a:rPr>
               <a:t>φ ); </a:t>
             </a:r>
             <a:r>
               <a:rPr lang="ro-RO" sz="2000" dirty="0" smtClean="0">
-                <a:latin typeface="Times New Roman" pitchFamily="18" charset="0"/>
                 <a:cs typeface="Times New Roman" pitchFamily="18" charset="0"/>
               </a:rPr>
               <a:t>amplitudinea ( A ∈ ℝ ) și faza ( </a:t>
             </a:r>
             <a:r>
               <a:rPr lang="el-GR" sz="2000" dirty="0" smtClean="0">
-                <a:latin typeface="Times New Roman" pitchFamily="18" charset="0"/>
-                <a:cs typeface="Times New Roman" pitchFamily="18" charset="0"/>
-              </a:rPr>
-              <a:t>φ </a:t>
-            </a:r>
-            <a:r>
-              <a:rPr lang="el-GR" sz="2000" dirty="0" smtClean="0">
-                <a:latin typeface="Times New Roman" pitchFamily="18" charset="0"/>
-                <a:cs typeface="Times New Roman" pitchFamily="18" charset="0"/>
-              </a:rPr>
-              <a:t>∈ ℝ ) </a:t>
+                <a:cs typeface="Times New Roman" pitchFamily="18" charset="0"/>
+              </a:rPr>
+              <a:t>φ ∈ ℝ ) </a:t>
             </a:r>
             <a:r>
               <a:rPr lang="ro-RO" sz="2000" dirty="0" smtClean="0">
-                <a:latin typeface="Times New Roman" pitchFamily="18" charset="0"/>
                 <a:cs typeface="Times New Roman" pitchFamily="18" charset="0"/>
               </a:rPr>
               <a:t>componentei de frecvență k ( </a:t>
             </a:r>
             <a:r>
               <a:rPr lang="ro-RO" sz="2000" dirty="0" err="1" smtClean="0">
-                <a:latin typeface="Times New Roman" pitchFamily="18" charset="0"/>
                 <a:cs typeface="Times New Roman" pitchFamily="18" charset="0"/>
               </a:rPr>
               <a:t>k</a:t>
             </a:r>
             <a:r>
               <a:rPr lang="ro-RO" sz="2000" dirty="0" smtClean="0">
-                <a:latin typeface="Times New Roman" pitchFamily="18" charset="0"/>
                 <a:cs typeface="Times New Roman" pitchFamily="18" charset="0"/>
               </a:rPr>
               <a:t> ∈ ℕ ) a semnalului</a:t>
             </a:r>
-            <a:endParaRPr lang="ro-RO" sz="2000" dirty="0" smtClean="0">
-              <a:latin typeface="Times New Roman" pitchFamily="18" charset="0"/>
-              <a:cs typeface="Times New Roman" pitchFamily="18" charset="0"/>
-            </a:endParaRPr>
           </a:p>
         </p:txBody>
       </p:sp>
@@ -5265,7 +6528,7 @@
         </p:blipFill>
         <p:spPr bwMode="auto">
           <a:xfrm>
-            <a:off x="1500166" y="3115612"/>
+            <a:off x="1500166" y="3044199"/>
             <a:ext cx="6070984" cy="3742387"/>
           </a:xfrm>
           <a:prstGeom prst="rect">
@@ -5281,11 +6544,158 @@
           <a:effectLst/>
         </p:spPr>
       </p:pic>
+      <p:sp>
+        <p:nvSpPr>
+          <p:cNvPr id="6" name="Dreptunghi 5"/>
+          <p:cNvSpPr/>
+          <p:nvPr/>
+        </p:nvSpPr>
+        <p:spPr>
+          <a:xfrm>
+            <a:off x="0" y="0"/>
+            <a:ext cx="9144000" cy="754694"/>
+          </a:xfrm>
+          <a:prstGeom prst="rect">
+            <a:avLst/>
+          </a:prstGeom>
+        </p:spPr>
+        <p:txBody>
+          <a:bodyPr wrap="square">
+            <a:spAutoFit/>
+          </a:bodyPr>
+          <a:lstStyle/>
+          <a:p>
+            <a:pPr algn="ctr" eaLnBrk="0" fontAlgn="base" hangingPunct="0">
+              <a:lnSpc>
+                <a:spcPct val="150000"/>
+              </a:lnSpc>
+              <a:spcBef>
+                <a:spcPct val="0"/>
+              </a:spcBef>
+              <a:spcAft>
+                <a:spcPct val="0"/>
+              </a:spcAft>
+            </a:pPr>
+            <a:r>
+              <a:rPr lang="ro-RO" sz="3200" dirty="0" smtClean="0">
+                <a:latin typeface="+mj-lt"/>
+                <a:ea typeface="SimSun" pitchFamily="2" charset="-122"/>
+                <a:cs typeface="Times New Roman" pitchFamily="18" charset="0"/>
+              </a:rPr>
+              <a:t>Noțiuni de bază în procesarea semnalelor</a:t>
+            </a:r>
+            <a:r>
+              <a:rPr lang="en-US" sz="3200" dirty="0" smtClean="0">
+                <a:latin typeface="+mj-lt"/>
+                <a:ea typeface="SimSun" pitchFamily="2" charset="-122"/>
+                <a:cs typeface="Times New Roman" pitchFamily="18" charset="0"/>
+              </a:rPr>
+              <a:t> </a:t>
+            </a:r>
+            <a:r>
+              <a:rPr lang="en-US" sz="3200" dirty="0" err="1" smtClean="0">
+                <a:latin typeface="+mj-lt"/>
+                <a:ea typeface="SimSun" pitchFamily="2" charset="-122"/>
+                <a:cs typeface="Times New Roman" pitchFamily="18" charset="0"/>
+              </a:rPr>
+              <a:t>digitale</a:t>
+            </a:r>
+            <a:endParaRPr lang="ro-RO" sz="3200" dirty="0" smtClean="0">
+              <a:latin typeface="+mj-lt"/>
+              <a:ea typeface="SimSun" pitchFamily="2" charset="-122"/>
+              <a:cs typeface="Times New Roman" pitchFamily="18" charset="0"/>
+            </a:endParaRPr>
+          </a:p>
+        </p:txBody>
+      </p:sp>
     </p:spTree>
   </p:cSld>
   <p:clrMapOvr>
     <a:masterClrMapping/>
   </p:clrMapOvr>
+  <p:timing>
+    <p:tnLst>
+      <p:par>
+        <p:cTn id="1" dur="indefinite" restart="never" nodeType="tmRoot">
+          <p:childTnLst>
+            <p:seq concurrent="1" nextAc="seek">
+              <p:cTn id="2" dur="indefinite" nodeType="mainSeq">
+                <p:childTnLst>
+                  <p:par>
+                    <p:cTn id="3" fill="hold">
+                      <p:stCondLst>
+                        <p:cond delay="indefinite"/>
+                      </p:stCondLst>
+                      <p:childTnLst>
+                        <p:par>
+                          <p:cTn id="4" fill="hold">
+                            <p:stCondLst>
+                              <p:cond delay="0"/>
+                            </p:stCondLst>
+                            <p:childTnLst>
+                              <p:par>
+                                <p:cTn id="5" presetID="10" presetClass="entr" presetSubtype="0" fill="hold" nodeType="clickEffect">
+                                  <p:stCondLst>
+                                    <p:cond delay="0"/>
+                                  </p:stCondLst>
+                                  <p:childTnLst>
+                                    <p:set>
+                                      <p:cBhvr>
+                                        <p:cTn id="6" dur="1" fill="hold">
+                                          <p:stCondLst>
+                                            <p:cond delay="0"/>
+                                          </p:stCondLst>
+                                        </p:cTn>
+                                        <p:tgtEl>
+                                          <p:spTgt spid="2050"/>
+                                        </p:tgtEl>
+                                        <p:attrNameLst>
+                                          <p:attrName>style.visibility</p:attrName>
+                                        </p:attrNameLst>
+                                      </p:cBhvr>
+                                      <p:to>
+                                        <p:strVal val="visible"/>
+                                      </p:to>
+                                    </p:set>
+                                    <p:animEffect transition="in" filter="fade">
+                                      <p:cBhvr>
+                                        <p:cTn id="7" dur="500"/>
+                                        <p:tgtEl>
+                                          <p:spTgt spid="2050"/>
+                                        </p:tgtEl>
+                                      </p:cBhvr>
+                                    </p:animEffect>
+                                  </p:childTnLst>
+                                </p:cTn>
+                              </p:par>
+                            </p:childTnLst>
+                          </p:cTn>
+                        </p:par>
+                      </p:childTnLst>
+                    </p:cTn>
+                  </p:par>
+                </p:childTnLst>
+              </p:cTn>
+              <p:prevCondLst>
+                <p:cond evt="onPrev" delay="0">
+                  <p:tgtEl>
+                    <p:sldTgt/>
+                  </p:tgtEl>
+                </p:cond>
+              </p:prevCondLst>
+              <p:nextCondLst>
+                <p:cond evt="onNext" delay="0">
+                  <p:tgtEl>
+                    <p:sldTgt/>
+                  </p:tgtEl>
+                </p:cond>
+              </p:nextCondLst>
+            </p:seq>
+          </p:childTnLst>
+        </p:cTn>
+      </p:par>
+    </p:tnLst>
+  </p:timing>
 </p:sld>
 </file>
 
@@ -5308,78 +6718,6 @@
       </p:grpSpPr>
       <p:sp>
         <p:nvSpPr>
-          <p:cNvPr id="4" name="Dreptunghi 3"/>
-          <p:cNvSpPr/>
-          <p:nvPr/>
-        </p:nvSpPr>
-        <p:spPr>
-          <a:xfrm>
-            <a:off x="0" y="0"/>
-            <a:ext cx="9144000" cy="830997"/>
-          </a:xfrm>
-          <a:prstGeom prst="rect">
-            <a:avLst/>
-          </a:prstGeom>
-        </p:spPr>
-        <p:txBody>
-          <a:bodyPr wrap="square">
-            <a:spAutoFit/>
-          </a:bodyPr>
-          <a:lstStyle/>
-          <a:p>
-            <a:pPr algn="ctr" eaLnBrk="0" fontAlgn="base" hangingPunct="0">
-              <a:lnSpc>
-                <a:spcPct val="200000"/>
-              </a:lnSpc>
-              <a:spcBef>
-                <a:spcPct val="0"/>
-              </a:spcBef>
-              <a:spcAft>
-                <a:spcPct val="0"/>
-              </a:spcAft>
-            </a:pPr>
-            <a:r>
-              <a:rPr lang="ro-RO" sz="2400" dirty="0" smtClean="0">
-                <a:latin typeface="Times New Roman" pitchFamily="18" charset="0"/>
-                <a:ea typeface="SimSun" pitchFamily="2" charset="-122"/>
-                <a:cs typeface="Times New Roman" pitchFamily="18" charset="0"/>
-              </a:rPr>
-              <a:t>3. Noțiuni de bază în procesarea </a:t>
-            </a:r>
-            <a:r>
-              <a:rPr lang="ro-RO" sz="2400" dirty="0" smtClean="0">
-                <a:latin typeface="Times New Roman" pitchFamily="18" charset="0"/>
-                <a:ea typeface="SimSun" pitchFamily="2" charset="-122"/>
-                <a:cs typeface="Times New Roman" pitchFamily="18" charset="0"/>
-              </a:rPr>
-              <a:t>semnalelor</a:t>
-            </a:r>
-            <a:r>
-              <a:rPr lang="en-US" sz="2400" dirty="0" smtClean="0">
-                <a:latin typeface="Times New Roman" pitchFamily="18" charset="0"/>
-                <a:ea typeface="SimSun" pitchFamily="2" charset="-122"/>
-                <a:cs typeface="Times New Roman" pitchFamily="18" charset="0"/>
-              </a:rPr>
-              <a:t> </a:t>
-            </a:r>
-            <a:r>
-              <a:rPr lang="en-US" sz="2400" dirty="0" err="1" smtClean="0">
-                <a:latin typeface="Times New Roman" pitchFamily="18" charset="0"/>
-                <a:ea typeface="SimSun" pitchFamily="2" charset="-122"/>
-                <a:cs typeface="Times New Roman" pitchFamily="18" charset="0"/>
-              </a:rPr>
-              <a:t>digitale</a:t>
-            </a:r>
-            <a:endParaRPr lang="ro-RO" sz="2400" dirty="0" smtClean="0">
-              <a:latin typeface="Times New Roman" pitchFamily="18" charset="0"/>
-              <a:ea typeface="SimSun" pitchFamily="2" charset="-122"/>
-              <a:cs typeface="Times New Roman" pitchFamily="18" charset="0"/>
-            </a:endParaRPr>
-          </a:p>
-        </p:txBody>
-      </p:sp>
-      <p:sp>
-        <p:nvSpPr>
           <p:cNvPr id="5" name="CasetăText 4"/>
           <p:cNvSpPr txBox="1"/>
           <p:nvPr/>
@@ -5403,7 +6741,6 @@
             <a:pPr algn="just"/>
             <a:r>
               <a:rPr lang="ro-RO" b="1" dirty="0" smtClean="0">
-                <a:latin typeface="Times New Roman" pitchFamily="18" charset="0"/>
                 <a:cs typeface="Times New Roman" pitchFamily="18" charset="0"/>
               </a:rPr>
               <a:t>Construirea filtrelor folosind transformările Fourier</a:t>
@@ -5416,7 +6753,6 @@
             </a:pPr>
             <a:r>
               <a:rPr lang="ro-RO" dirty="0" smtClean="0">
-                <a:latin typeface="Times New Roman" pitchFamily="18" charset="0"/>
                 <a:cs typeface="Times New Roman" pitchFamily="18" charset="0"/>
               </a:rPr>
               <a:t> filtrele FIR schimba răspunsul în frecvență al semnalului pe care se aplică după răspunsul în frecvență al coeficienților filtrului</a:t>
@@ -5426,48 +6762,38 @@
             <a:pPr lvl="1" algn="just"/>
             <a:r>
               <a:rPr lang="en-US" dirty="0" smtClean="0">
-                <a:latin typeface="Times New Roman" pitchFamily="18" charset="0"/>
                 <a:cs typeface="Times New Roman" pitchFamily="18" charset="0"/>
               </a:rPr>
               <a:t>=&gt; </a:t>
             </a:r>
             <a:r>
               <a:rPr lang="en-US" dirty="0" err="1" smtClean="0">
-                <a:latin typeface="Times New Roman" pitchFamily="18" charset="0"/>
                 <a:cs typeface="Times New Roman" pitchFamily="18" charset="0"/>
               </a:rPr>
               <a:t>cunosc</a:t>
             </a:r>
             <a:r>
               <a:rPr lang="ro-RO" dirty="0" err="1" smtClean="0">
-                <a:latin typeface="Times New Roman" pitchFamily="18" charset="0"/>
                 <a:cs typeface="Times New Roman" pitchFamily="18" charset="0"/>
               </a:rPr>
               <a:t>ând</a:t>
             </a:r>
             <a:r>
               <a:rPr lang="ro-RO" dirty="0" smtClean="0">
-                <a:latin typeface="Times New Roman" pitchFamily="18" charset="0"/>
                 <a:cs typeface="Times New Roman" pitchFamily="18" charset="0"/>
               </a:rPr>
               <a:t> răspunsul dorit, coeficienții filtrului se pot calcula prin aplicarea transformării Fourier inverse pe răspunsul în frecvență. Coeficienții se rafinează prin aplicarea unei funcții-fereastră.</a:t>
             </a:r>
-            <a:endParaRPr lang="ro-RO" dirty="0" smtClean="0">
-              <a:latin typeface="Times New Roman" pitchFamily="18" charset="0"/>
-              <a:cs typeface="Times New Roman" pitchFamily="18" charset="0"/>
-            </a:endParaRPr>
           </a:p>
           <a:p>
             <a:pPr algn="just"/>
             <a:r>
               <a:rPr lang="ro-RO" dirty="0" smtClean="0">
-                <a:latin typeface="Times New Roman" pitchFamily="18" charset="0"/>
                 <a:cs typeface="Times New Roman" pitchFamily="18" charset="0"/>
               </a:rPr>
               <a:t> </a:t>
             </a:r>
             <a:endParaRPr lang="ro-RO" dirty="0">
-              <a:latin typeface="Times New Roman" pitchFamily="18" charset="0"/>
               <a:cs typeface="Times New Roman" pitchFamily="18" charset="0"/>
             </a:endParaRPr>
           </a:p>
@@ -5539,11 +6865,203 @@
           <a:effectLst/>
         </p:spPr>
       </p:pic>
+      <p:sp>
+        <p:nvSpPr>
+          <p:cNvPr id="6" name="Dreptunghi 5"/>
+          <p:cNvSpPr/>
+          <p:nvPr/>
+        </p:nvSpPr>
+        <p:spPr>
+          <a:xfrm>
+            <a:off x="0" y="0"/>
+            <a:ext cx="9144000" cy="754694"/>
+          </a:xfrm>
+          <a:prstGeom prst="rect">
+            <a:avLst/>
+          </a:prstGeom>
+        </p:spPr>
+        <p:txBody>
+          <a:bodyPr wrap="square">
+            <a:spAutoFit/>
+          </a:bodyPr>
+          <a:lstStyle/>
+          <a:p>
+            <a:pPr algn="ctr" eaLnBrk="0" fontAlgn="base" hangingPunct="0">
+              <a:lnSpc>
+                <a:spcPct val="150000"/>
+              </a:lnSpc>
+              <a:spcBef>
+                <a:spcPct val="0"/>
+              </a:spcBef>
+              <a:spcAft>
+                <a:spcPct val="0"/>
+              </a:spcAft>
+            </a:pPr>
+            <a:r>
+              <a:rPr lang="ro-RO" sz="3200" dirty="0" smtClean="0">
+                <a:latin typeface="+mj-lt"/>
+                <a:ea typeface="SimSun" pitchFamily="2" charset="-122"/>
+                <a:cs typeface="Times New Roman" pitchFamily="18" charset="0"/>
+              </a:rPr>
+              <a:t>Noțiuni de bază în procesarea semnalelor</a:t>
+            </a:r>
+            <a:r>
+              <a:rPr lang="en-US" sz="3200" dirty="0" smtClean="0">
+                <a:latin typeface="+mj-lt"/>
+                <a:ea typeface="SimSun" pitchFamily="2" charset="-122"/>
+                <a:cs typeface="Times New Roman" pitchFamily="18" charset="0"/>
+              </a:rPr>
+              <a:t> </a:t>
+            </a:r>
+            <a:r>
+              <a:rPr lang="en-US" sz="3200" dirty="0" err="1" smtClean="0">
+                <a:latin typeface="+mj-lt"/>
+                <a:ea typeface="SimSun" pitchFamily="2" charset="-122"/>
+                <a:cs typeface="Times New Roman" pitchFamily="18" charset="0"/>
+              </a:rPr>
+              <a:t>digitale</a:t>
+            </a:r>
+            <a:endParaRPr lang="ro-RO" sz="3200" dirty="0" smtClean="0">
+              <a:latin typeface="+mj-lt"/>
+              <a:ea typeface="SimSun" pitchFamily="2" charset="-122"/>
+              <a:cs typeface="Times New Roman" pitchFamily="18" charset="0"/>
+            </a:endParaRPr>
+          </a:p>
+        </p:txBody>
+      </p:sp>
     </p:spTree>
   </p:cSld>
   <p:clrMapOvr>
     <a:masterClrMapping/>
   </p:clrMapOvr>
+  <p:timing>
+    <p:tnLst>
+      <p:par>
+        <p:cTn id="1" dur="indefinite" restart="never" nodeType="tmRoot">
+          <p:childTnLst>
+            <p:seq concurrent="1" nextAc="seek">
+              <p:cTn id="2" dur="indefinite" nodeType="mainSeq">
+                <p:childTnLst>
+                  <p:par>
+                    <p:cTn id="3" fill="hold">
+                      <p:stCondLst>
+                        <p:cond delay="indefinite"/>
+                      </p:stCondLst>
+                      <p:childTnLst>
+                        <p:par>
+                          <p:cTn id="4" fill="hold">
+                            <p:stCondLst>
+                              <p:cond delay="0"/>
+                            </p:stCondLst>
+                            <p:childTnLst>
+                              <p:par>
+                                <p:cTn id="5" presetID="1" presetClass="entr" presetSubtype="0" fill="hold" nodeType="clickEffect">
+                                  <p:stCondLst>
+                                    <p:cond delay="0"/>
+                                  </p:stCondLst>
+                                  <p:childTnLst>
+                                    <p:set>
+                                      <p:cBhvr>
+                                        <p:cTn id="6" dur="1" fill="hold">
+                                          <p:stCondLst>
+                                            <p:cond delay="0"/>
+                                          </p:stCondLst>
+                                        </p:cTn>
+                                        <p:tgtEl>
+                                          <p:spTgt spid="3075"/>
+                                        </p:tgtEl>
+                                        <p:attrNameLst>
+                                          <p:attrName>style.visibility</p:attrName>
+                                        </p:attrNameLst>
+                                      </p:cBhvr>
+                                      <p:to>
+                                        <p:strVal val="visible"/>
+                                      </p:to>
+                                    </p:set>
+                                  </p:childTnLst>
+                                </p:cTn>
+                              </p:par>
+                            </p:childTnLst>
+                          </p:cTn>
+                        </p:par>
+                      </p:childTnLst>
+                    </p:cTn>
+                  </p:par>
+                  <p:par>
+                    <p:cTn id="7" fill="hold">
+                      <p:stCondLst>
+                        <p:cond delay="indefinite"/>
+                      </p:stCondLst>
+                      <p:childTnLst>
+                        <p:par>
+                          <p:cTn id="8" fill="hold">
+                            <p:stCondLst>
+                              <p:cond delay="0"/>
+                            </p:stCondLst>
+                            <p:childTnLst>
+                              <p:par>
+                                <p:cTn id="9" presetID="10" presetClass="entr" presetSubtype="0" fill="hold" nodeType="clickEffect">
+                                  <p:stCondLst>
+                                    <p:cond delay="0"/>
+                                  </p:stCondLst>
+                                  <p:childTnLst>
+                                    <p:set>
+                                      <p:cBhvr>
+                                        <p:cTn id="10" dur="1" fill="hold">
+                                          <p:stCondLst>
+                                            <p:cond delay="0"/>
+                                          </p:stCondLst>
+                                        </p:cTn>
+                                        <p:tgtEl>
+                                          <p:spTgt spid="3076"/>
+                                        </p:tgtEl>
+                                        <p:attrNameLst>
+                                          <p:attrName>style.visibility</p:attrName>
+                                        </p:attrNameLst>
+                                      </p:cBhvr>
+                                      <p:to>
+                                        <p:strVal val="visible"/>
+                                      </p:to>
+                                    </p:set>
+                                    <p:animEffect transition="in" filter="fade">
+                                      <p:cBhvr>
+                                        <p:cTn id="11" dur="500"/>
+                                        <p:tgtEl>
+                                          <p:spTgt spid="3076"/>
+                                        </p:tgtEl>
+                                      </p:cBhvr>
+                                    </p:animEffect>
+                                  </p:childTnLst>
+                                </p:cTn>
+                              </p:par>
+                            </p:childTnLst>
+                          </p:cTn>
+                        </p:par>
+                      </p:childTnLst>
+                    </p:cTn>
+                  </p:par>
+                </p:childTnLst>
+              </p:cTn>
+              <p:prevCondLst>
+                <p:cond evt="onPrev" delay="0">
+                  <p:tgtEl>
+                    <p:sldTgt/>
+                  </p:tgtEl>
+                </p:cond>
+              </p:prevCondLst>
+              <p:nextCondLst>
+                <p:cond evt="onNext" delay="0">
+                  <p:tgtEl>
+                    <p:sldTgt/>
+                  </p:tgtEl>
+                </p:cond>
+              </p:nextCondLst>
+            </p:seq>
+          </p:childTnLst>
+        </p:cTn>
+      </p:par>
+    </p:tnLst>
+  </p:timing>
 </p:sld>
 </file>
 
@@ -5564,6 +7082,159 @@
           <a:chExt cx="0" cy="0"/>
         </a:xfrm>
       </p:grpSpPr>
+      <p:grpSp>
+        <p:nvGrpSpPr>
+          <p:cNvPr id="33" name="Grupare 32"/>
+          <p:cNvGrpSpPr/>
+          <p:nvPr/>
+        </p:nvGrpSpPr>
+        <p:grpSpPr>
+          <a:xfrm>
+            <a:off x="142844" y="6390000"/>
+            <a:ext cx="8929750" cy="90000"/>
+            <a:chOff x="142844" y="6408000"/>
+            <a:chExt cx="8929750" cy="90000"/>
+          </a:xfrm>
+        </p:grpSpPr>
+        <p:sp>
+          <p:nvSpPr>
+            <p:cNvPr id="16" name="Dreptunghi 15"/>
+            <p:cNvSpPr/>
+            <p:nvPr/>
+          </p:nvSpPr>
+          <p:spPr>
+            <a:xfrm flipV="1">
+              <a:off x="142844" y="6408000"/>
+              <a:ext cx="3429024" cy="90000"/>
+            </a:xfrm>
+            <a:prstGeom prst="rect">
+              <a:avLst/>
+            </a:prstGeom>
+            <a:solidFill>
+              <a:srgbClr val="00B050"/>
+            </a:solidFill>
+            <a:ln>
+              <a:noFill/>
+            </a:ln>
+          </p:spPr>
+          <p:style>
+            <a:lnRef idx="2">
+              <a:schemeClr val="accent1">
+                <a:shade val="50000"/>
+              </a:schemeClr>
+            </a:lnRef>
+            <a:fillRef idx="1">
+              <a:schemeClr val="accent1"/>
+            </a:fillRef>
+            <a:effectRef idx="0">
+              <a:schemeClr val="accent1"/>
+            </a:effectRef>
+            <a:fontRef idx="minor">
+              <a:schemeClr val="lt1"/>
+            </a:fontRef>
+          </p:style>
+          <p:txBody>
+            <a:bodyPr rtlCol="0" anchor="ctr"/>
+            <a:lstStyle/>
+            <a:p>
+              <a:pPr algn="ctr"/>
+              <a:endParaRPr lang="ro-RO"/>
+            </a:p>
+          </p:txBody>
+        </p:sp>
+        <p:sp>
+          <p:nvSpPr>
+            <p:cNvPr id="17" name="Dreptunghi 16"/>
+            <p:cNvSpPr/>
+            <p:nvPr/>
+          </p:nvSpPr>
+          <p:spPr>
+            <a:xfrm flipV="1">
+              <a:off x="3571868" y="6408000"/>
+              <a:ext cx="2214578" cy="90000"/>
+            </a:xfrm>
+            <a:prstGeom prst="rect">
+              <a:avLst/>
+            </a:prstGeom>
+            <a:solidFill>
+              <a:srgbClr val="FF0000"/>
+            </a:solidFill>
+            <a:ln>
+              <a:noFill/>
+            </a:ln>
+          </p:spPr>
+          <p:style>
+            <a:lnRef idx="2">
+              <a:schemeClr val="accent1">
+                <a:shade val="50000"/>
+              </a:schemeClr>
+            </a:lnRef>
+            <a:fillRef idx="1">
+              <a:schemeClr val="accent1"/>
+            </a:fillRef>
+            <a:effectRef idx="0">
+              <a:schemeClr val="accent1"/>
+            </a:effectRef>
+            <a:fontRef idx="minor">
+              <a:schemeClr val="lt1"/>
+            </a:fontRef>
+          </p:style>
+          <p:txBody>
+            <a:bodyPr rtlCol="0" anchor="ctr"/>
+            <a:lstStyle/>
+            <a:p>
+              <a:pPr algn="ctr"/>
+              <a:endParaRPr lang="ro-RO"/>
+            </a:p>
+          </p:txBody>
+        </p:sp>
+        <p:sp>
+          <p:nvSpPr>
+            <p:cNvPr id="18" name="Dreptunghi 17"/>
+            <p:cNvSpPr/>
+            <p:nvPr/>
+          </p:nvSpPr>
+          <p:spPr>
+            <a:xfrm flipV="1">
+              <a:off x="5786446" y="6408000"/>
+              <a:ext cx="3286148" cy="90000"/>
+            </a:xfrm>
+            <a:prstGeom prst="rect">
+              <a:avLst/>
+            </a:prstGeom>
+            <a:solidFill>
+              <a:srgbClr val="00B050"/>
+            </a:solidFill>
+            <a:ln>
+              <a:noFill/>
+            </a:ln>
+          </p:spPr>
+          <p:style>
+            <a:lnRef idx="2">
+              <a:schemeClr val="accent1">
+                <a:shade val="50000"/>
+              </a:schemeClr>
+            </a:lnRef>
+            <a:fillRef idx="1">
+              <a:schemeClr val="accent1"/>
+            </a:fillRef>
+            <a:effectRef idx="0">
+              <a:schemeClr val="accent1"/>
+            </a:effectRef>
+            <a:fontRef idx="minor">
+              <a:schemeClr val="lt1"/>
+            </a:fontRef>
+          </p:style>
+          <p:txBody>
+            <a:bodyPr rtlCol="0" anchor="ctr"/>
+            <a:lstStyle/>
+            <a:p>
+              <a:pPr algn="ctr"/>
+              <a:endParaRPr lang="ro-RO"/>
+            </a:p>
+          </p:txBody>
+        </p:sp>
+      </p:grpSp>
       <p:sp>
         <p:nvSpPr>
           <p:cNvPr id="5" name="Dreptunghi 4"/>
@@ -5572,8 +7243,8 @@
         </p:nvSpPr>
         <p:spPr>
           <a:xfrm>
-            <a:off x="0" y="0"/>
-            <a:ext cx="9144000" cy="718466"/>
+            <a:off x="0" y="1"/>
+            <a:ext cx="9144000" cy="754694"/>
           </a:xfrm>
           <a:prstGeom prst="rect">
             <a:avLst/>
@@ -5587,7 +7258,7 @@
           <a:p>
             <a:pPr lvl="0" algn="ctr" eaLnBrk="0" fontAlgn="base" hangingPunct="0">
               <a:lnSpc>
-                <a:spcPct val="200000"/>
+                <a:spcPct val="150000"/>
               </a:lnSpc>
               <a:spcBef>
                 <a:spcPct val="0"/>
@@ -5597,34 +7268,495 @@
               </a:spcAft>
             </a:pPr>
             <a:r>
-              <a:rPr lang="ro-RO" sz="2400" dirty="0" smtClean="0">
-                <a:latin typeface="Times New Roman" pitchFamily="18" charset="0"/>
+              <a:rPr lang="ro-RO" sz="3200" dirty="0" smtClean="0">
+                <a:latin typeface="+mj-lt"/>
                 <a:ea typeface="SimSun" pitchFamily="2" charset="-122"/>
                 <a:cs typeface="Times New Roman" pitchFamily="18" charset="0"/>
               </a:rPr>
-              <a:t>4. Detectarea și corectarea </a:t>
-            </a:r>
-            <a:r>
-              <a:rPr lang="ro-RO" sz="2400" dirty="0" smtClean="0">
-                <a:latin typeface="Times New Roman" pitchFamily="18" charset="0"/>
-                <a:ea typeface="SimSun" pitchFamily="2" charset="-122"/>
-                <a:cs typeface="Times New Roman" pitchFamily="18" charset="0"/>
-              </a:rPr>
-              <a:t>distorsiunilor</a:t>
-            </a:r>
-            <a:endParaRPr lang="ro-RO" sz="2400" dirty="0" smtClean="0">
-              <a:latin typeface="Times New Roman" pitchFamily="18" charset="0"/>
-              <a:ea typeface="SimSun" pitchFamily="2" charset="-122"/>
+              <a:t>Detectarea distorsiunilor</a:t>
+            </a:r>
+          </a:p>
+        </p:txBody>
+      </p:sp>
+      <p:sp>
+        <p:nvSpPr>
+          <p:cNvPr id="3" name="CasetăText 2"/>
+          <p:cNvSpPr txBox="1"/>
+          <p:nvPr/>
+        </p:nvSpPr>
+        <p:spPr>
+          <a:xfrm>
+            <a:off x="214282" y="785794"/>
+            <a:ext cx="8715436" cy="2031325"/>
+          </a:xfrm>
+          <a:prstGeom prst="rect">
+            <a:avLst/>
+          </a:prstGeom>
+          <a:noFill/>
+        </p:spPr>
+        <p:txBody>
+          <a:bodyPr wrap="square" rtlCol="0">
+            <a:spAutoFit/>
+          </a:bodyPr>
+          <a:lstStyle/>
+          <a:p>
+            <a:pPr algn="just"/>
+            <a:r>
+              <a:rPr lang="ro-RO" b="1" dirty="0" smtClean="0">
+                <a:cs typeface="Times New Roman" pitchFamily="18" charset="0"/>
+              </a:rPr>
+              <a:t>Detecția:</a:t>
+            </a:r>
+          </a:p>
+          <a:p>
+            <a:pPr algn="just">
+              <a:buFont typeface="Arial" pitchFamily="34" charset="0"/>
+              <a:buChar char="•"/>
+            </a:pPr>
+            <a:r>
+              <a:rPr lang="ro-RO" dirty="0" smtClean="0">
+                <a:cs typeface="Times New Roman" pitchFamily="18" charset="0"/>
+              </a:rPr>
+              <a:t> identificarea și marcarea intervalelor în care semnalul conține distorsiuni. Un </a:t>
+            </a:r>
+            <a:r>
+              <a:rPr lang="ro-RO" dirty="0" err="1" smtClean="0">
+                <a:cs typeface="Times New Roman" pitchFamily="18" charset="0"/>
+              </a:rPr>
+              <a:t>sample</a:t>
+            </a:r>
+            <a:r>
+              <a:rPr lang="ro-RO" dirty="0" smtClean="0">
+                <a:cs typeface="Times New Roman" pitchFamily="18" charset="0"/>
+              </a:rPr>
+              <a:t> al semnalului audio este considerat ca fiind ”marcat” ( face parte dintr-o zonă cu distorsiuni ) daca se află într-unul din aceste intervale.</a:t>
+            </a:r>
+          </a:p>
+          <a:p>
+            <a:pPr algn="just">
+              <a:buFont typeface="Arial" pitchFamily="34" charset="0"/>
+              <a:buChar char="•"/>
+            </a:pPr>
+            <a:r>
+              <a:rPr lang="ro-RO" dirty="0" smtClean="0">
+                <a:cs typeface="Times New Roman" pitchFamily="18" charset="0"/>
+              </a:rPr>
+              <a:t> pentru marcarea automată s-a folosit o rețea neuronală ce marchează individual fiecare </a:t>
+            </a:r>
+            <a:r>
+              <a:rPr lang="ro-RO" dirty="0" err="1" smtClean="0">
+                <a:cs typeface="Times New Roman" pitchFamily="18" charset="0"/>
+              </a:rPr>
+              <a:t>sample</a:t>
+            </a:r>
+            <a:r>
+              <a:rPr lang="ro-RO" dirty="0" smtClean="0">
+                <a:cs typeface="Times New Roman" pitchFamily="18" charset="0"/>
+              </a:rPr>
+              <a:t>. Rețeaua are configurația (129, 64, 32, 1), și clasifică al 65-lea </a:t>
+            </a:r>
+            <a:r>
+              <a:rPr lang="ro-RO" dirty="0" err="1" smtClean="0">
+                <a:cs typeface="Times New Roman" pitchFamily="18" charset="0"/>
+              </a:rPr>
+              <a:t>sample</a:t>
+            </a:r>
+            <a:r>
+              <a:rPr lang="ro-RO" dirty="0" smtClean="0">
+                <a:cs typeface="Times New Roman" pitchFamily="18" charset="0"/>
+              </a:rPr>
+              <a:t> din input ca fiind ”marcat” sau ”nemarcat”. </a:t>
+            </a:r>
+            <a:endParaRPr lang="ro-RO" dirty="0">
               <a:cs typeface="Times New Roman" pitchFamily="18" charset="0"/>
             </a:endParaRPr>
           </a:p>
         </p:txBody>
       </p:sp>
+      <p:pic>
+        <p:nvPicPr>
+          <p:cNvPr id="2050" name="Picture 2"/>
+          <p:cNvPicPr>
+            <a:picLocks noChangeAspect="1" noChangeArrowheads="1"/>
+          </p:cNvPicPr>
+          <p:nvPr/>
+        </p:nvPicPr>
+        <p:blipFill>
+          <a:blip r:embed="rId2"/>
+          <a:srcRect/>
+          <a:stretch>
+            <a:fillRect/>
+          </a:stretch>
+        </p:blipFill>
+        <p:spPr bwMode="auto">
+          <a:xfrm>
+            <a:off x="0" y="2928934"/>
+            <a:ext cx="9128338" cy="2772000"/>
+          </a:xfrm>
+          <a:prstGeom prst="rect">
+            <a:avLst/>
+          </a:prstGeom>
+          <a:noFill/>
+          <a:ln w="9525">
+            <a:noFill/>
+            <a:miter lim="800000"/>
+            <a:headEnd/>
+            <a:tailEnd/>
+          </a:ln>
+          <a:effectLst/>
+        </p:spPr>
+      </p:pic>
+      <p:sp>
+        <p:nvSpPr>
+          <p:cNvPr id="19" name="Dreptunghi 18"/>
+          <p:cNvSpPr/>
+          <p:nvPr/>
+        </p:nvSpPr>
+        <p:spPr>
+          <a:xfrm>
+            <a:off x="9072594" y="6215082"/>
+            <a:ext cx="285752" cy="428628"/>
+          </a:xfrm>
+          <a:prstGeom prst="rect">
+            <a:avLst/>
+          </a:prstGeom>
+          <a:solidFill>
+            <a:schemeClr val="bg1"/>
+          </a:solidFill>
+          <a:ln>
+            <a:noFill/>
+          </a:ln>
+        </p:spPr>
+        <p:style>
+          <a:lnRef idx="2">
+            <a:schemeClr val="accent1">
+              <a:shade val="50000"/>
+            </a:schemeClr>
+          </a:lnRef>
+          <a:fillRef idx="1">
+            <a:schemeClr val="accent1"/>
+          </a:fillRef>
+          <a:effectRef idx="0">
+            <a:schemeClr val="accent1"/>
+          </a:effectRef>
+          <a:fontRef idx="minor">
+            <a:schemeClr val="lt1"/>
+          </a:fontRef>
+        </p:style>
+        <p:txBody>
+          <a:bodyPr rtlCol="0" anchor="ctr"/>
+          <a:lstStyle/>
+          <a:p>
+            <a:pPr algn="ctr"/>
+            <a:endParaRPr lang="ro-RO"/>
+          </a:p>
+        </p:txBody>
+      </p:sp>
+      <p:grpSp>
+        <p:nvGrpSpPr>
+          <p:cNvPr id="32" name="Grupare 31"/>
+          <p:cNvGrpSpPr/>
+          <p:nvPr/>
+        </p:nvGrpSpPr>
+        <p:grpSpPr>
+          <a:xfrm>
+            <a:off x="79200" y="2984587"/>
+            <a:ext cx="9791759" cy="3516247"/>
+            <a:chOff x="138091" y="2988953"/>
+            <a:chExt cx="9791759" cy="3516247"/>
+          </a:xfrm>
+        </p:grpSpPr>
+        <p:pic>
+          <p:nvPicPr>
+            <p:cNvPr id="2051" name="Picture 3"/>
+            <p:cNvPicPr>
+              <a:picLocks noChangeAspect="1" noChangeArrowheads="1"/>
+            </p:cNvPicPr>
+            <p:nvPr/>
+          </p:nvPicPr>
+          <p:blipFill>
+            <a:blip r:embed="rId3"/>
+            <a:srcRect/>
+            <a:stretch>
+              <a:fillRect/>
+            </a:stretch>
+          </p:blipFill>
+          <p:spPr bwMode="auto">
+            <a:xfrm>
+              <a:off x="138091" y="5670000"/>
+              <a:ext cx="1362075" cy="723900"/>
+            </a:xfrm>
+            <a:prstGeom prst="rect">
+              <a:avLst/>
+            </a:prstGeom>
+            <a:noFill/>
+            <a:ln w="9525">
+              <a:noFill/>
+              <a:miter lim="800000"/>
+              <a:headEnd/>
+              <a:tailEnd/>
+            </a:ln>
+            <a:effectLst/>
+          </p:spPr>
+        </p:pic>
+        <p:sp>
+          <p:nvSpPr>
+            <p:cNvPr id="20" name="Dreptunghi 19"/>
+            <p:cNvSpPr/>
+            <p:nvPr/>
+          </p:nvSpPr>
+          <p:spPr>
+            <a:xfrm rot="10800000" flipV="1">
+              <a:off x="857224" y="6397200"/>
+              <a:ext cx="9072626" cy="108000"/>
+            </a:xfrm>
+            <a:prstGeom prst="rect">
+              <a:avLst/>
+            </a:prstGeom>
+            <a:solidFill>
+              <a:schemeClr val="bg1">
+                <a:lumMod val="75000"/>
+              </a:schemeClr>
+            </a:solidFill>
+            <a:ln>
+              <a:noFill/>
+            </a:ln>
+          </p:spPr>
+          <p:style>
+            <a:lnRef idx="2">
+              <a:schemeClr val="accent1">
+                <a:shade val="50000"/>
+              </a:schemeClr>
+            </a:lnRef>
+            <a:fillRef idx="1">
+              <a:schemeClr val="accent1"/>
+            </a:fillRef>
+            <a:effectRef idx="0">
+              <a:schemeClr val="accent1"/>
+            </a:effectRef>
+            <a:fontRef idx="minor">
+              <a:schemeClr val="lt1"/>
+            </a:fontRef>
+          </p:style>
+          <p:txBody>
+            <a:bodyPr rtlCol="0" anchor="ctr"/>
+            <a:lstStyle/>
+            <a:p>
+              <a:pPr algn="ctr"/>
+              <a:endParaRPr lang="ro-RO"/>
+            </a:p>
+          </p:txBody>
+        </p:sp>
+        <p:cxnSp>
+          <p:nvCxnSpPr>
+            <p:cNvPr id="24" name="Conector drept 23"/>
+            <p:cNvCxnSpPr/>
+            <p:nvPr/>
+          </p:nvCxnSpPr>
+          <p:spPr>
+            <a:xfrm rot="5400000">
+              <a:off x="-541959" y="4347159"/>
+              <a:ext cx="2718000" cy="1588"/>
+            </a:xfrm>
+            <a:prstGeom prst="line">
+              <a:avLst/>
+            </a:prstGeom>
+            <a:ln w="9525">
+              <a:solidFill>
+                <a:srgbClr val="FFC000"/>
+              </a:solidFill>
+            </a:ln>
+          </p:spPr>
+          <p:style>
+            <a:lnRef idx="1">
+              <a:schemeClr val="accent1"/>
+            </a:lnRef>
+            <a:fillRef idx="0">
+              <a:schemeClr val="accent1"/>
+            </a:fillRef>
+            <a:effectRef idx="0">
+              <a:schemeClr val="accent1"/>
+            </a:effectRef>
+            <a:fontRef idx="minor">
+              <a:schemeClr val="tx1"/>
+            </a:fontRef>
+          </p:style>
+        </p:cxnSp>
+      </p:grpSp>
     </p:spTree>
   </p:cSld>
   <p:clrMapOvr>
     <a:masterClrMapping/>
   </p:clrMapOvr>
+  <p:timing>
+    <p:tnLst>
+      <p:par>
+        <p:cTn id="1" dur="indefinite" restart="never" nodeType="tmRoot">
+          <p:childTnLst>
+            <p:seq concurrent="1" nextAc="seek">
+              <p:cTn id="2" dur="indefinite" nodeType="mainSeq">
+                <p:childTnLst>
+                  <p:par>
+                    <p:cTn id="3" fill="hold">
+                      <p:stCondLst>
+                        <p:cond delay="indefinite"/>
+                      </p:stCondLst>
+                      <p:childTnLst>
+                        <p:par>
+                          <p:cTn id="4" fill="hold">
+                            <p:stCondLst>
+                              <p:cond delay="0"/>
+                            </p:stCondLst>
+                            <p:childTnLst>
+                              <p:par>
+                                <p:cTn id="5" presetID="1" presetClass="entr" presetSubtype="0" fill="hold" nodeType="clickEffect">
+                                  <p:stCondLst>
+                                    <p:cond delay="0"/>
+                                  </p:stCondLst>
+                                  <p:childTnLst>
+                                    <p:set>
+                                      <p:cBhvr>
+                                        <p:cTn id="6" dur="1" fill="hold">
+                                          <p:stCondLst>
+                                            <p:cond delay="0"/>
+                                          </p:stCondLst>
+                                        </p:cTn>
+                                        <p:tgtEl>
+                                          <p:spTgt spid="33"/>
+                                        </p:tgtEl>
+                                        <p:attrNameLst>
+                                          <p:attrName>style.visibility</p:attrName>
+                                        </p:attrNameLst>
+                                      </p:cBhvr>
+                                      <p:to>
+                                        <p:strVal val="visible"/>
+                                      </p:to>
+                                    </p:set>
+                                  </p:childTnLst>
+                                </p:cTn>
+                              </p:par>
+                              <p:par>
+                                <p:cTn id="7" presetID="1" presetClass="entr" presetSubtype="0" fill="hold" nodeType="withEffect">
+                                  <p:stCondLst>
+                                    <p:cond delay="0"/>
+                                  </p:stCondLst>
+                                  <p:childTnLst>
+                                    <p:set>
+                                      <p:cBhvr>
+                                        <p:cTn id="8" dur="1" fill="hold">
+                                          <p:stCondLst>
+                                            <p:cond delay="0"/>
+                                          </p:stCondLst>
+                                        </p:cTn>
+                                        <p:tgtEl>
+                                          <p:spTgt spid="32"/>
+                                        </p:tgtEl>
+                                        <p:attrNameLst>
+                                          <p:attrName>style.visibility</p:attrName>
+                                        </p:attrNameLst>
+                                      </p:cBhvr>
+                                      <p:to>
+                                        <p:strVal val="visible"/>
+                                      </p:to>
+                                    </p:set>
+                                  </p:childTnLst>
+                                </p:cTn>
+                              </p:par>
+                              <p:par>
+                                <p:cTn id="9" presetID="1" presetClass="entr" presetSubtype="0" fill="hold" nodeType="withEffect">
+                                  <p:stCondLst>
+                                    <p:cond delay="0"/>
+                                  </p:stCondLst>
+                                  <p:childTnLst>
+                                    <p:set>
+                                      <p:cBhvr>
+                                        <p:cTn id="10" dur="1" fill="hold">
+                                          <p:stCondLst>
+                                            <p:cond delay="0"/>
+                                          </p:stCondLst>
+                                        </p:cTn>
+                                        <p:tgtEl>
+                                          <p:spTgt spid="2050"/>
+                                        </p:tgtEl>
+                                        <p:attrNameLst>
+                                          <p:attrName>style.visibility</p:attrName>
+                                        </p:attrNameLst>
+                                      </p:cBhvr>
+                                      <p:to>
+                                        <p:strVal val="visible"/>
+                                      </p:to>
+                                    </p:set>
+                                  </p:childTnLst>
+                                </p:cTn>
+                              </p:par>
+                            </p:childTnLst>
+                          </p:cTn>
+                        </p:par>
+                      </p:childTnLst>
+                    </p:cTn>
+                  </p:par>
+                  <p:par>
+                    <p:cTn id="11" fill="hold">
+                      <p:stCondLst>
+                        <p:cond delay="indefinite"/>
+                      </p:stCondLst>
+                      <p:childTnLst>
+                        <p:par>
+                          <p:cTn id="12" fill="hold">
+                            <p:stCondLst>
+                              <p:cond delay="0"/>
+                            </p:stCondLst>
+                            <p:childTnLst>
+                              <p:par>
+                                <p:cTn id="13" presetID="63" presetClass="path" presetSubtype="0" fill="hold" nodeType="clickEffect">
+                                  <p:stCondLst>
+                                    <p:cond delay="0"/>
+                                  </p:stCondLst>
+                                  <p:childTnLst>
+                                    <p:animMotion origin="layout" path="M 2.77778E-6 -0.00254 L 0.85434 -0.00254 " pathEditMode="fixed" rAng="0" ptsTypes="AA">
+                                      <p:cBhvr>
+                                        <p:cTn id="14" dur="10000" fill="hold"/>
+                                        <p:tgtEl>
+                                          <p:spTgt spid="32"/>
+                                        </p:tgtEl>
+                                        <p:attrNameLst>
+                                          <p:attrName>ppt_x</p:attrName>
+                                          <p:attrName>ppt_y</p:attrName>
+                                        </p:attrNameLst>
+                                      </p:cBhvr>
+                                      <p:rCtr x="427" y="0"/>
+                                    </p:animMotion>
+                                  </p:childTnLst>
+                                </p:cTn>
+                              </p:par>
+                            </p:childTnLst>
+                          </p:cTn>
+                        </p:par>
+                      </p:childTnLst>
+                    </p:cTn>
+                  </p:par>
+                </p:childTnLst>
+              </p:cTn>
+              <p:prevCondLst>
+                <p:cond evt="onPrev" delay="0">
+                  <p:tgtEl>
+                    <p:sldTgt/>
+                  </p:tgtEl>
+                </p:cond>
+              </p:prevCondLst>
+              <p:nextCondLst>
+                <p:cond evt="onNext" delay="0">
+                  <p:tgtEl>
+                    <p:sldTgt/>
+                  </p:tgtEl>
+                </p:cond>
+              </p:nextCondLst>
+            </p:seq>
+          </p:childTnLst>
+        </p:cTn>
+      </p:par>
+    </p:tnLst>
+  </p:timing>
 </p:sld>
 </file>
 

--- a/docs/Prezentare.pptx
+++ b/docs/Prezentare.pptx
@@ -3770,8 +3770,10 @@
       </p:grpSpPr>
       <p:pic>
         <p:nvPicPr>
-          <p:cNvPr id="7" name="Imagine 6"/>
-          <p:cNvPicPr/>
+          <p:cNvPr id="7170" name="Picture 2"/>
+          <p:cNvPicPr>
+            <a:picLocks noChangeAspect="1" noChangeArrowheads="1"/>
+          </p:cNvPicPr>
           <p:nvPr/>
         </p:nvPicPr>
         <p:blipFill>
@@ -3783,8 +3785,8 @@
         </p:blipFill>
         <p:spPr bwMode="auto">
           <a:xfrm>
-            <a:off x="285720" y="2000240"/>
-            <a:ext cx="8643998" cy="4000528"/>
+            <a:off x="2071670" y="2928934"/>
+            <a:ext cx="4857784" cy="1948888"/>
           </a:xfrm>
           <a:prstGeom prst="rect">
             <a:avLst/>
@@ -3796,6 +3798,7 @@
             <a:headEnd/>
             <a:tailEnd/>
           </a:ln>
+          <a:effectLst/>
         </p:spPr>
       </p:pic>
       <p:sp>
@@ -3833,11 +3836,7 @@
             </a:r>
             <a:r>
               <a:rPr lang="ro-RO" dirty="0" smtClean="0"/>
-              <a:t> alte </a:t>
-            </a:r>
-            <a:r>
-              <a:rPr lang="ro-RO" dirty="0" smtClean="0"/>
-              <a:t>metode (titlu temporar)</a:t>
+              <a:t> alte metode (titlu temporar)</a:t>
             </a:r>
             <a:endParaRPr lang="ro-RO" dirty="0"/>
           </a:p>
@@ -3845,7 +3844,7 @@
       </p:sp>
       <p:pic>
         <p:nvPicPr>
-          <p:cNvPr id="7170" name="Picture 2"/>
+          <p:cNvPr id="2395" name="Picture 347"/>
           <p:cNvPicPr>
             <a:picLocks noChangeAspect="1" noChangeArrowheads="1"/>
           </p:cNvPicPr>
@@ -3860,8 +3859,8 @@
         </p:blipFill>
         <p:spPr bwMode="auto">
           <a:xfrm>
-            <a:off x="2214546" y="3143248"/>
-            <a:ext cx="4857784" cy="1948888"/>
+            <a:off x="0" y="1928802"/>
+            <a:ext cx="9144000" cy="4353339"/>
           </a:xfrm>
           <a:prstGeom prst="rect">
             <a:avLst/>
@@ -3884,7 +3883,75 @@
   <p:timing>
     <p:tnLst>
       <p:par>
-        <p:cTn id="1" dur="indefinite" restart="never" nodeType="tmRoot"/>
+        <p:cTn id="1" dur="indefinite" restart="never" nodeType="tmRoot">
+          <p:childTnLst>
+            <p:seq concurrent="1" nextAc="seek">
+              <p:cTn id="2" dur="indefinite" nodeType="mainSeq">
+                <p:childTnLst>
+                  <p:par>
+                    <p:cTn id="3" fill="hold">
+                      <p:stCondLst>
+                        <p:cond delay="indefinite"/>
+                      </p:stCondLst>
+                      <p:childTnLst>
+                        <p:par>
+                          <p:cTn id="4" fill="hold">
+                            <p:stCondLst>
+                              <p:cond delay="0"/>
+                            </p:stCondLst>
+                            <p:childTnLst>
+                              <p:par>
+                                <p:cTn id="5" presetID="1" presetClass="entr" presetSubtype="0" fill="hold" nodeType="clickEffect">
+                                  <p:stCondLst>
+                                    <p:cond delay="0"/>
+                                  </p:stCondLst>
+                                  <p:childTnLst>
+                                    <p:set>
+                                      <p:cBhvr>
+                                        <p:cTn id="6" dur="1" fill="hold">
+                                          <p:stCondLst>
+                                            <p:cond delay="0"/>
+                                          </p:stCondLst>
+                                        </p:cTn>
+                                        <p:tgtEl>
+                                          <p:spTgt spid="2395"/>
+                                        </p:tgtEl>
+                                        <p:attrNameLst>
+                                          <p:attrName>style.visibility</p:attrName>
+                                        </p:attrNameLst>
+                                      </p:cBhvr>
+                                      <p:to>
+                                        <p:strVal val="visible"/>
+                                      </p:to>
+                                    </p:set>
+                                  </p:childTnLst>
+                                </p:cTn>
+                              </p:par>
+                            </p:childTnLst>
+                          </p:cTn>
+                        </p:par>
+                      </p:childTnLst>
+                    </p:cTn>
+                  </p:par>
+                </p:childTnLst>
+              </p:cTn>
+              <p:prevCondLst>
+                <p:cond evt="onPrev" delay="0">
+                  <p:tgtEl>
+                    <p:sldTgt/>
+                  </p:tgtEl>
+                </p:cond>
+              </p:prevCondLst>
+              <p:nextCondLst>
+                <p:cond evt="onNext" delay="0">
+                  <p:tgtEl>
+                    <p:sldTgt/>
+                  </p:tgtEl>
+                </p:cond>
+              </p:nextCondLst>
+            </p:seq>
+          </p:childTnLst>
+        </p:cTn>
       </p:par>
     </p:tnLst>
   </p:timing>
@@ -4321,7 +4388,7 @@
       </p:sp>
       <p:pic>
         <p:nvPicPr>
-          <p:cNvPr id="6146" name="Picture 2" descr="D:\git\Licenta\Discuri\docs\imgs\used\pred.png"/>
+          <p:cNvPr id="1026" name="Picture 2" descr="C:\Users\Alex\Desktop\1.png"/>
           <p:cNvPicPr>
             <a:picLocks noChangeAspect="1" noChangeArrowheads="1"/>
           </p:cNvPicPr>
@@ -4336,8 +4403,216 @@
         </p:blipFill>
         <p:spPr bwMode="auto">
           <a:xfrm>
-            <a:off x="0" y="2714620"/>
-            <a:ext cx="9144000" cy="3286125"/>
+            <a:off x="91889" y="3000372"/>
+            <a:ext cx="8909267" cy="2309810"/>
+          </a:xfrm>
+          <a:prstGeom prst="rect">
+            <a:avLst/>
+          </a:prstGeom>
+          <a:noFill/>
+        </p:spPr>
+      </p:pic>
+      <p:pic>
+        <p:nvPicPr>
+          <p:cNvPr id="1027" name="Picture 3" descr="C:\Users\Alex\Desktop\2.png"/>
+          <p:cNvPicPr>
+            <a:picLocks noChangeAspect="1" noChangeArrowheads="1"/>
+          </p:cNvPicPr>
+          <p:nvPr/>
+        </p:nvPicPr>
+        <p:blipFill>
+          <a:blip r:embed="rId3"/>
+          <a:srcRect/>
+          <a:stretch>
+            <a:fillRect/>
+          </a:stretch>
+        </p:blipFill>
+        <p:spPr bwMode="auto">
+          <a:xfrm>
+            <a:off x="91889" y="3000372"/>
+            <a:ext cx="8909267" cy="2309810"/>
+          </a:xfrm>
+          <a:prstGeom prst="rect">
+            <a:avLst/>
+          </a:prstGeom>
+          <a:noFill/>
+        </p:spPr>
+      </p:pic>
+      <p:pic>
+        <p:nvPicPr>
+          <p:cNvPr id="1028" name="Picture 4" descr="C:\Users\Alex\Desktop\3.png"/>
+          <p:cNvPicPr>
+            <a:picLocks noChangeAspect="1" noChangeArrowheads="1"/>
+          </p:cNvPicPr>
+          <p:nvPr/>
+        </p:nvPicPr>
+        <p:blipFill>
+          <a:blip r:embed="rId4"/>
+          <a:srcRect/>
+          <a:stretch>
+            <a:fillRect/>
+          </a:stretch>
+        </p:blipFill>
+        <p:spPr bwMode="auto">
+          <a:xfrm>
+            <a:off x="91889" y="3000372"/>
+            <a:ext cx="8909267" cy="2309810"/>
+          </a:xfrm>
+          <a:prstGeom prst="rect">
+            <a:avLst/>
+          </a:prstGeom>
+          <a:noFill/>
+        </p:spPr>
+      </p:pic>
+      <p:pic>
+        <p:nvPicPr>
+          <p:cNvPr id="1029" name="Picture 5" descr="C:\Users\Alex\Desktop\2+3.png"/>
+          <p:cNvPicPr>
+            <a:picLocks noChangeAspect="1" noChangeArrowheads="1"/>
+          </p:cNvPicPr>
+          <p:nvPr/>
+        </p:nvPicPr>
+        <p:blipFill>
+          <a:blip r:embed="rId5"/>
+          <a:srcRect/>
+          <a:stretch>
+            <a:fillRect/>
+          </a:stretch>
+        </p:blipFill>
+        <p:spPr bwMode="auto">
+          <a:xfrm>
+            <a:off x="91889" y="3000372"/>
+            <a:ext cx="8909267" cy="2309810"/>
+          </a:xfrm>
+          <a:prstGeom prst="rect">
+            <a:avLst/>
+          </a:prstGeom>
+          <a:noFill/>
+        </p:spPr>
+      </p:pic>
+      <p:pic>
+        <p:nvPicPr>
+          <p:cNvPr id="1030" name="Picture 6" descr="C:\Users\Alex\Desktop\4.png"/>
+          <p:cNvPicPr>
+            <a:picLocks noChangeAspect="1" noChangeArrowheads="1"/>
+          </p:cNvPicPr>
+          <p:nvPr/>
+        </p:nvPicPr>
+        <p:blipFill>
+          <a:blip r:embed="rId6"/>
+          <a:srcRect/>
+          <a:stretch>
+            <a:fillRect/>
+          </a:stretch>
+        </p:blipFill>
+        <p:spPr bwMode="auto">
+          <a:xfrm>
+            <a:off x="91889" y="3000372"/>
+            <a:ext cx="8909267" cy="2309810"/>
+          </a:xfrm>
+          <a:prstGeom prst="rect">
+            <a:avLst/>
+          </a:prstGeom>
+          <a:noFill/>
+        </p:spPr>
+      </p:pic>
+      <p:pic>
+        <p:nvPicPr>
+          <p:cNvPr id="1031" name="Picture 7" descr="C:\Users\Alex\Desktop\5.png"/>
+          <p:cNvPicPr>
+            <a:picLocks noChangeAspect="1" noChangeArrowheads="1"/>
+          </p:cNvPicPr>
+          <p:nvPr/>
+        </p:nvPicPr>
+        <p:blipFill>
+          <a:blip r:embed="rId7"/>
+          <a:srcRect/>
+          <a:stretch>
+            <a:fillRect/>
+          </a:stretch>
+        </p:blipFill>
+        <p:spPr bwMode="auto">
+          <a:xfrm>
+            <a:off x="91889" y="3000372"/>
+            <a:ext cx="8909267" cy="2309810"/>
+          </a:xfrm>
+          <a:prstGeom prst="rect">
+            <a:avLst/>
+          </a:prstGeom>
+          <a:noFill/>
+        </p:spPr>
+      </p:pic>
+      <p:pic>
+        <p:nvPicPr>
+          <p:cNvPr id="1032" name="Picture 8" descr="C:\Users\Alex\Desktop\4+5.png"/>
+          <p:cNvPicPr>
+            <a:picLocks noChangeAspect="1" noChangeArrowheads="1"/>
+          </p:cNvPicPr>
+          <p:nvPr/>
+        </p:nvPicPr>
+        <p:blipFill>
+          <a:blip r:embed="rId8"/>
+          <a:srcRect/>
+          <a:stretch>
+            <a:fillRect/>
+          </a:stretch>
+        </p:blipFill>
+        <p:spPr bwMode="auto">
+          <a:xfrm>
+            <a:off x="91889" y="3000372"/>
+            <a:ext cx="8909267" cy="2309810"/>
+          </a:xfrm>
+          <a:prstGeom prst="rect">
+            <a:avLst/>
+          </a:prstGeom>
+          <a:noFill/>
+        </p:spPr>
+      </p:pic>
+      <p:pic>
+        <p:nvPicPr>
+          <p:cNvPr id="1033" name="Picture 9" descr="C:\Users\Alex\Desktop\6.png"/>
+          <p:cNvPicPr>
+            <a:picLocks noChangeAspect="1" noChangeArrowheads="1"/>
+          </p:cNvPicPr>
+          <p:nvPr/>
+        </p:nvPicPr>
+        <p:blipFill>
+          <a:blip r:embed="rId9"/>
+          <a:srcRect/>
+          <a:stretch>
+            <a:fillRect/>
+          </a:stretch>
+        </p:blipFill>
+        <p:spPr bwMode="auto">
+          <a:xfrm>
+            <a:off x="91889" y="3000372"/>
+            <a:ext cx="8909267" cy="2309810"/>
+          </a:xfrm>
+          <a:prstGeom prst="rect">
+            <a:avLst/>
+          </a:prstGeom>
+          <a:noFill/>
+        </p:spPr>
+      </p:pic>
+      <p:pic>
+        <p:nvPicPr>
+          <p:cNvPr id="1034" name="Picture 10" descr="C:\Users\Alex\Desktop\1vs7.png"/>
+          <p:cNvPicPr>
+            <a:picLocks noChangeAspect="1" noChangeArrowheads="1"/>
+          </p:cNvPicPr>
+          <p:nvPr/>
+        </p:nvPicPr>
+        <p:blipFill>
+          <a:blip r:embed="rId10"/>
+          <a:srcRect/>
+          <a:stretch>
+            <a:fillRect/>
+          </a:stretch>
+        </p:blipFill>
+        <p:spPr bwMode="auto">
+          <a:xfrm>
+            <a:off x="91889" y="3000372"/>
+            <a:ext cx="8909267" cy="2309810"/>
           </a:xfrm>
           <a:prstGeom prst="rect">
             <a:avLst/>
@@ -4353,7 +4628,467 @@
   <p:timing>
     <p:tnLst>
       <p:par>
-        <p:cTn id="1" dur="indefinite" restart="never" nodeType="tmRoot"/>
+        <p:cTn id="1" dur="indefinite" restart="never" nodeType="tmRoot">
+          <p:childTnLst>
+            <p:seq concurrent="1" nextAc="seek">
+              <p:cTn id="2" dur="indefinite" nodeType="mainSeq">
+                <p:childTnLst>
+                  <p:par>
+                    <p:cTn id="3" fill="hold">
+                      <p:stCondLst>
+                        <p:cond delay="indefinite"/>
+                      </p:stCondLst>
+                      <p:childTnLst>
+                        <p:par>
+                          <p:cTn id="4" fill="hold">
+                            <p:stCondLst>
+                              <p:cond delay="0"/>
+                            </p:stCondLst>
+                            <p:childTnLst>
+                              <p:par>
+                                <p:cTn id="5" presetID="1" presetClass="entr" presetSubtype="0" fill="hold" nodeType="clickEffect">
+                                  <p:stCondLst>
+                                    <p:cond delay="0"/>
+                                  </p:stCondLst>
+                                  <p:childTnLst>
+                                    <p:set>
+                                      <p:cBhvr>
+                                        <p:cTn id="6" dur="1" fill="hold">
+                                          <p:stCondLst>
+                                            <p:cond delay="0"/>
+                                          </p:stCondLst>
+                                        </p:cTn>
+                                        <p:tgtEl>
+                                          <p:spTgt spid="1026"/>
+                                        </p:tgtEl>
+                                        <p:attrNameLst>
+                                          <p:attrName>style.visibility</p:attrName>
+                                        </p:attrNameLst>
+                                      </p:cBhvr>
+                                      <p:to>
+                                        <p:strVal val="visible"/>
+                                      </p:to>
+                                    </p:set>
+                                  </p:childTnLst>
+                                </p:cTn>
+                              </p:par>
+                            </p:childTnLst>
+                          </p:cTn>
+                        </p:par>
+                      </p:childTnLst>
+                    </p:cTn>
+                  </p:par>
+                  <p:par>
+                    <p:cTn id="7" fill="hold">
+                      <p:stCondLst>
+                        <p:cond delay="indefinite"/>
+                      </p:stCondLst>
+                      <p:childTnLst>
+                        <p:par>
+                          <p:cTn id="8" fill="hold">
+                            <p:stCondLst>
+                              <p:cond delay="0"/>
+                            </p:stCondLst>
+                            <p:childTnLst>
+                              <p:par>
+                                <p:cTn id="9" presetID="22" presetClass="entr" presetSubtype="8" fill="hold" nodeType="clickEffect">
+                                  <p:stCondLst>
+                                    <p:cond delay="0"/>
+                                  </p:stCondLst>
+                                  <p:childTnLst>
+                                    <p:set>
+                                      <p:cBhvr>
+                                        <p:cTn id="10" dur="1" fill="hold">
+                                          <p:stCondLst>
+                                            <p:cond delay="0"/>
+                                          </p:stCondLst>
+                                        </p:cTn>
+                                        <p:tgtEl>
+                                          <p:spTgt spid="1027"/>
+                                        </p:tgtEl>
+                                        <p:attrNameLst>
+                                          <p:attrName>style.visibility</p:attrName>
+                                        </p:attrNameLst>
+                                      </p:cBhvr>
+                                      <p:to>
+                                        <p:strVal val="visible"/>
+                                      </p:to>
+                                    </p:set>
+                                    <p:animEffect transition="in" filter="wipe(left)">
+                                      <p:cBhvr>
+                                        <p:cTn id="11" dur="1000"/>
+                                        <p:tgtEl>
+                                          <p:spTgt spid="1027"/>
+                                        </p:tgtEl>
+                                      </p:cBhvr>
+                                    </p:animEffect>
+                                  </p:childTnLst>
+                                </p:cTn>
+                              </p:par>
+                            </p:childTnLst>
+                          </p:cTn>
+                        </p:par>
+                      </p:childTnLst>
+                    </p:cTn>
+                  </p:par>
+                  <p:par>
+                    <p:cTn id="12" fill="hold">
+                      <p:stCondLst>
+                        <p:cond delay="indefinite"/>
+                      </p:stCondLst>
+                      <p:childTnLst>
+                        <p:par>
+                          <p:cTn id="13" fill="hold">
+                            <p:stCondLst>
+                              <p:cond delay="0"/>
+                            </p:stCondLst>
+                            <p:childTnLst>
+                              <p:par>
+                                <p:cTn id="14" presetID="22" presetClass="entr" presetSubtype="2" fill="hold" nodeType="clickEffect">
+                                  <p:stCondLst>
+                                    <p:cond delay="0"/>
+                                  </p:stCondLst>
+                                  <p:childTnLst>
+                                    <p:set>
+                                      <p:cBhvr>
+                                        <p:cTn id="15" dur="1" fill="hold">
+                                          <p:stCondLst>
+                                            <p:cond delay="0"/>
+                                          </p:stCondLst>
+                                        </p:cTn>
+                                        <p:tgtEl>
+                                          <p:spTgt spid="1028"/>
+                                        </p:tgtEl>
+                                        <p:attrNameLst>
+                                          <p:attrName>style.visibility</p:attrName>
+                                        </p:attrNameLst>
+                                      </p:cBhvr>
+                                      <p:to>
+                                        <p:strVal val="visible"/>
+                                      </p:to>
+                                    </p:set>
+                                    <p:animEffect transition="in" filter="wipe(right)">
+                                      <p:cBhvr>
+                                        <p:cTn id="16" dur="1000"/>
+                                        <p:tgtEl>
+                                          <p:spTgt spid="1028"/>
+                                        </p:tgtEl>
+                                      </p:cBhvr>
+                                    </p:animEffect>
+                                  </p:childTnLst>
+                                </p:cTn>
+                              </p:par>
+                            </p:childTnLst>
+                          </p:cTn>
+                        </p:par>
+                      </p:childTnLst>
+                    </p:cTn>
+                  </p:par>
+                  <p:par>
+                    <p:cTn id="17" fill="hold">
+                      <p:stCondLst>
+                        <p:cond delay="indefinite"/>
+                      </p:stCondLst>
+                      <p:childTnLst>
+                        <p:par>
+                          <p:cTn id="18" fill="hold">
+                            <p:stCondLst>
+                              <p:cond delay="0"/>
+                            </p:stCondLst>
+                            <p:childTnLst>
+                              <p:par>
+                                <p:cTn id="19" presetID="10" presetClass="entr" presetSubtype="0" fill="hold" nodeType="clickEffect">
+                                  <p:stCondLst>
+                                    <p:cond delay="0"/>
+                                  </p:stCondLst>
+                                  <p:childTnLst>
+                                    <p:set>
+                                      <p:cBhvr>
+                                        <p:cTn id="20" dur="1" fill="hold">
+                                          <p:stCondLst>
+                                            <p:cond delay="0"/>
+                                          </p:stCondLst>
+                                        </p:cTn>
+                                        <p:tgtEl>
+                                          <p:spTgt spid="1029"/>
+                                        </p:tgtEl>
+                                        <p:attrNameLst>
+                                          <p:attrName>style.visibility</p:attrName>
+                                        </p:attrNameLst>
+                                      </p:cBhvr>
+                                      <p:to>
+                                        <p:strVal val="visible"/>
+                                      </p:to>
+                                    </p:set>
+                                    <p:animEffect transition="in" filter="fade">
+                                      <p:cBhvr>
+                                        <p:cTn id="21" dur="500"/>
+                                        <p:tgtEl>
+                                          <p:spTgt spid="1029"/>
+                                        </p:tgtEl>
+                                      </p:cBhvr>
+                                    </p:animEffect>
+                                  </p:childTnLst>
+                                </p:cTn>
+                              </p:par>
+                            </p:childTnLst>
+                          </p:cTn>
+                        </p:par>
+                      </p:childTnLst>
+                    </p:cTn>
+                  </p:par>
+                  <p:par>
+                    <p:cTn id="22" fill="hold">
+                      <p:stCondLst>
+                        <p:cond delay="indefinite"/>
+                      </p:stCondLst>
+                      <p:childTnLst>
+                        <p:par>
+                          <p:cTn id="23" fill="hold">
+                            <p:stCondLst>
+                              <p:cond delay="0"/>
+                            </p:stCondLst>
+                            <p:childTnLst>
+                              <p:par>
+                                <p:cTn id="24" presetID="1" presetClass="entr" presetSubtype="0" fill="hold" nodeType="clickEffect">
+                                  <p:stCondLst>
+                                    <p:cond delay="0"/>
+                                  </p:stCondLst>
+                                  <p:childTnLst>
+                                    <p:set>
+                                      <p:cBhvr>
+                                        <p:cTn id="25" dur="1" fill="hold">
+                                          <p:stCondLst>
+                                            <p:cond delay="0"/>
+                                          </p:stCondLst>
+                                        </p:cTn>
+                                        <p:tgtEl>
+                                          <p:spTgt spid="1030"/>
+                                        </p:tgtEl>
+                                        <p:attrNameLst>
+                                          <p:attrName>style.visibility</p:attrName>
+                                        </p:attrNameLst>
+                                      </p:cBhvr>
+                                      <p:to>
+                                        <p:strVal val="visible"/>
+                                      </p:to>
+                                    </p:set>
+                                  </p:childTnLst>
+                                </p:cTn>
+                              </p:par>
+                            </p:childTnLst>
+                          </p:cTn>
+                        </p:par>
+                      </p:childTnLst>
+                    </p:cTn>
+                  </p:par>
+                  <p:par>
+                    <p:cTn id="26" fill="hold">
+                      <p:stCondLst>
+                        <p:cond delay="indefinite"/>
+                      </p:stCondLst>
+                      <p:childTnLst>
+                        <p:par>
+                          <p:cTn id="27" fill="hold">
+                            <p:stCondLst>
+                              <p:cond delay="0"/>
+                            </p:stCondLst>
+                            <p:childTnLst>
+                              <p:par>
+                                <p:cTn id="28" presetID="1" presetClass="entr" presetSubtype="0" fill="hold" nodeType="clickEffect">
+                                  <p:stCondLst>
+                                    <p:cond delay="0"/>
+                                  </p:stCondLst>
+                                  <p:childTnLst>
+                                    <p:set>
+                                      <p:cBhvr>
+                                        <p:cTn id="29" dur="1" fill="hold">
+                                          <p:stCondLst>
+                                            <p:cond delay="0"/>
+                                          </p:stCondLst>
+                                        </p:cTn>
+                                        <p:tgtEl>
+                                          <p:spTgt spid="1031"/>
+                                        </p:tgtEl>
+                                        <p:attrNameLst>
+                                          <p:attrName>style.visibility</p:attrName>
+                                        </p:attrNameLst>
+                                      </p:cBhvr>
+                                      <p:to>
+                                        <p:strVal val="visible"/>
+                                      </p:to>
+                                    </p:set>
+                                  </p:childTnLst>
+                                </p:cTn>
+                              </p:par>
+                            </p:childTnLst>
+                          </p:cTn>
+                        </p:par>
+                      </p:childTnLst>
+                    </p:cTn>
+                  </p:par>
+                  <p:par>
+                    <p:cTn id="30" fill="hold">
+                      <p:stCondLst>
+                        <p:cond delay="indefinite"/>
+                      </p:stCondLst>
+                      <p:childTnLst>
+                        <p:par>
+                          <p:cTn id="31" fill="hold">
+                            <p:stCondLst>
+                              <p:cond delay="0"/>
+                            </p:stCondLst>
+                            <p:childTnLst>
+                              <p:par>
+                                <p:cTn id="32" presetID="1" presetClass="entr" presetSubtype="0" fill="hold" nodeType="clickEffect">
+                                  <p:stCondLst>
+                                    <p:cond delay="0"/>
+                                  </p:stCondLst>
+                                  <p:childTnLst>
+                                    <p:set>
+                                      <p:cBhvr>
+                                        <p:cTn id="33" dur="1" fill="hold">
+                                          <p:stCondLst>
+                                            <p:cond delay="0"/>
+                                          </p:stCondLst>
+                                        </p:cTn>
+                                        <p:tgtEl>
+                                          <p:spTgt spid="1032"/>
+                                        </p:tgtEl>
+                                        <p:attrNameLst>
+                                          <p:attrName>style.visibility</p:attrName>
+                                        </p:attrNameLst>
+                                      </p:cBhvr>
+                                      <p:to>
+                                        <p:strVal val="visible"/>
+                                      </p:to>
+                                    </p:set>
+                                  </p:childTnLst>
+                                </p:cTn>
+                              </p:par>
+                            </p:childTnLst>
+                          </p:cTn>
+                        </p:par>
+                      </p:childTnLst>
+                    </p:cTn>
+                  </p:par>
+                  <p:par>
+                    <p:cTn id="34" fill="hold">
+                      <p:stCondLst>
+                        <p:cond delay="indefinite"/>
+                      </p:stCondLst>
+                      <p:childTnLst>
+                        <p:par>
+                          <p:cTn id="35" fill="hold">
+                            <p:stCondLst>
+                              <p:cond delay="0"/>
+                            </p:stCondLst>
+                            <p:childTnLst>
+                              <p:par>
+                                <p:cTn id="36" presetID="1" presetClass="entr" presetSubtype="0" fill="hold" nodeType="clickEffect">
+                                  <p:stCondLst>
+                                    <p:cond delay="0"/>
+                                  </p:stCondLst>
+                                  <p:childTnLst>
+                                    <p:set>
+                                      <p:cBhvr>
+                                        <p:cTn id="37" dur="1" fill="hold">
+                                          <p:stCondLst>
+                                            <p:cond delay="0"/>
+                                          </p:stCondLst>
+                                        </p:cTn>
+                                        <p:tgtEl>
+                                          <p:spTgt spid="1033"/>
+                                        </p:tgtEl>
+                                        <p:attrNameLst>
+                                          <p:attrName>style.visibility</p:attrName>
+                                        </p:attrNameLst>
+                                      </p:cBhvr>
+                                      <p:to>
+                                        <p:strVal val="visible"/>
+                                      </p:to>
+                                    </p:set>
+                                  </p:childTnLst>
+                                </p:cTn>
+                              </p:par>
+                            </p:childTnLst>
+                          </p:cTn>
+                        </p:par>
+                      </p:childTnLst>
+                    </p:cTn>
+                  </p:par>
+                  <p:par>
+                    <p:cTn id="38" fill="hold">
+                      <p:stCondLst>
+                        <p:cond delay="indefinite"/>
+                      </p:stCondLst>
+                      <p:childTnLst>
+                        <p:par>
+                          <p:cTn id="39" fill="hold">
+                            <p:stCondLst>
+                              <p:cond delay="0"/>
+                            </p:stCondLst>
+                            <p:childTnLst>
+                              <p:par>
+                                <p:cTn id="40" presetID="10" presetClass="entr" presetSubtype="0" fill="hold" nodeType="clickEffect">
+                                  <p:stCondLst>
+                                    <p:cond delay="0"/>
+                                  </p:stCondLst>
+                                  <p:childTnLst>
+                                    <p:set>
+                                      <p:cBhvr>
+                                        <p:cTn id="41" dur="1" fill="hold">
+                                          <p:stCondLst>
+                                            <p:cond delay="0"/>
+                                          </p:stCondLst>
+                                        </p:cTn>
+                                        <p:tgtEl>
+                                          <p:spTgt spid="1034"/>
+                                        </p:tgtEl>
+                                        <p:attrNameLst>
+                                          <p:attrName>style.visibility</p:attrName>
+                                        </p:attrNameLst>
+                                      </p:cBhvr>
+                                      <p:to>
+                                        <p:strVal val="visible"/>
+                                      </p:to>
+                                    </p:set>
+                                    <p:animEffect transition="in" filter="fade">
+                                      <p:cBhvr>
+                                        <p:cTn id="42" dur="500"/>
+                                        <p:tgtEl>
+                                          <p:spTgt spid="1034"/>
+                                        </p:tgtEl>
+                                      </p:cBhvr>
+                                    </p:animEffect>
+                                  </p:childTnLst>
+                                </p:cTn>
+                              </p:par>
+                            </p:childTnLst>
+                          </p:cTn>
+                        </p:par>
+                      </p:childTnLst>
+                    </p:cTn>
+                  </p:par>
+                </p:childTnLst>
+              </p:cTn>
+              <p:prevCondLst>
+                <p:cond evt="onPrev" delay="0">
+                  <p:tgtEl>
+                    <p:sldTgt/>
+                  </p:tgtEl>
+                </p:cond>
+              </p:prevCondLst>
+              <p:nextCondLst>
+                <p:cond evt="onNext" delay="0">
+                  <p:tgtEl>
+                    <p:sldTgt/>
+                  </p:tgtEl>
+                </p:cond>
+              </p:nextCondLst>
+            </p:seq>
+          </p:childTnLst>
+        </p:cTn>
       </p:par>
     </p:tnLst>
   </p:timing>
@@ -4825,7 +5560,6 @@
               <a:rPr lang="ro-RO" dirty="0" smtClean="0"/>
               <a:t>Analizarea tipurilor de distorsiuni de sunet provocate de deteriorări la nivelul șanțului</a:t>
             </a:r>
-            <a:endParaRPr lang="ro-RO" dirty="0" smtClean="0"/>
           </a:p>
           <a:p>
             <a:r>
@@ -4848,28 +5582,24 @@
               <a:rPr lang="ro-RO" dirty="0" smtClean="0"/>
               <a:t> audio</a:t>
             </a:r>
-            <a:endParaRPr lang="ro-RO" dirty="0" smtClean="0"/>
           </a:p>
           <a:p>
             <a:r>
               <a:rPr lang="ro-RO" dirty="0" smtClean="0"/>
               <a:t>Etichetarea unui număr suficient de mare de date pentru antrenarea rețelei neuronale folosind înregistrări stereo ale unor discuri mono</a:t>
             </a:r>
-            <a:endParaRPr lang="ro-RO" dirty="0" smtClean="0"/>
           </a:p>
           <a:p>
             <a:r>
               <a:rPr lang="ro-RO" dirty="0" smtClean="0"/>
               <a:t>Generarea și optimizarea seturilor de antrenare pe baza etichetărilor menționate mai sus</a:t>
             </a:r>
-            <a:endParaRPr lang="ro-RO" dirty="0" smtClean="0"/>
           </a:p>
           <a:p>
             <a:r>
               <a:rPr lang="ro-RO" dirty="0" smtClean="0"/>
               <a:t>Corectarea intervalelor cu distorsiuni folosind predicție liniară, coeficienții acesteia calculându-se cu  metoda lui Burg</a:t>
             </a:r>
-            <a:endParaRPr lang="ro-RO" dirty="0" smtClean="0"/>
           </a:p>
           <a:p>
             <a:r>
@@ -5279,7 +6009,7 @@
         <p:spPr>
           <a:xfrm>
             <a:off x="214282" y="1000108"/>
-            <a:ext cx="8715436" cy="3416320"/>
+            <a:ext cx="8715436" cy="3046988"/>
           </a:xfrm>
           <a:prstGeom prst="rect">
             <a:avLst/>
@@ -5298,11 +6028,15 @@
             </a:pPr>
             <a:r>
               <a:rPr lang="ro-RO" sz="2400" dirty="0" smtClean="0"/>
-              <a:t> Formatele audio analogice mecanice stochează semnalul audio sub forma unei oscilații mecanice gravate într-un mediu solid sub forma </a:t>
+              <a:t> Formatele audio analogice mecanice stochează semnalul audio sub forma unei oscilații mecanice gravate într-un mediu </a:t>
             </a:r>
             <a:r>
               <a:rPr lang="ro-RO" sz="2400" dirty="0" smtClean="0"/>
-              <a:t>unei indentații.</a:t>
+              <a:t>solid</a:t>
+            </a:r>
+            <a:r>
+              <a:rPr lang="en-US" sz="2400" dirty="0" smtClean="0"/>
+              <a:t>.</a:t>
             </a:r>
             <a:endParaRPr lang="ro-RO" sz="2400" dirty="0" smtClean="0"/>
           </a:p>

--- a/docs/Prezentare.pptx
+++ b/docs/Prezentare.pptx
@@ -14,8 +14,8 @@
     <p:sldId id="262" r:id="rId8"/>
     <p:sldId id="263" r:id="rId9"/>
     <p:sldId id="264" r:id="rId10"/>
-    <p:sldId id="270" r:id="rId11"/>
-    <p:sldId id="265" r:id="rId12"/>
+    <p:sldId id="265" r:id="rId11"/>
+    <p:sldId id="270" r:id="rId12"/>
     <p:sldId id="266" r:id="rId13"/>
     <p:sldId id="267" r:id="rId14"/>
     <p:sldId id="269" r:id="rId15"/>
@@ -302,7 +302,7 @@
             <a:fld id="{6DC0E1D0-27EE-4FDB-B2E1-7C89D03F1E5D}" type="datetimeFigureOut">
               <a:rPr lang="ro-RO" smtClean="0"/>
               <a:pPr/>
-              <a:t>04.07.2018</a:t>
+              <a:t>05.07.2018</a:t>
             </a:fld>
             <a:endParaRPr lang="ro-RO" dirty="0"/>
           </a:p>
@@ -469,7 +469,7 @@
             <a:fld id="{6DC0E1D0-27EE-4FDB-B2E1-7C89D03F1E5D}" type="datetimeFigureOut">
               <a:rPr lang="ro-RO" smtClean="0"/>
               <a:pPr/>
-              <a:t>04.07.2018</a:t>
+              <a:t>05.07.2018</a:t>
             </a:fld>
             <a:endParaRPr lang="ro-RO" dirty="0"/>
           </a:p>
@@ -646,7 +646,7 @@
             <a:fld id="{6DC0E1D0-27EE-4FDB-B2E1-7C89D03F1E5D}" type="datetimeFigureOut">
               <a:rPr lang="ro-RO" smtClean="0"/>
               <a:pPr/>
-              <a:t>04.07.2018</a:t>
+              <a:t>05.07.2018</a:t>
             </a:fld>
             <a:endParaRPr lang="ro-RO" dirty="0"/>
           </a:p>
@@ -813,7 +813,7 @@
             <a:fld id="{6DC0E1D0-27EE-4FDB-B2E1-7C89D03F1E5D}" type="datetimeFigureOut">
               <a:rPr lang="ro-RO" smtClean="0"/>
               <a:pPr/>
-              <a:t>04.07.2018</a:t>
+              <a:t>05.07.2018</a:t>
             </a:fld>
             <a:endParaRPr lang="ro-RO" dirty="0"/>
           </a:p>
@@ -1056,7 +1056,7 @@
             <a:fld id="{6DC0E1D0-27EE-4FDB-B2E1-7C89D03F1E5D}" type="datetimeFigureOut">
               <a:rPr lang="ro-RO" smtClean="0"/>
               <a:pPr/>
-              <a:t>04.07.2018</a:t>
+              <a:t>05.07.2018</a:t>
             </a:fld>
             <a:endParaRPr lang="ro-RO" dirty="0"/>
           </a:p>
@@ -1341,7 +1341,7 @@
             <a:fld id="{6DC0E1D0-27EE-4FDB-B2E1-7C89D03F1E5D}" type="datetimeFigureOut">
               <a:rPr lang="ro-RO" smtClean="0"/>
               <a:pPr/>
-              <a:t>04.07.2018</a:t>
+              <a:t>05.07.2018</a:t>
             </a:fld>
             <a:endParaRPr lang="ro-RO" dirty="0"/>
           </a:p>
@@ -1760,7 +1760,7 @@
             <a:fld id="{6DC0E1D0-27EE-4FDB-B2E1-7C89D03F1E5D}" type="datetimeFigureOut">
               <a:rPr lang="ro-RO" smtClean="0"/>
               <a:pPr/>
-              <a:t>04.07.2018</a:t>
+              <a:t>05.07.2018</a:t>
             </a:fld>
             <a:endParaRPr lang="ro-RO" dirty="0"/>
           </a:p>
@@ -1875,7 +1875,7 @@
             <a:fld id="{6DC0E1D0-27EE-4FDB-B2E1-7C89D03F1E5D}" type="datetimeFigureOut">
               <a:rPr lang="ro-RO" smtClean="0"/>
               <a:pPr/>
-              <a:t>04.07.2018</a:t>
+              <a:t>05.07.2018</a:t>
             </a:fld>
             <a:endParaRPr lang="ro-RO" dirty="0"/>
           </a:p>
@@ -1967,7 +1967,7 @@
             <a:fld id="{6DC0E1D0-27EE-4FDB-B2E1-7C89D03F1E5D}" type="datetimeFigureOut">
               <a:rPr lang="ro-RO" smtClean="0"/>
               <a:pPr/>
-              <a:t>04.07.2018</a:t>
+              <a:t>05.07.2018</a:t>
             </a:fld>
             <a:endParaRPr lang="ro-RO" dirty="0"/>
           </a:p>
@@ -2241,7 +2241,7 @@
             <a:fld id="{6DC0E1D0-27EE-4FDB-B2E1-7C89D03F1E5D}" type="datetimeFigureOut">
               <a:rPr lang="ro-RO" smtClean="0"/>
               <a:pPr/>
-              <a:t>04.07.2018</a:t>
+              <a:t>05.07.2018</a:t>
             </a:fld>
             <a:endParaRPr lang="ro-RO" dirty="0"/>
           </a:p>
@@ -2491,7 +2491,7 @@
             <a:fld id="{6DC0E1D0-27EE-4FDB-B2E1-7C89D03F1E5D}" type="datetimeFigureOut">
               <a:rPr lang="ro-RO" smtClean="0"/>
               <a:pPr/>
-              <a:t>04.07.2018</a:t>
+              <a:t>05.07.2018</a:t>
             </a:fld>
             <a:endParaRPr lang="ro-RO" dirty="0"/>
           </a:p>
@@ -2701,7 +2701,7 @@
             <a:fld id="{6DC0E1D0-27EE-4FDB-B2E1-7C89D03F1E5D}" type="datetimeFigureOut">
               <a:rPr lang="ro-RO" smtClean="0"/>
               <a:pPr/>
-              <a:t>04.07.2018</a:t>
+              <a:t>05.07.2018</a:t>
             </a:fld>
             <a:endParaRPr lang="ro-RO" dirty="0"/>
           </a:p>
@@ -3768,213 +3768,6 @@
           <a:chExt cx="0" cy="0"/>
         </a:xfrm>
       </p:grpSpPr>
-      <p:pic>
-        <p:nvPicPr>
-          <p:cNvPr id="7170" name="Picture 2"/>
-          <p:cNvPicPr>
-            <a:picLocks noChangeAspect="1" noChangeArrowheads="1"/>
-          </p:cNvPicPr>
-          <p:nvPr/>
-        </p:nvPicPr>
-        <p:blipFill>
-          <a:blip r:embed="rId2"/>
-          <a:srcRect/>
-          <a:stretch>
-            <a:fillRect/>
-          </a:stretch>
-        </p:blipFill>
-        <p:spPr bwMode="auto">
-          <a:xfrm>
-            <a:off x="2071670" y="2928934"/>
-            <a:ext cx="4857784" cy="1948888"/>
-          </a:xfrm>
-          <a:prstGeom prst="rect">
-            <a:avLst/>
-          </a:prstGeom>
-          <a:noFill/>
-          <a:ln w="9525">
-            <a:noFill/>
-            <a:miter lim="800000"/>
-            <a:headEnd/>
-            <a:tailEnd/>
-          </a:ln>
-          <a:effectLst/>
-        </p:spPr>
-      </p:pic>
-      <p:sp>
-        <p:nvSpPr>
-          <p:cNvPr id="2" name="Titlu 1"/>
-          <p:cNvSpPr>
-            <a:spLocks noGrp="1"/>
-          </p:cNvSpPr>
-          <p:nvPr>
-            <p:ph type="title"/>
-          </p:nvPr>
-        </p:nvSpPr>
-        <p:spPr/>
-        <p:txBody>
-          <a:bodyPr>
-            <a:normAutofit fontScale="90000"/>
-          </a:bodyPr>
-          <a:lstStyle/>
-          <a:p>
-            <a:r>
-              <a:rPr lang="ro-RO" dirty="0" smtClean="0"/>
-              <a:t>Tabel cu rezultate NN; </a:t>
-            </a:r>
-            <a:r>
-              <a:rPr lang="ro-RO" dirty="0" err="1" smtClean="0"/>
-              <a:t>NN</a:t>
-            </a:r>
-            <a:r>
-              <a:rPr lang="ro-RO" dirty="0" smtClean="0"/>
-              <a:t> </a:t>
-            </a:r>
-            <a:r>
-              <a:rPr lang="ro-RO" dirty="0" err="1" smtClean="0"/>
-              <a:t>vs</a:t>
-            </a:r>
-            <a:r>
-              <a:rPr lang="ro-RO" dirty="0" smtClean="0"/>
-              <a:t> alte metode (titlu temporar)</a:t>
-            </a:r>
-            <a:endParaRPr lang="ro-RO" dirty="0"/>
-          </a:p>
-        </p:txBody>
-      </p:sp>
-      <p:pic>
-        <p:nvPicPr>
-          <p:cNvPr id="2395" name="Picture 347"/>
-          <p:cNvPicPr>
-            <a:picLocks noChangeAspect="1" noChangeArrowheads="1"/>
-          </p:cNvPicPr>
-          <p:nvPr/>
-        </p:nvPicPr>
-        <p:blipFill>
-          <a:blip r:embed="rId3"/>
-          <a:srcRect/>
-          <a:stretch>
-            <a:fillRect/>
-          </a:stretch>
-        </p:blipFill>
-        <p:spPr bwMode="auto">
-          <a:xfrm>
-            <a:off x="0" y="1928802"/>
-            <a:ext cx="9144000" cy="4353339"/>
-          </a:xfrm>
-          <a:prstGeom prst="rect">
-            <a:avLst/>
-          </a:prstGeom>
-          <a:noFill/>
-          <a:ln w="9525">
-            <a:noFill/>
-            <a:miter lim="800000"/>
-            <a:headEnd/>
-            <a:tailEnd/>
-          </a:ln>
-          <a:effectLst/>
-        </p:spPr>
-      </p:pic>
-    </p:spTree>
-  </p:cSld>
-  <p:clrMapOvr>
-    <a:masterClrMapping/>
-  </p:clrMapOvr>
-  <p:timing>
-    <p:tnLst>
-      <p:par>
-        <p:cTn id="1" dur="indefinite" restart="never" nodeType="tmRoot">
-          <p:childTnLst>
-            <p:seq concurrent="1" nextAc="seek">
-              <p:cTn id="2" dur="indefinite" nodeType="mainSeq">
-                <p:childTnLst>
-                  <p:par>
-                    <p:cTn id="3" fill="hold">
-                      <p:stCondLst>
-                        <p:cond delay="indefinite"/>
-                      </p:stCondLst>
-                      <p:childTnLst>
-                        <p:par>
-                          <p:cTn id="4" fill="hold">
-                            <p:stCondLst>
-                              <p:cond delay="0"/>
-                            </p:stCondLst>
-                            <p:childTnLst>
-                              <p:par>
-                                <p:cTn id="5" presetID="1" presetClass="entr" presetSubtype="0" fill="hold" nodeType="clickEffect">
-                                  <p:stCondLst>
-                                    <p:cond delay="0"/>
-                                  </p:stCondLst>
-                                  <p:childTnLst>
-                                    <p:set>
-                                      <p:cBhvr>
-                                        <p:cTn id="6" dur="1" fill="hold">
-                                          <p:stCondLst>
-                                            <p:cond delay="0"/>
-                                          </p:stCondLst>
-                                        </p:cTn>
-                                        <p:tgtEl>
-                                          <p:spTgt spid="2395"/>
-                                        </p:tgtEl>
-                                        <p:attrNameLst>
-                                          <p:attrName>style.visibility</p:attrName>
-                                        </p:attrNameLst>
-                                      </p:cBhvr>
-                                      <p:to>
-                                        <p:strVal val="visible"/>
-                                      </p:to>
-                                    </p:set>
-                                  </p:childTnLst>
-                                </p:cTn>
-                              </p:par>
-                            </p:childTnLst>
-                          </p:cTn>
-                        </p:par>
-                      </p:childTnLst>
-                    </p:cTn>
-                  </p:par>
-                </p:childTnLst>
-              </p:cTn>
-              <p:prevCondLst>
-                <p:cond evt="onPrev" delay="0">
-                  <p:tgtEl>
-                    <p:sldTgt/>
-                  </p:tgtEl>
-                </p:cond>
-              </p:prevCondLst>
-              <p:nextCondLst>
-                <p:cond evt="onNext" delay="0">
-                  <p:tgtEl>
-                    <p:sldTgt/>
-                  </p:tgtEl>
-                </p:cond>
-              </p:nextCondLst>
-            </p:seq>
-          </p:childTnLst>
-        </p:cTn>
-      </p:par>
-    </p:tnLst>
-  </p:timing>
-</p:sld>
-</file>
-
-<file path=ppt/slides/slide11.xml><?xml version="1.0" encoding="utf-8"?>
-<p:sld xmlns:a="http://schemas.openxmlformats.org/drawingml/2006/main" xmlns:r="http://schemas.openxmlformats.org/officeDocument/2006/relationships" xmlns:p="http://schemas.openxmlformats.org/presentationml/2006/main">
-  <p:cSld>
-    <p:spTree>
-      <p:nvGrpSpPr>
-        <p:cNvPr id="1" name=""/>
-        <p:cNvGrpSpPr/>
-        <p:nvPr/>
-      </p:nvGrpSpPr>
-      <p:grpSpPr>
-        <a:xfrm>
-          <a:off x="0" y="0"/>
-          <a:ext cx="0" cy="0"/>
-          <a:chOff x="0" y="0"/>
-          <a:chExt cx="0" cy="0"/>
-        </a:xfrm>
-      </p:grpSpPr>
       <p:sp>
         <p:nvSpPr>
           <p:cNvPr id="4" name="Dreptunghi 3"/>
@@ -4221,6 +4014,349 @@
                                         </p:tgtEl>
                                       </p:cBhvr>
                                     </p:animEffect>
+                                  </p:childTnLst>
+                                </p:cTn>
+                              </p:par>
+                            </p:childTnLst>
+                          </p:cTn>
+                        </p:par>
+                      </p:childTnLst>
+                    </p:cTn>
+                  </p:par>
+                </p:childTnLst>
+              </p:cTn>
+              <p:prevCondLst>
+                <p:cond evt="onPrev" delay="0">
+                  <p:tgtEl>
+                    <p:sldTgt/>
+                  </p:tgtEl>
+                </p:cond>
+              </p:prevCondLst>
+              <p:nextCondLst>
+                <p:cond evt="onNext" delay="0">
+                  <p:tgtEl>
+                    <p:sldTgt/>
+                  </p:tgtEl>
+                </p:cond>
+              </p:nextCondLst>
+            </p:seq>
+          </p:childTnLst>
+        </p:cTn>
+      </p:par>
+    </p:tnLst>
+  </p:timing>
+</p:sld>
+</file>
+
+<file path=ppt/slides/slide11.xml><?xml version="1.0" encoding="utf-8"?>
+<p:sld xmlns:a="http://schemas.openxmlformats.org/drawingml/2006/main" xmlns:r="http://schemas.openxmlformats.org/officeDocument/2006/relationships" xmlns:p="http://schemas.openxmlformats.org/presentationml/2006/main">
+  <p:cSld>
+    <p:spTree>
+      <p:nvGrpSpPr>
+        <p:cNvPr id="1" name=""/>
+        <p:cNvGrpSpPr/>
+        <p:nvPr/>
+      </p:nvGrpSpPr>
+      <p:grpSpPr>
+        <a:xfrm>
+          <a:off x="0" y="0"/>
+          <a:ext cx="0" cy="0"/>
+          <a:chOff x="0" y="0"/>
+          <a:chExt cx="0" cy="0"/>
+        </a:xfrm>
+      </p:grpSpPr>
+      <p:pic>
+        <p:nvPicPr>
+          <p:cNvPr id="7170" name="Picture 2"/>
+          <p:cNvPicPr>
+            <a:picLocks noChangeAspect="1" noChangeArrowheads="1"/>
+          </p:cNvPicPr>
+          <p:nvPr/>
+        </p:nvPicPr>
+        <p:blipFill>
+          <a:blip r:embed="rId2"/>
+          <a:srcRect/>
+          <a:stretch>
+            <a:fillRect/>
+          </a:stretch>
+        </p:blipFill>
+        <p:spPr bwMode="auto">
+          <a:xfrm>
+            <a:off x="2071670" y="2928934"/>
+            <a:ext cx="4857784" cy="1948888"/>
+          </a:xfrm>
+          <a:prstGeom prst="rect">
+            <a:avLst/>
+          </a:prstGeom>
+          <a:noFill/>
+          <a:ln w="9525">
+            <a:noFill/>
+            <a:miter lim="800000"/>
+            <a:headEnd/>
+            <a:tailEnd/>
+          </a:ln>
+          <a:effectLst/>
+        </p:spPr>
+      </p:pic>
+      <p:pic>
+        <p:nvPicPr>
+          <p:cNvPr id="2395" name="Picture 347"/>
+          <p:cNvPicPr>
+            <a:picLocks noChangeAspect="1" noChangeArrowheads="1"/>
+          </p:cNvPicPr>
+          <p:nvPr/>
+        </p:nvPicPr>
+        <p:blipFill>
+          <a:blip r:embed="rId3"/>
+          <a:srcRect/>
+          <a:stretch>
+            <a:fillRect/>
+          </a:stretch>
+        </p:blipFill>
+        <p:spPr bwMode="auto">
+          <a:xfrm>
+            <a:off x="0" y="1928802"/>
+            <a:ext cx="9144000" cy="4353339"/>
+          </a:xfrm>
+          <a:prstGeom prst="rect">
+            <a:avLst/>
+          </a:prstGeom>
+          <a:noFill/>
+          <a:ln w="9525">
+            <a:noFill/>
+            <a:miter lim="800000"/>
+            <a:headEnd/>
+            <a:tailEnd/>
+          </a:ln>
+          <a:effectLst/>
+        </p:spPr>
+      </p:pic>
+      <p:sp>
+        <p:nvSpPr>
+          <p:cNvPr id="2" name="Titlu 1"/>
+          <p:cNvSpPr>
+            <a:spLocks noGrp="1"/>
+          </p:cNvSpPr>
+          <p:nvPr>
+            <p:ph type="title"/>
+          </p:nvPr>
+        </p:nvSpPr>
+        <p:spPr>
+          <a:xfrm>
+            <a:off x="457200" y="142852"/>
+            <a:ext cx="8229600" cy="1797040"/>
+          </a:xfrm>
+        </p:spPr>
+        <p:txBody>
+          <a:bodyPr>
+            <a:normAutofit fontScale="90000"/>
+          </a:bodyPr>
+          <a:lstStyle/>
+          <a:p>
+            <a:r>
+              <a:rPr lang="ro-RO" dirty="0" smtClean="0"/>
+              <a:t>Rețea neuronală </a:t>
+            </a:r>
+            <a:r>
+              <a:rPr lang="ro-RO" dirty="0" err="1" smtClean="0"/>
+              <a:t>vs</a:t>
+            </a:r>
+            <a:r>
+              <a:rPr lang="ro-RO" dirty="0" smtClean="0"/>
+              <a:t> alți clasificatori</a:t>
+            </a:r>
+            <a:br>
+              <a:rPr lang="ro-RO" dirty="0" smtClean="0"/>
+            </a:br>
+            <a:r>
+              <a:rPr lang="ro-RO" dirty="0" smtClean="0"/>
+              <a:t>Diferite configurații ale NN și a setului de antrenare</a:t>
+            </a:r>
+            <a:endParaRPr lang="ro-RO" dirty="0"/>
+          </a:p>
+        </p:txBody>
+      </p:sp>
+      <p:pic>
+        <p:nvPicPr>
+          <p:cNvPr id="1026" name="Picture 2"/>
+          <p:cNvPicPr>
+            <a:picLocks noChangeAspect="1" noChangeArrowheads="1"/>
+          </p:cNvPicPr>
+          <p:nvPr/>
+        </p:nvPicPr>
+        <p:blipFill>
+          <a:blip r:embed="rId4"/>
+          <a:srcRect/>
+          <a:stretch>
+            <a:fillRect/>
+          </a:stretch>
+        </p:blipFill>
+        <p:spPr bwMode="auto">
+          <a:xfrm>
+            <a:off x="0" y="3071810"/>
+            <a:ext cx="9144000" cy="1830103"/>
+          </a:xfrm>
+          <a:prstGeom prst="rect">
+            <a:avLst/>
+          </a:prstGeom>
+          <a:noFill/>
+          <a:ln w="9525">
+            <a:noFill/>
+            <a:miter lim="800000"/>
+            <a:headEnd/>
+            <a:tailEnd/>
+          </a:ln>
+          <a:effectLst/>
+        </p:spPr>
+      </p:pic>
+    </p:spTree>
+  </p:cSld>
+  <p:clrMapOvr>
+    <a:masterClrMapping/>
+  </p:clrMapOvr>
+  <p:timing>
+    <p:tnLst>
+      <p:par>
+        <p:cTn id="1" dur="indefinite" restart="never" nodeType="tmRoot">
+          <p:childTnLst>
+            <p:seq concurrent="1" nextAc="seek">
+              <p:cTn id="2" dur="indefinite" nodeType="mainSeq">
+                <p:childTnLst>
+                  <p:par>
+                    <p:cTn id="3" fill="hold">
+                      <p:stCondLst>
+                        <p:cond delay="indefinite"/>
+                      </p:stCondLst>
+                      <p:childTnLst>
+                        <p:par>
+                          <p:cTn id="4" fill="hold">
+                            <p:stCondLst>
+                              <p:cond delay="0"/>
+                            </p:stCondLst>
+                            <p:childTnLst>
+                              <p:par>
+                                <p:cTn id="5" presetID="1" presetClass="entr" presetSubtype="0" fill="hold" nodeType="clickEffect">
+                                  <p:stCondLst>
+                                    <p:cond delay="0"/>
+                                  </p:stCondLst>
+                                  <p:childTnLst>
+                                    <p:set>
+                                      <p:cBhvr>
+                                        <p:cTn id="6" dur="1" fill="hold">
+                                          <p:stCondLst>
+                                            <p:cond delay="0"/>
+                                          </p:stCondLst>
+                                        </p:cTn>
+                                        <p:tgtEl>
+                                          <p:spTgt spid="2395"/>
+                                        </p:tgtEl>
+                                        <p:attrNameLst>
+                                          <p:attrName>style.visibility</p:attrName>
+                                        </p:attrNameLst>
+                                      </p:cBhvr>
+                                      <p:to>
+                                        <p:strVal val="visible"/>
+                                      </p:to>
+                                    </p:set>
+                                  </p:childTnLst>
+                                </p:cTn>
+                              </p:par>
+                            </p:childTnLst>
+                          </p:cTn>
+                        </p:par>
+                      </p:childTnLst>
+                    </p:cTn>
+                  </p:par>
+                  <p:par>
+                    <p:cTn id="7" fill="hold">
+                      <p:stCondLst>
+                        <p:cond delay="indefinite"/>
+                      </p:stCondLst>
+                      <p:childTnLst>
+                        <p:par>
+                          <p:cTn id="8" fill="hold">
+                            <p:stCondLst>
+                              <p:cond delay="0"/>
+                            </p:stCondLst>
+                            <p:childTnLst>
+                              <p:par>
+                                <p:cTn id="9" presetID="1" presetClass="exit" presetSubtype="0" fill="hold" nodeType="clickEffect">
+                                  <p:stCondLst>
+                                    <p:cond delay="0"/>
+                                  </p:stCondLst>
+                                  <p:childTnLst>
+                                    <p:set>
+                                      <p:cBhvr>
+                                        <p:cTn id="10" dur="1" fill="hold">
+                                          <p:stCondLst>
+                                            <p:cond delay="0"/>
+                                          </p:stCondLst>
+                                        </p:cTn>
+                                        <p:tgtEl>
+                                          <p:spTgt spid="2395"/>
+                                        </p:tgtEl>
+                                        <p:attrNameLst>
+                                          <p:attrName>style.visibility</p:attrName>
+                                        </p:attrNameLst>
+                                      </p:cBhvr>
+                                      <p:to>
+                                        <p:strVal val="hidden"/>
+                                      </p:to>
+                                    </p:set>
+                                  </p:childTnLst>
+                                </p:cTn>
+                              </p:par>
+                              <p:par>
+                                <p:cTn id="11" presetID="1" presetClass="entr" presetSubtype="0" fill="hold" nodeType="withEffect">
+                                  <p:stCondLst>
+                                    <p:cond delay="0"/>
+                                  </p:stCondLst>
+                                  <p:childTnLst>
+                                    <p:set>
+                                      <p:cBhvr>
+                                        <p:cTn id="12" dur="1" fill="hold">
+                                          <p:stCondLst>
+                                            <p:cond delay="0"/>
+                                          </p:stCondLst>
+                                        </p:cTn>
+                                        <p:tgtEl>
+                                          <p:spTgt spid="1026"/>
+                                        </p:tgtEl>
+                                        <p:attrNameLst>
+                                          <p:attrName>style.visibility</p:attrName>
+                                        </p:attrNameLst>
+                                      </p:cBhvr>
+                                      <p:to>
+                                        <p:strVal val="visible"/>
+                                      </p:to>
+                                    </p:set>
+                                  </p:childTnLst>
+                                </p:cTn>
+                              </p:par>
+                              <p:par>
+                                <p:cTn id="13" presetID="1" presetClass="exit" presetSubtype="0" fill="hold" nodeType="withEffect">
+                                  <p:stCondLst>
+                                    <p:cond delay="0"/>
+                                  </p:stCondLst>
+                                  <p:childTnLst>
+                                    <p:set>
+                                      <p:cBhvr>
+                                        <p:cTn id="14" dur="1" fill="hold">
+                                          <p:stCondLst>
+                                            <p:cond delay="0"/>
+                                          </p:stCondLst>
+                                        </p:cTn>
+                                        <p:tgtEl>
+                                          <p:spTgt spid="7170"/>
+                                        </p:tgtEl>
+                                        <p:attrNameLst>
+                                          <p:attrName>style.visibility</p:attrName>
+                                        </p:attrNameLst>
+                                      </p:cBhvr>
+                                      <p:to>
+                                        <p:strVal val="hidden"/>
+                                      </p:to>
+                                    </p:set>
                                   </p:childTnLst>
                                 </p:cTn>
                               </p:par>
@@ -6028,11 +6164,7 @@
             </a:pPr>
             <a:r>
               <a:rPr lang="ro-RO" sz="2400" dirty="0" smtClean="0"/>
-              <a:t> Formatele audio analogice mecanice stochează semnalul audio sub forma unei oscilații mecanice gravate într-un mediu </a:t>
-            </a:r>
-            <a:r>
-              <a:rPr lang="ro-RO" sz="2400" dirty="0" smtClean="0"/>
-              <a:t>solid</a:t>
+              <a:t> Formatele audio analogice mecanice stochează semnalul audio sub forma unei oscilații mecanice gravate într-un mediu solid</a:t>
             </a:r>
             <a:r>
               <a:rPr lang="en-US" sz="2400" dirty="0" smtClean="0"/>
